--- a/files/CS1501/recitation_1/git_crash_course.pptx
+++ b/files/CS1501/recitation_1/git_crash_course.pptx
@@ -5,7 +5,7 @@
     <p:sldMasterId id="2147483654" r:id="rId1"/>
   </p:sldMasterIdLst>
   <p:notesMasterIdLst>
-    <p:notesMasterId r:id="rId29"/>
+    <p:notesMasterId r:id="rId38"/>
   </p:notesMasterIdLst>
   <p:sldIdLst>
     <p:sldId id="276" r:id="rId2"/>
@@ -21,20 +21,29 @@
     <p:sldId id="262" r:id="rId12"/>
     <p:sldId id="263" r:id="rId13"/>
     <p:sldId id="264" r:id="rId14"/>
-    <p:sldId id="265" r:id="rId15"/>
-    <p:sldId id="266" r:id="rId16"/>
-    <p:sldId id="267" r:id="rId17"/>
-    <p:sldId id="268" r:id="rId18"/>
-    <p:sldId id="269" r:id="rId19"/>
-    <p:sldId id="270" r:id="rId20"/>
-    <p:sldId id="271" r:id="rId21"/>
-    <p:sldId id="273" r:id="rId22"/>
-    <p:sldId id="283" r:id="rId23"/>
-    <p:sldId id="280" r:id="rId24"/>
-    <p:sldId id="282" r:id="rId25"/>
-    <p:sldId id="281" r:id="rId26"/>
-    <p:sldId id="274" r:id="rId27"/>
+    <p:sldId id="291" r:id="rId15"/>
+    <p:sldId id="265" r:id="rId16"/>
+    <p:sldId id="266" r:id="rId17"/>
+    <p:sldId id="267" r:id="rId18"/>
+    <p:sldId id="268" r:id="rId19"/>
+    <p:sldId id="269" r:id="rId20"/>
+    <p:sldId id="270" r:id="rId21"/>
+    <p:sldId id="271" r:id="rId22"/>
+    <p:sldId id="273" r:id="rId23"/>
+    <p:sldId id="283" r:id="rId24"/>
+    <p:sldId id="280" r:id="rId25"/>
+    <p:sldId id="282" r:id="rId26"/>
+    <p:sldId id="281" r:id="rId27"/>
     <p:sldId id="272" r:id="rId28"/>
+    <p:sldId id="290" r:id="rId29"/>
+    <p:sldId id="292" r:id="rId30"/>
+    <p:sldId id="294" r:id="rId31"/>
+    <p:sldId id="284" r:id="rId32"/>
+    <p:sldId id="285" r:id="rId33"/>
+    <p:sldId id="286" r:id="rId34"/>
+    <p:sldId id="287" r:id="rId35"/>
+    <p:sldId id="288" r:id="rId36"/>
+    <p:sldId id="289" r:id="rId37"/>
   </p:sldIdLst>
   <p:sldSz cx="9144000" cy="6858000" type="screen4x3"/>
   <p:notesSz cx="6858000" cy="9144000"/>
@@ -943,6 +952,115 @@
   <p:cSld>
     <p:spTree>
       <p:nvGrpSpPr>
+        <p:cNvPr id="1" name="Shape 33"/>
+        <p:cNvGrpSpPr/>
+        <p:nvPr/>
+      </p:nvGrpSpPr>
+      <p:grpSpPr>
+        <a:xfrm>
+          <a:off x="0" y="0"/>
+          <a:ext cx="0" cy="0"/>
+          <a:chOff x="0" y="0"/>
+          <a:chExt cx="0" cy="0"/>
+        </a:xfrm>
+      </p:grpSpPr>
+      <p:sp>
+        <p:nvSpPr>
+          <p:cNvPr id="34" name="Google Shape;34;p:notes"/>
+          <p:cNvSpPr>
+            <a:spLocks noGrp="1" noRot="1" noChangeAspect="1"/>
+          </p:cNvSpPr>
+          <p:nvPr>
+            <p:ph type="sldImg" idx="2"/>
+          </p:nvPr>
+        </p:nvSpPr>
+        <p:spPr>
+          <a:xfrm>
+            <a:off x="1143000" y="685800"/>
+            <a:ext cx="4572000" cy="3429000"/>
+          </a:xfrm>
+          <a:custGeom>
+            <a:avLst/>
+            <a:gdLst/>
+            <a:ahLst/>
+            <a:cxnLst/>
+            <a:rect l="l" t="t" r="r" b="b"/>
+            <a:pathLst>
+              <a:path w="120000" h="120000" extrusionOk="0">
+                <a:moveTo>
+                  <a:pt x="0" y="0"/>
+                </a:moveTo>
+                <a:lnTo>
+                  <a:pt x="120000" y="0"/>
+                </a:lnTo>
+                <a:lnTo>
+                  <a:pt x="120000" y="120000"/>
+                </a:lnTo>
+                <a:lnTo>
+                  <a:pt x="0" y="120000"/>
+                </a:lnTo>
+                <a:close/>
+              </a:path>
+            </a:pathLst>
+          </a:custGeom>
+        </p:spPr>
+      </p:sp>
+      <p:sp>
+        <p:nvSpPr>
+          <p:cNvPr id="35" name="Google Shape;35;p:notes"/>
+          <p:cNvSpPr txBox="1">
+            <a:spLocks noGrp="1"/>
+          </p:cNvSpPr>
+          <p:nvPr>
+            <p:ph type="body" idx="1"/>
+          </p:nvPr>
+        </p:nvSpPr>
+        <p:spPr>
+          <a:xfrm>
+            <a:off x="685800" y="4343400"/>
+            <a:ext cx="5486400" cy="4114800"/>
+          </a:xfrm>
+          <a:prstGeom prst="rect">
+            <a:avLst/>
+          </a:prstGeom>
+        </p:spPr>
+        <p:txBody>
+          <a:bodyPr spcFirstLastPara="1" wrap="square" lIns="91425" tIns="91425" rIns="91425" bIns="91425" anchor="t" anchorCtr="0">
+            <a:noAutofit/>
+          </a:bodyPr>
+          <a:lstStyle/>
+          <a:p>
+            <a:pPr marL="0" lvl="0" indent="457200" rtl="0">
+              <a:spcBef>
+                <a:spcPts val="0"/>
+              </a:spcBef>
+              <a:spcAft>
+                <a:spcPts val="0"/>
+              </a:spcAft>
+              <a:buNone/>
+            </a:pPr>
+            <a:endParaRPr/>
+          </a:p>
+        </p:txBody>
+      </p:sp>
+    </p:spTree>
+    <p:extLst>
+      <p:ext uri="{BB962C8B-B14F-4D97-AF65-F5344CB8AC3E}">
+        <p14:creationId xmlns:p14="http://schemas.microsoft.com/office/powerpoint/2010/main" val="1185234280"/>
+      </p:ext>
+    </p:extLst>
+  </p:cSld>
+  <p:clrMapOvr>
+    <a:masterClrMapping/>
+  </p:clrMapOvr>
+</p:notes>
+</file>
+
+<file path=ppt/notesSlides/notesSlide12.xml><?xml version="1.0" encoding="utf-8"?>
+<p:notes xmlns:a="http://schemas.openxmlformats.org/drawingml/2006/main" xmlns:r="http://schemas.openxmlformats.org/officeDocument/2006/relationships" xmlns:p="http://schemas.openxmlformats.org/presentationml/2006/main" showMasterSp="0" showMasterPhAnim="0">
+  <p:cSld>
+    <p:spTree>
+      <p:nvGrpSpPr>
         <p:cNvPr id="1" name="Shape 101"/>
         <p:cNvGrpSpPr/>
         <p:nvPr/>
@@ -1062,7 +1180,7 @@
 </p:notes>
 </file>
 
-<file path=ppt/notesSlides/notesSlide12.xml><?xml version="1.0" encoding="utf-8"?>
+<file path=ppt/notesSlides/notesSlide13.xml><?xml version="1.0" encoding="utf-8"?>
 <p:notes xmlns:a="http://schemas.openxmlformats.org/drawingml/2006/main" xmlns:r="http://schemas.openxmlformats.org/officeDocument/2006/relationships" xmlns:p="http://schemas.openxmlformats.org/presentationml/2006/main" showMasterSp="0" showMasterPhAnim="0">
   <p:cSld>
     <p:spTree>
@@ -1166,7 +1284,7 @@
 </p:notes>
 </file>
 
-<file path=ppt/notesSlides/notesSlide13.xml><?xml version="1.0" encoding="utf-8"?>
+<file path=ppt/notesSlides/notesSlide14.xml><?xml version="1.0" encoding="utf-8"?>
 <p:notes xmlns:a="http://schemas.openxmlformats.org/drawingml/2006/main" xmlns:r="http://schemas.openxmlformats.org/officeDocument/2006/relationships" xmlns:p="http://schemas.openxmlformats.org/presentationml/2006/main" showMasterSp="0" showMasterPhAnim="0">
   <p:cSld>
     <p:spTree>
@@ -1270,7 +1388,7 @@
 </p:notes>
 </file>
 
-<file path=ppt/notesSlides/notesSlide14.xml><?xml version="1.0" encoding="utf-8"?>
+<file path=ppt/notesSlides/notesSlide15.xml><?xml version="1.0" encoding="utf-8"?>
 <p:notes xmlns:a="http://schemas.openxmlformats.org/drawingml/2006/main" xmlns:r="http://schemas.openxmlformats.org/officeDocument/2006/relationships" xmlns:p="http://schemas.openxmlformats.org/presentationml/2006/main" showMasterSp="0" showMasterPhAnim="0">
   <p:cSld>
     <p:spTree>
@@ -1378,7 +1496,7 @@
 </p:notes>
 </file>
 
-<file path=ppt/notesSlides/notesSlide15.xml><?xml version="1.0" encoding="utf-8"?>
+<file path=ppt/notesSlides/notesSlide16.xml><?xml version="1.0" encoding="utf-8"?>
 <p:notes xmlns:a="http://schemas.openxmlformats.org/drawingml/2006/main" xmlns:r="http://schemas.openxmlformats.org/officeDocument/2006/relationships" xmlns:p="http://schemas.openxmlformats.org/presentationml/2006/main" showMasterSp="0" showMasterPhAnim="0">
   <p:cSld>
     <p:spTree>
@@ -1486,7 +1604,7 @@
 </p:notes>
 </file>
 
-<file path=ppt/notesSlides/notesSlide16.xml><?xml version="1.0" encoding="utf-8"?>
+<file path=ppt/notesSlides/notesSlide17.xml><?xml version="1.0" encoding="utf-8"?>
 <p:notes xmlns:a="http://schemas.openxmlformats.org/drawingml/2006/main" xmlns:r="http://schemas.openxmlformats.org/officeDocument/2006/relationships" xmlns:p="http://schemas.openxmlformats.org/presentationml/2006/main" showMasterSp="0" showMasterPhAnim="0">
   <p:cSld>
     <p:spTree>
@@ -1590,7 +1708,7 @@
 </p:notes>
 </file>
 
-<file path=ppt/notesSlides/notesSlide17.xml><?xml version="1.0" encoding="utf-8"?>
+<file path=ppt/notesSlides/notesSlide18.xml><?xml version="1.0" encoding="utf-8"?>
 <p:notes xmlns:a="http://schemas.openxmlformats.org/drawingml/2006/main" xmlns:r="http://schemas.openxmlformats.org/officeDocument/2006/relationships" xmlns:p="http://schemas.openxmlformats.org/presentationml/2006/main" showMasterSp="0" showMasterPhAnim="0">
   <p:cSld>
     <p:spTree>
@@ -1694,7 +1812,7 @@
 </p:notes>
 </file>
 
-<file path=ppt/notesSlides/notesSlide18.xml><?xml version="1.0" encoding="utf-8"?>
+<file path=ppt/notesSlides/notesSlide19.xml><?xml version="1.0" encoding="utf-8"?>
 <p:notes xmlns:a="http://schemas.openxmlformats.org/drawingml/2006/main" xmlns:r="http://schemas.openxmlformats.org/officeDocument/2006/relationships" xmlns:p="http://schemas.openxmlformats.org/presentationml/2006/main" showMasterSp="0" showMasterPhAnim="0">
   <p:cSld>
     <p:spTree>
@@ -1791,72 +1909,6 @@
         </p:txBody>
       </p:sp>
     </p:spTree>
-  </p:cSld>
-  <p:clrMapOvr>
-    <a:masterClrMapping/>
-  </p:clrMapOvr>
-</p:notes>
-</file>
-
-<file path=ppt/notesSlides/notesSlide19.xml><?xml version="1.0" encoding="utf-8"?>
-<p:notes xmlns:a="http://schemas.openxmlformats.org/drawingml/2006/main" xmlns:r="http://schemas.openxmlformats.org/officeDocument/2006/relationships" xmlns:p="http://schemas.openxmlformats.org/presentationml/2006/main">
-  <p:cSld>
-    <p:spTree>
-      <p:nvGrpSpPr>
-        <p:cNvPr id="1" name=""/>
-        <p:cNvGrpSpPr/>
-        <p:nvPr/>
-      </p:nvGrpSpPr>
-      <p:grpSpPr>
-        <a:xfrm>
-          <a:off x="0" y="0"/>
-          <a:ext cx="0" cy="0"/>
-          <a:chOff x="0" y="0"/>
-          <a:chExt cx="0" cy="0"/>
-        </a:xfrm>
-      </p:grpSpPr>
-      <p:sp>
-        <p:nvSpPr>
-          <p:cNvPr id="2" name="Slide Image Placeholder 1"/>
-          <p:cNvSpPr>
-            <a:spLocks noGrp="1" noRot="1" noChangeAspect="1"/>
-          </p:cNvSpPr>
-          <p:nvPr>
-            <p:ph type="sldImg"/>
-          </p:nvPr>
-        </p:nvSpPr>
-        <p:spPr>
-          <a:xfrm>
-            <a:off x="1143000" y="685800"/>
-            <a:ext cx="4572000" cy="3429000"/>
-          </a:xfrm>
-        </p:spPr>
-      </p:sp>
-      <p:sp>
-        <p:nvSpPr>
-          <p:cNvPr id="3" name="Notes Placeholder 2"/>
-          <p:cNvSpPr>
-            <a:spLocks noGrp="1"/>
-          </p:cNvSpPr>
-          <p:nvPr>
-            <p:ph type="body" idx="1"/>
-          </p:nvPr>
-        </p:nvSpPr>
-        <p:spPr/>
-        <p:txBody>
-          <a:bodyPr/>
-          <a:lstStyle/>
-          <a:p>
-            <a:endParaRPr lang="en-US" dirty="0"/>
-          </a:p>
-        </p:txBody>
-      </p:sp>
-    </p:spTree>
-    <p:extLst>
-      <p:ext uri="{BB962C8B-B14F-4D97-AF65-F5344CB8AC3E}">
-        <p14:creationId xmlns:p14="http://schemas.microsoft.com/office/powerpoint/2010/main" val="3314307789"/>
-      </p:ext>
-    </p:extLst>
   </p:cSld>
   <p:clrMapOvr>
     <a:masterClrMapping/>
@@ -1969,11 +2021,11 @@
 </file>
 
 <file path=ppt/notesSlides/notesSlide20.xml><?xml version="1.0" encoding="utf-8"?>
-<p:notes xmlns:a="http://schemas.openxmlformats.org/drawingml/2006/main" xmlns:r="http://schemas.openxmlformats.org/officeDocument/2006/relationships" xmlns:p="http://schemas.openxmlformats.org/presentationml/2006/main" showMasterSp="0" showMasterPhAnim="0">
+<p:notes xmlns:a="http://schemas.openxmlformats.org/drawingml/2006/main" xmlns:r="http://schemas.openxmlformats.org/officeDocument/2006/relationships" xmlns:p="http://schemas.openxmlformats.org/presentationml/2006/main">
   <p:cSld>
     <p:spTree>
       <p:nvGrpSpPr>
-        <p:cNvPr id="1" name="Shape 164"/>
+        <p:cNvPr id="1" name=""/>
         <p:cNvGrpSpPr/>
         <p:nvPr/>
       </p:nvGrpSpPr>
@@ -1987,12 +2039,12 @@
       </p:grpSpPr>
       <p:sp>
         <p:nvSpPr>
-          <p:cNvPr id="165" name="Google Shape;165;ge460611a8_0_160:notes"/>
+          <p:cNvPr id="2" name="Slide Image Placeholder 1"/>
           <p:cNvSpPr>
             <a:spLocks noGrp="1" noRot="1" noChangeAspect="1"/>
           </p:cNvSpPr>
           <p:nvPr>
-            <p:ph type="sldImg" idx="2"/>
+            <p:ph type="sldImg"/>
           </p:nvPr>
         </p:nvSpPr>
         <p:spPr>
@@ -2000,71 +2052,33 @@
             <a:off x="1143000" y="685800"/>
             <a:ext cx="4572000" cy="3429000"/>
           </a:xfrm>
-          <a:custGeom>
-            <a:avLst/>
-            <a:gdLst/>
-            <a:ahLst/>
-            <a:cxnLst/>
-            <a:rect l="l" t="t" r="r" b="b"/>
-            <a:pathLst>
-              <a:path w="120000" h="120000" extrusionOk="0">
-                <a:moveTo>
-                  <a:pt x="0" y="0"/>
-                </a:moveTo>
-                <a:lnTo>
-                  <a:pt x="120000" y="0"/>
-                </a:lnTo>
-                <a:lnTo>
-                  <a:pt x="120000" y="120000"/>
-                </a:lnTo>
-                <a:lnTo>
-                  <a:pt x="0" y="120000"/>
-                </a:lnTo>
-                <a:close/>
-              </a:path>
-            </a:pathLst>
-          </a:custGeom>
         </p:spPr>
       </p:sp>
       <p:sp>
         <p:nvSpPr>
-          <p:cNvPr id="166" name="Google Shape;166;ge460611a8_0_160:notes"/>
-          <p:cNvSpPr txBox="1">
+          <p:cNvPr id="3" name="Notes Placeholder 2"/>
+          <p:cNvSpPr>
             <a:spLocks noGrp="1"/>
           </p:cNvSpPr>
           <p:nvPr>
             <p:ph type="body" idx="1"/>
           </p:nvPr>
         </p:nvSpPr>
-        <p:spPr>
-          <a:xfrm>
-            <a:off x="685800" y="4343400"/>
-            <a:ext cx="5486400" cy="4114800"/>
-          </a:xfrm>
-          <a:prstGeom prst="rect">
-            <a:avLst/>
-          </a:prstGeom>
-        </p:spPr>
+        <p:spPr/>
         <p:txBody>
-          <a:bodyPr spcFirstLastPara="1" wrap="square" lIns="91425" tIns="91425" rIns="91425" bIns="91425" anchor="t" anchorCtr="0">
-            <a:noAutofit/>
-          </a:bodyPr>
+          <a:bodyPr/>
           <a:lstStyle/>
           <a:p>
-            <a:pPr marL="0" lvl="0" indent="0" rtl="0">
-              <a:spcBef>
-                <a:spcPts val="0"/>
-              </a:spcBef>
-              <a:spcAft>
-                <a:spcPts val="0"/>
-              </a:spcAft>
-              <a:buNone/>
-            </a:pPr>
-            <a:endParaRPr/>
+            <a:endParaRPr lang="en-US" dirty="0"/>
           </a:p>
         </p:txBody>
       </p:sp>
     </p:spTree>
+    <p:extLst>
+      <p:ext uri="{BB962C8B-B14F-4D97-AF65-F5344CB8AC3E}">
+        <p14:creationId xmlns:p14="http://schemas.microsoft.com/office/powerpoint/2010/main" val="3314307789"/>
+      </p:ext>
+    </p:extLst>
   </p:cSld>
   <p:clrMapOvr>
     <a:masterClrMapping/>
@@ -2165,6 +2179,800 @@
               <a:buNone/>
             </a:pPr>
             <a:endParaRPr dirty="0"/>
+          </a:p>
+        </p:txBody>
+      </p:sp>
+    </p:spTree>
+  </p:cSld>
+  <p:clrMapOvr>
+    <a:masterClrMapping/>
+  </p:clrMapOvr>
+</p:notes>
+</file>
+
+<file path=ppt/notesSlides/notesSlide22.xml><?xml version="1.0" encoding="utf-8"?>
+<p:notes xmlns:a="http://schemas.openxmlformats.org/drawingml/2006/main" xmlns:r="http://schemas.openxmlformats.org/officeDocument/2006/relationships" xmlns:p="http://schemas.openxmlformats.org/presentationml/2006/main" showMasterSp="0" showMasterPhAnim="0">
+  <p:cSld>
+    <p:spTree>
+      <p:nvGrpSpPr>
+        <p:cNvPr id="1" name="Shape 33"/>
+        <p:cNvGrpSpPr/>
+        <p:nvPr/>
+      </p:nvGrpSpPr>
+      <p:grpSpPr>
+        <a:xfrm>
+          <a:off x="0" y="0"/>
+          <a:ext cx="0" cy="0"/>
+          <a:chOff x="0" y="0"/>
+          <a:chExt cx="0" cy="0"/>
+        </a:xfrm>
+      </p:grpSpPr>
+      <p:sp>
+        <p:nvSpPr>
+          <p:cNvPr id="34" name="Google Shape;34;p:notes"/>
+          <p:cNvSpPr>
+            <a:spLocks noGrp="1" noRot="1" noChangeAspect="1"/>
+          </p:cNvSpPr>
+          <p:nvPr>
+            <p:ph type="sldImg" idx="2"/>
+          </p:nvPr>
+        </p:nvSpPr>
+        <p:spPr>
+          <a:xfrm>
+            <a:off x="1143000" y="685800"/>
+            <a:ext cx="4572000" cy="3429000"/>
+          </a:xfrm>
+          <a:custGeom>
+            <a:avLst/>
+            <a:gdLst/>
+            <a:ahLst/>
+            <a:cxnLst/>
+            <a:rect l="l" t="t" r="r" b="b"/>
+            <a:pathLst>
+              <a:path w="120000" h="120000" extrusionOk="0">
+                <a:moveTo>
+                  <a:pt x="0" y="0"/>
+                </a:moveTo>
+                <a:lnTo>
+                  <a:pt x="120000" y="0"/>
+                </a:lnTo>
+                <a:lnTo>
+                  <a:pt x="120000" y="120000"/>
+                </a:lnTo>
+                <a:lnTo>
+                  <a:pt x="0" y="120000"/>
+                </a:lnTo>
+                <a:close/>
+              </a:path>
+            </a:pathLst>
+          </a:custGeom>
+        </p:spPr>
+      </p:sp>
+      <p:sp>
+        <p:nvSpPr>
+          <p:cNvPr id="35" name="Google Shape;35;p:notes"/>
+          <p:cNvSpPr txBox="1">
+            <a:spLocks noGrp="1"/>
+          </p:cNvSpPr>
+          <p:nvPr>
+            <p:ph type="body" idx="1"/>
+          </p:nvPr>
+        </p:nvSpPr>
+        <p:spPr>
+          <a:xfrm>
+            <a:off x="685800" y="4343400"/>
+            <a:ext cx="5486400" cy="4114800"/>
+          </a:xfrm>
+          <a:prstGeom prst="rect">
+            <a:avLst/>
+          </a:prstGeom>
+        </p:spPr>
+        <p:txBody>
+          <a:bodyPr spcFirstLastPara="1" wrap="square" lIns="91425" tIns="91425" rIns="91425" bIns="91425" anchor="t" anchorCtr="0">
+            <a:noAutofit/>
+          </a:bodyPr>
+          <a:lstStyle/>
+          <a:p>
+            <a:pPr marL="0" lvl="0" indent="457200" rtl="0">
+              <a:spcBef>
+                <a:spcPts val="0"/>
+              </a:spcBef>
+              <a:spcAft>
+                <a:spcPts val="0"/>
+              </a:spcAft>
+              <a:buNone/>
+            </a:pPr>
+            <a:endParaRPr/>
+          </a:p>
+        </p:txBody>
+      </p:sp>
+    </p:spTree>
+    <p:extLst>
+      <p:ext uri="{BB962C8B-B14F-4D97-AF65-F5344CB8AC3E}">
+        <p14:creationId xmlns:p14="http://schemas.microsoft.com/office/powerpoint/2010/main" val="3149815169"/>
+      </p:ext>
+    </p:extLst>
+  </p:cSld>
+  <p:clrMapOvr>
+    <a:masterClrMapping/>
+  </p:clrMapOvr>
+</p:notes>
+</file>
+
+<file path=ppt/notesSlides/notesSlide23.xml><?xml version="1.0" encoding="utf-8"?>
+<p:notes xmlns:a="http://schemas.openxmlformats.org/drawingml/2006/main" xmlns:r="http://schemas.openxmlformats.org/officeDocument/2006/relationships" xmlns:p="http://schemas.openxmlformats.org/presentationml/2006/main" showMasterSp="0" showMasterPhAnim="0">
+  <p:cSld>
+    <p:spTree>
+      <p:nvGrpSpPr>
+        <p:cNvPr id="1" name="Shape 253"/>
+        <p:cNvGrpSpPr/>
+        <p:nvPr/>
+      </p:nvGrpSpPr>
+      <p:grpSpPr>
+        <a:xfrm>
+          <a:off x="0" y="0"/>
+          <a:ext cx="0" cy="0"/>
+          <a:chOff x="0" y="0"/>
+          <a:chExt cx="0" cy="0"/>
+        </a:xfrm>
+      </p:grpSpPr>
+      <p:sp>
+        <p:nvSpPr>
+          <p:cNvPr id="254" name="Google Shape;254;g10ba1e1ca58_0_69:notes"/>
+          <p:cNvSpPr>
+            <a:spLocks noGrp="1" noRot="1" noChangeAspect="1"/>
+          </p:cNvSpPr>
+          <p:nvPr>
+            <p:ph type="sldImg" idx="2"/>
+          </p:nvPr>
+        </p:nvSpPr>
+        <p:spPr>
+          <a:xfrm>
+            <a:off x="1143000" y="685800"/>
+            <a:ext cx="4572000" cy="3429000"/>
+          </a:xfrm>
+          <a:custGeom>
+            <a:avLst/>
+            <a:gdLst/>
+            <a:ahLst/>
+            <a:cxnLst/>
+            <a:rect l="l" t="t" r="r" b="b"/>
+            <a:pathLst>
+              <a:path w="120000" h="120000" extrusionOk="0">
+                <a:moveTo>
+                  <a:pt x="0" y="0"/>
+                </a:moveTo>
+                <a:lnTo>
+                  <a:pt x="120000" y="0"/>
+                </a:lnTo>
+                <a:lnTo>
+                  <a:pt x="120000" y="120000"/>
+                </a:lnTo>
+                <a:lnTo>
+                  <a:pt x="0" y="120000"/>
+                </a:lnTo>
+                <a:close/>
+              </a:path>
+            </a:pathLst>
+          </a:custGeom>
+        </p:spPr>
+      </p:sp>
+      <p:sp>
+        <p:nvSpPr>
+          <p:cNvPr id="255" name="Google Shape;255;g10ba1e1ca58_0_69:notes"/>
+          <p:cNvSpPr txBox="1">
+            <a:spLocks noGrp="1"/>
+          </p:cNvSpPr>
+          <p:nvPr>
+            <p:ph type="body" idx="1"/>
+          </p:nvPr>
+        </p:nvSpPr>
+        <p:spPr>
+          <a:xfrm>
+            <a:off x="685800" y="4343400"/>
+            <a:ext cx="5486400" cy="4114800"/>
+          </a:xfrm>
+          <a:prstGeom prst="rect">
+            <a:avLst/>
+          </a:prstGeom>
+        </p:spPr>
+        <p:txBody>
+          <a:bodyPr spcFirstLastPara="1" wrap="square" lIns="91425" tIns="91425" rIns="91425" bIns="91425" anchor="t" anchorCtr="0">
+            <a:noAutofit/>
+          </a:bodyPr>
+          <a:lstStyle/>
+          <a:p>
+            <a:pPr marL="457200" lvl="0" indent="-317500" algn="l" rtl="0">
+              <a:spcBef>
+                <a:spcPts val="0"/>
+              </a:spcBef>
+              <a:spcAft>
+                <a:spcPts val="0"/>
+              </a:spcAft>
+              <a:buSzPts val="1400"/>
+              <a:buChar char="●"/>
+            </a:pPr>
+            <a:endParaRPr/>
+          </a:p>
+        </p:txBody>
+      </p:sp>
+    </p:spTree>
+  </p:cSld>
+  <p:clrMapOvr>
+    <a:masterClrMapping/>
+  </p:clrMapOvr>
+</p:notes>
+</file>
+
+<file path=ppt/notesSlides/notesSlide24.xml><?xml version="1.0" encoding="utf-8"?>
+<p:notes xmlns:a="http://schemas.openxmlformats.org/drawingml/2006/main" xmlns:r="http://schemas.openxmlformats.org/officeDocument/2006/relationships" xmlns:p="http://schemas.openxmlformats.org/presentationml/2006/main" showMasterSp="0" showMasterPhAnim="0">
+  <p:cSld>
+    <p:spTree>
+      <p:nvGrpSpPr>
+        <p:cNvPr id="1" name="Shape 260"/>
+        <p:cNvGrpSpPr/>
+        <p:nvPr/>
+      </p:nvGrpSpPr>
+      <p:grpSpPr>
+        <a:xfrm>
+          <a:off x="0" y="0"/>
+          <a:ext cx="0" cy="0"/>
+          <a:chOff x="0" y="0"/>
+          <a:chExt cx="0" cy="0"/>
+        </a:xfrm>
+      </p:grpSpPr>
+      <p:sp>
+        <p:nvSpPr>
+          <p:cNvPr id="261" name="Google Shape;261;g10ba1e1ca58_0_75:notes"/>
+          <p:cNvSpPr>
+            <a:spLocks noGrp="1" noRot="1" noChangeAspect="1"/>
+          </p:cNvSpPr>
+          <p:nvPr>
+            <p:ph type="sldImg" idx="2"/>
+          </p:nvPr>
+        </p:nvSpPr>
+        <p:spPr>
+          <a:xfrm>
+            <a:off x="1143000" y="685800"/>
+            <a:ext cx="4572000" cy="3429000"/>
+          </a:xfrm>
+          <a:custGeom>
+            <a:avLst/>
+            <a:gdLst/>
+            <a:ahLst/>
+            <a:cxnLst/>
+            <a:rect l="l" t="t" r="r" b="b"/>
+            <a:pathLst>
+              <a:path w="120000" h="120000" extrusionOk="0">
+                <a:moveTo>
+                  <a:pt x="0" y="0"/>
+                </a:moveTo>
+                <a:lnTo>
+                  <a:pt x="120000" y="0"/>
+                </a:lnTo>
+                <a:lnTo>
+                  <a:pt x="120000" y="120000"/>
+                </a:lnTo>
+                <a:lnTo>
+                  <a:pt x="0" y="120000"/>
+                </a:lnTo>
+                <a:close/>
+              </a:path>
+            </a:pathLst>
+          </a:custGeom>
+        </p:spPr>
+      </p:sp>
+      <p:sp>
+        <p:nvSpPr>
+          <p:cNvPr id="262" name="Google Shape;262;g10ba1e1ca58_0_75:notes"/>
+          <p:cNvSpPr txBox="1">
+            <a:spLocks noGrp="1"/>
+          </p:cNvSpPr>
+          <p:nvPr>
+            <p:ph type="body" idx="1"/>
+          </p:nvPr>
+        </p:nvSpPr>
+        <p:spPr>
+          <a:xfrm>
+            <a:off x="685800" y="4343400"/>
+            <a:ext cx="5486400" cy="4114800"/>
+          </a:xfrm>
+          <a:prstGeom prst="rect">
+            <a:avLst/>
+          </a:prstGeom>
+        </p:spPr>
+        <p:txBody>
+          <a:bodyPr spcFirstLastPara="1" wrap="square" lIns="91425" tIns="91425" rIns="91425" bIns="91425" anchor="t" anchorCtr="0">
+            <a:noAutofit/>
+          </a:bodyPr>
+          <a:lstStyle/>
+          <a:p>
+            <a:pPr marL="457200" lvl="0" indent="-317500" algn="l" rtl="0">
+              <a:spcBef>
+                <a:spcPts val="0"/>
+              </a:spcBef>
+              <a:spcAft>
+                <a:spcPts val="0"/>
+              </a:spcAft>
+              <a:buClr>
+                <a:schemeClr val="dk1"/>
+              </a:buClr>
+              <a:buSzPts val="1400"/>
+              <a:buChar char="●"/>
+            </a:pPr>
+            <a:r>
+              <a:rPr lang="en"/>
+              <a:t>Note the workflow to push back to GitHub!</a:t>
+            </a:r>
+            <a:endParaRPr/>
+          </a:p>
+        </p:txBody>
+      </p:sp>
+    </p:spTree>
+  </p:cSld>
+  <p:clrMapOvr>
+    <a:masterClrMapping/>
+  </p:clrMapOvr>
+</p:notes>
+</file>
+
+<file path=ppt/notesSlides/notesSlide25.xml><?xml version="1.0" encoding="utf-8"?>
+<p:notes xmlns:a="http://schemas.openxmlformats.org/drawingml/2006/main" xmlns:r="http://schemas.openxmlformats.org/officeDocument/2006/relationships" xmlns:p="http://schemas.openxmlformats.org/presentationml/2006/main" showMasterSp="0" showMasterPhAnim="0">
+  <p:cSld>
+    <p:spTree>
+      <p:nvGrpSpPr>
+        <p:cNvPr id="1" name="Shape 267"/>
+        <p:cNvGrpSpPr/>
+        <p:nvPr/>
+      </p:nvGrpSpPr>
+      <p:grpSpPr>
+        <a:xfrm>
+          <a:off x="0" y="0"/>
+          <a:ext cx="0" cy="0"/>
+          <a:chOff x="0" y="0"/>
+          <a:chExt cx="0" cy="0"/>
+        </a:xfrm>
+      </p:grpSpPr>
+      <p:sp>
+        <p:nvSpPr>
+          <p:cNvPr id="268" name="Google Shape;268;g10ba1e1ca58_0_81:notes"/>
+          <p:cNvSpPr>
+            <a:spLocks noGrp="1" noRot="1" noChangeAspect="1"/>
+          </p:cNvSpPr>
+          <p:nvPr>
+            <p:ph type="sldImg" idx="2"/>
+          </p:nvPr>
+        </p:nvSpPr>
+        <p:spPr>
+          <a:xfrm>
+            <a:off x="1143000" y="685800"/>
+            <a:ext cx="4572000" cy="3429000"/>
+          </a:xfrm>
+          <a:custGeom>
+            <a:avLst/>
+            <a:gdLst/>
+            <a:ahLst/>
+            <a:cxnLst/>
+            <a:rect l="l" t="t" r="r" b="b"/>
+            <a:pathLst>
+              <a:path w="120000" h="120000" extrusionOk="0">
+                <a:moveTo>
+                  <a:pt x="0" y="0"/>
+                </a:moveTo>
+                <a:lnTo>
+                  <a:pt x="120000" y="0"/>
+                </a:lnTo>
+                <a:lnTo>
+                  <a:pt x="120000" y="120000"/>
+                </a:lnTo>
+                <a:lnTo>
+                  <a:pt x="0" y="120000"/>
+                </a:lnTo>
+                <a:close/>
+              </a:path>
+            </a:pathLst>
+          </a:custGeom>
+        </p:spPr>
+      </p:sp>
+      <p:sp>
+        <p:nvSpPr>
+          <p:cNvPr id="269" name="Google Shape;269;g10ba1e1ca58_0_81:notes"/>
+          <p:cNvSpPr txBox="1">
+            <a:spLocks noGrp="1"/>
+          </p:cNvSpPr>
+          <p:nvPr>
+            <p:ph type="body" idx="1"/>
+          </p:nvPr>
+        </p:nvSpPr>
+        <p:spPr>
+          <a:xfrm>
+            <a:off x="685800" y="4343400"/>
+            <a:ext cx="5486400" cy="4114800"/>
+          </a:xfrm>
+          <a:prstGeom prst="rect">
+            <a:avLst/>
+          </a:prstGeom>
+        </p:spPr>
+        <p:txBody>
+          <a:bodyPr spcFirstLastPara="1" wrap="square" lIns="91425" tIns="91425" rIns="91425" bIns="91425" anchor="t" anchorCtr="0">
+            <a:noAutofit/>
+          </a:bodyPr>
+          <a:lstStyle/>
+          <a:p>
+            <a:pPr marL="457200" lvl="0" indent="-317500" algn="l" rtl="0">
+              <a:spcBef>
+                <a:spcPts val="0"/>
+              </a:spcBef>
+              <a:spcAft>
+                <a:spcPts val="0"/>
+              </a:spcAft>
+              <a:buClr>
+                <a:schemeClr val="dk1"/>
+              </a:buClr>
+              <a:buSzPts val="1400"/>
+              <a:buChar char="●"/>
+            </a:pPr>
+            <a:r>
+              <a:rPr lang="en"/>
+              <a:t>Note path to find test output file</a:t>
+            </a:r>
+            <a:endParaRPr/>
+          </a:p>
+          <a:p>
+            <a:pPr marL="457200" lvl="0" indent="-317500" algn="l" rtl="0">
+              <a:spcBef>
+                <a:spcPts val="0"/>
+              </a:spcBef>
+              <a:spcAft>
+                <a:spcPts val="0"/>
+              </a:spcAft>
+              <a:buSzPts val="1400"/>
+              <a:buChar char="●"/>
+            </a:pPr>
+            <a:r>
+              <a:rPr lang="en"/>
+              <a:t>If this file doesn't exist, the code couldn't even compile, will only exists if tests failed at runtime</a:t>
+            </a:r>
+            <a:endParaRPr/>
+          </a:p>
+        </p:txBody>
+      </p:sp>
+    </p:spTree>
+  </p:cSld>
+  <p:clrMapOvr>
+    <a:masterClrMapping/>
+  </p:clrMapOvr>
+</p:notes>
+</file>
+
+<file path=ppt/notesSlides/notesSlide26.xml><?xml version="1.0" encoding="utf-8"?>
+<p:notes xmlns:a="http://schemas.openxmlformats.org/drawingml/2006/main" xmlns:r="http://schemas.openxmlformats.org/officeDocument/2006/relationships" xmlns:p="http://schemas.openxmlformats.org/presentationml/2006/main" showMasterSp="0" showMasterPhAnim="0">
+  <p:cSld>
+    <p:spTree>
+      <p:nvGrpSpPr>
+        <p:cNvPr id="1" name="Shape 275"/>
+        <p:cNvGrpSpPr/>
+        <p:nvPr/>
+      </p:nvGrpSpPr>
+      <p:grpSpPr>
+        <a:xfrm>
+          <a:off x="0" y="0"/>
+          <a:ext cx="0" cy="0"/>
+          <a:chOff x="0" y="0"/>
+          <a:chExt cx="0" cy="0"/>
+        </a:xfrm>
+      </p:grpSpPr>
+      <p:sp>
+        <p:nvSpPr>
+          <p:cNvPr id="276" name="Google Shape;276;g10ba1e1ca58_0_13:notes"/>
+          <p:cNvSpPr>
+            <a:spLocks noGrp="1" noRot="1" noChangeAspect="1"/>
+          </p:cNvSpPr>
+          <p:nvPr>
+            <p:ph type="sldImg" idx="2"/>
+          </p:nvPr>
+        </p:nvSpPr>
+        <p:spPr>
+          <a:xfrm>
+            <a:off x="1143000" y="685800"/>
+            <a:ext cx="4572000" cy="3429000"/>
+          </a:xfrm>
+          <a:custGeom>
+            <a:avLst/>
+            <a:gdLst/>
+            <a:ahLst/>
+            <a:cxnLst/>
+            <a:rect l="l" t="t" r="r" b="b"/>
+            <a:pathLst>
+              <a:path w="120000" h="120000" extrusionOk="0">
+                <a:moveTo>
+                  <a:pt x="0" y="0"/>
+                </a:moveTo>
+                <a:lnTo>
+                  <a:pt x="120000" y="0"/>
+                </a:lnTo>
+                <a:lnTo>
+                  <a:pt x="120000" y="120000"/>
+                </a:lnTo>
+                <a:lnTo>
+                  <a:pt x="0" y="120000"/>
+                </a:lnTo>
+                <a:close/>
+              </a:path>
+            </a:pathLst>
+          </a:custGeom>
+        </p:spPr>
+      </p:sp>
+      <p:sp>
+        <p:nvSpPr>
+          <p:cNvPr id="277" name="Google Shape;277;g10ba1e1ca58_0_13:notes"/>
+          <p:cNvSpPr txBox="1">
+            <a:spLocks noGrp="1"/>
+          </p:cNvSpPr>
+          <p:nvPr>
+            <p:ph type="body" idx="1"/>
+          </p:nvPr>
+        </p:nvSpPr>
+        <p:spPr>
+          <a:xfrm>
+            <a:off x="685800" y="4343400"/>
+            <a:ext cx="5486400" cy="4114800"/>
+          </a:xfrm>
+          <a:prstGeom prst="rect">
+            <a:avLst/>
+          </a:prstGeom>
+        </p:spPr>
+        <p:txBody>
+          <a:bodyPr spcFirstLastPara="1" wrap="square" lIns="91425" tIns="91425" rIns="91425" bIns="91425" anchor="t" anchorCtr="0">
+            <a:noAutofit/>
+          </a:bodyPr>
+          <a:lstStyle/>
+          <a:p>
+            <a:pPr marL="457200" lvl="0" indent="-317500" algn="l" rtl="0">
+              <a:spcBef>
+                <a:spcPts val="0"/>
+              </a:spcBef>
+              <a:spcAft>
+                <a:spcPts val="0"/>
+              </a:spcAft>
+              <a:buClr>
+                <a:schemeClr val="dk1"/>
+              </a:buClr>
+              <a:buSzPts val="1400"/>
+              <a:buChar char="●"/>
+            </a:pPr>
+            <a:endParaRPr/>
+          </a:p>
+        </p:txBody>
+      </p:sp>
+    </p:spTree>
+  </p:cSld>
+  <p:clrMapOvr>
+    <a:masterClrMapping/>
+  </p:clrMapOvr>
+</p:notes>
+</file>
+
+<file path=ppt/notesSlides/notesSlide27.xml><?xml version="1.0" encoding="utf-8"?>
+<p:notes xmlns:a="http://schemas.openxmlformats.org/drawingml/2006/main" xmlns:r="http://schemas.openxmlformats.org/officeDocument/2006/relationships" xmlns:p="http://schemas.openxmlformats.org/presentationml/2006/main" showMasterSp="0" showMasterPhAnim="0">
+  <p:cSld>
+    <p:spTree>
+      <p:nvGrpSpPr>
+        <p:cNvPr id="1" name="Shape 285"/>
+        <p:cNvGrpSpPr/>
+        <p:nvPr/>
+      </p:nvGrpSpPr>
+      <p:grpSpPr>
+        <a:xfrm>
+          <a:off x="0" y="0"/>
+          <a:ext cx="0" cy="0"/>
+          <a:chOff x="0" y="0"/>
+          <a:chExt cx="0" cy="0"/>
+        </a:xfrm>
+      </p:grpSpPr>
+      <p:sp>
+        <p:nvSpPr>
+          <p:cNvPr id="286" name="Google Shape;286;g10ba1e1ca58_0_110:notes"/>
+          <p:cNvSpPr>
+            <a:spLocks noGrp="1" noRot="1" noChangeAspect="1"/>
+          </p:cNvSpPr>
+          <p:nvPr>
+            <p:ph type="sldImg" idx="2"/>
+          </p:nvPr>
+        </p:nvSpPr>
+        <p:spPr>
+          <a:xfrm>
+            <a:off x="1143000" y="685800"/>
+            <a:ext cx="4572000" cy="3429000"/>
+          </a:xfrm>
+          <a:custGeom>
+            <a:avLst/>
+            <a:gdLst/>
+            <a:ahLst/>
+            <a:cxnLst/>
+            <a:rect l="l" t="t" r="r" b="b"/>
+            <a:pathLst>
+              <a:path w="120000" h="120000" extrusionOk="0">
+                <a:moveTo>
+                  <a:pt x="0" y="0"/>
+                </a:moveTo>
+                <a:lnTo>
+                  <a:pt x="120000" y="0"/>
+                </a:lnTo>
+                <a:lnTo>
+                  <a:pt x="120000" y="120000"/>
+                </a:lnTo>
+                <a:lnTo>
+                  <a:pt x="0" y="120000"/>
+                </a:lnTo>
+                <a:close/>
+              </a:path>
+            </a:pathLst>
+          </a:custGeom>
+        </p:spPr>
+      </p:sp>
+      <p:sp>
+        <p:nvSpPr>
+          <p:cNvPr id="287" name="Google Shape;287;g10ba1e1ca58_0_110:notes"/>
+          <p:cNvSpPr txBox="1">
+            <a:spLocks noGrp="1"/>
+          </p:cNvSpPr>
+          <p:nvPr>
+            <p:ph type="body" idx="1"/>
+          </p:nvPr>
+        </p:nvSpPr>
+        <p:spPr>
+          <a:xfrm>
+            <a:off x="685800" y="4343400"/>
+            <a:ext cx="5486400" cy="4114800"/>
+          </a:xfrm>
+          <a:prstGeom prst="rect">
+            <a:avLst/>
+          </a:prstGeom>
+        </p:spPr>
+        <p:txBody>
+          <a:bodyPr spcFirstLastPara="1" wrap="square" lIns="91425" tIns="91425" rIns="91425" bIns="91425" anchor="t" anchorCtr="0">
+            <a:noAutofit/>
+          </a:bodyPr>
+          <a:lstStyle/>
+          <a:p>
+            <a:pPr marL="457200" lvl="0" indent="-317500" algn="l" rtl="0">
+              <a:spcBef>
+                <a:spcPts val="0"/>
+              </a:spcBef>
+              <a:spcAft>
+                <a:spcPts val="0"/>
+              </a:spcAft>
+              <a:buSzPts val="1400"/>
+              <a:buChar char="●"/>
+            </a:pPr>
+            <a:r>
+              <a:rPr lang="en"/>
+              <a:t>Just click on the codespace to reopen</a:t>
+            </a:r>
+            <a:endParaRPr/>
+          </a:p>
+          <a:p>
+            <a:pPr marL="914400" lvl="1" indent="-317500" algn="l" rtl="0">
+              <a:spcBef>
+                <a:spcPts val="0"/>
+              </a:spcBef>
+              <a:spcAft>
+                <a:spcPts val="0"/>
+              </a:spcAft>
+              <a:buSzPts val="1400"/>
+              <a:buChar char="○"/>
+            </a:pPr>
+            <a:r>
+              <a:rPr lang="en"/>
+              <a:t>Skips the 5min wait of building the image!</a:t>
+            </a:r>
+            <a:endParaRPr/>
+          </a:p>
+        </p:txBody>
+      </p:sp>
+    </p:spTree>
+  </p:cSld>
+  <p:clrMapOvr>
+    <a:masterClrMapping/>
+  </p:clrMapOvr>
+</p:notes>
+</file>
+
+<file path=ppt/notesSlides/notesSlide28.xml><?xml version="1.0" encoding="utf-8"?>
+<p:notes xmlns:a="http://schemas.openxmlformats.org/drawingml/2006/main" xmlns:r="http://schemas.openxmlformats.org/officeDocument/2006/relationships" xmlns:p="http://schemas.openxmlformats.org/presentationml/2006/main" showMasterSp="0" showMasterPhAnim="0">
+  <p:cSld>
+    <p:spTree>
+      <p:nvGrpSpPr>
+        <p:cNvPr id="1" name="Shape 293"/>
+        <p:cNvGrpSpPr/>
+        <p:nvPr/>
+      </p:nvGrpSpPr>
+      <p:grpSpPr>
+        <a:xfrm>
+          <a:off x="0" y="0"/>
+          <a:ext cx="0" cy="0"/>
+          <a:chOff x="0" y="0"/>
+          <a:chExt cx="0" cy="0"/>
+        </a:xfrm>
+      </p:grpSpPr>
+      <p:sp>
+        <p:nvSpPr>
+          <p:cNvPr id="294" name="Google Shape;294;gb8a865ac5d_1_54:notes"/>
+          <p:cNvSpPr>
+            <a:spLocks noGrp="1" noRot="1" noChangeAspect="1"/>
+          </p:cNvSpPr>
+          <p:nvPr>
+            <p:ph type="sldImg" idx="2"/>
+          </p:nvPr>
+        </p:nvSpPr>
+        <p:spPr>
+          <a:xfrm>
+            <a:off x="1143000" y="685800"/>
+            <a:ext cx="4572000" cy="3429000"/>
+          </a:xfrm>
+          <a:custGeom>
+            <a:avLst/>
+            <a:gdLst/>
+            <a:ahLst/>
+            <a:cxnLst/>
+            <a:rect l="l" t="t" r="r" b="b"/>
+            <a:pathLst>
+              <a:path w="120000" h="120000" extrusionOk="0">
+                <a:moveTo>
+                  <a:pt x="0" y="0"/>
+                </a:moveTo>
+                <a:lnTo>
+                  <a:pt x="120000" y="0"/>
+                </a:lnTo>
+                <a:lnTo>
+                  <a:pt x="120000" y="120000"/>
+                </a:lnTo>
+                <a:lnTo>
+                  <a:pt x="0" y="120000"/>
+                </a:lnTo>
+                <a:close/>
+              </a:path>
+            </a:pathLst>
+          </a:custGeom>
+        </p:spPr>
+      </p:sp>
+      <p:sp>
+        <p:nvSpPr>
+          <p:cNvPr id="295" name="Google Shape;295;gb8a865ac5d_1_54:notes"/>
+          <p:cNvSpPr txBox="1">
+            <a:spLocks noGrp="1"/>
+          </p:cNvSpPr>
+          <p:nvPr>
+            <p:ph type="body" idx="1"/>
+          </p:nvPr>
+        </p:nvSpPr>
+        <p:spPr>
+          <a:xfrm>
+            <a:off x="685800" y="4343400"/>
+            <a:ext cx="5486400" cy="4114800"/>
+          </a:xfrm>
+          <a:prstGeom prst="rect">
+            <a:avLst/>
+          </a:prstGeom>
+        </p:spPr>
+        <p:txBody>
+          <a:bodyPr spcFirstLastPara="1" wrap="square" lIns="91425" tIns="91425" rIns="91425" bIns="91425" anchor="t" anchorCtr="0">
+            <a:noAutofit/>
+          </a:bodyPr>
+          <a:lstStyle/>
+          <a:p>
+            <a:pPr marL="457200" lvl="0" indent="-317500" algn="l" rtl="0">
+              <a:spcBef>
+                <a:spcPts val="0"/>
+              </a:spcBef>
+              <a:spcAft>
+                <a:spcPts val="0"/>
+              </a:spcAft>
+              <a:buSzPts val="1400"/>
+              <a:buChar char="●"/>
+            </a:pPr>
+            <a:endParaRPr/>
           </a:p>
         </p:txBody>
       </p:sp>
@@ -7857,6 +8665,78 @@
   <p:cSld>
     <p:spTree>
       <p:nvGrpSpPr>
+        <p:cNvPr id="1" name="Shape 36"/>
+        <p:cNvGrpSpPr/>
+        <p:nvPr/>
+      </p:nvGrpSpPr>
+      <p:grpSpPr>
+        <a:xfrm>
+          <a:off x="0" y="0"/>
+          <a:ext cx="0" cy="0"/>
+          <a:chOff x="0" y="0"/>
+          <a:chExt cx="0" cy="0"/>
+        </a:xfrm>
+      </p:grpSpPr>
+      <p:sp>
+        <p:nvSpPr>
+          <p:cNvPr id="37" name="Google Shape;37;p8"/>
+          <p:cNvSpPr txBox="1">
+            <a:spLocks noGrp="1"/>
+          </p:cNvSpPr>
+          <p:nvPr>
+            <p:ph type="ctrTitle"/>
+          </p:nvPr>
+        </p:nvSpPr>
+        <p:spPr>
+          <a:xfrm>
+            <a:off x="374700" y="839625"/>
+            <a:ext cx="5955900" cy="1865700"/>
+          </a:xfrm>
+          <a:prstGeom prst="rect">
+            <a:avLst/>
+          </a:prstGeom>
+        </p:spPr>
+        <p:txBody>
+          <a:bodyPr spcFirstLastPara="1" wrap="square" lIns="91425" tIns="91425" rIns="91425" bIns="91425" anchor="b" anchorCtr="0">
+            <a:noAutofit/>
+          </a:bodyPr>
+          <a:lstStyle/>
+          <a:p>
+            <a:pPr marL="0" lvl="0" indent="0" rtl="0">
+              <a:spcBef>
+                <a:spcPts val="0"/>
+              </a:spcBef>
+              <a:spcAft>
+                <a:spcPts val="0"/>
+              </a:spcAft>
+              <a:buNone/>
+            </a:pPr>
+            <a:r>
+              <a:rPr lang="en" sz="3600" dirty="0"/>
+              <a:t>Git-Specific Commands</a:t>
+            </a:r>
+            <a:endParaRPr sz="3600" dirty="0"/>
+          </a:p>
+        </p:txBody>
+      </p:sp>
+    </p:spTree>
+    <p:extLst>
+      <p:ext uri="{BB962C8B-B14F-4D97-AF65-F5344CB8AC3E}">
+        <p14:creationId xmlns:p14="http://schemas.microsoft.com/office/powerpoint/2010/main" val="3120866980"/>
+      </p:ext>
+    </p:extLst>
+  </p:cSld>
+  <p:clrMapOvr>
+    <a:masterClrMapping/>
+  </p:clrMapOvr>
+</p:sld>
+</file>
+
+<file path=ppt/slides/slide15.xml><?xml version="1.0" encoding="utf-8"?>
+<p:sld xmlns:a="http://schemas.openxmlformats.org/drawingml/2006/main" xmlns:r="http://schemas.openxmlformats.org/officeDocument/2006/relationships" xmlns:p="http://schemas.openxmlformats.org/presentationml/2006/main">
+  <p:cSld>
+    <p:spTree>
+      <p:nvGrpSpPr>
         <p:cNvPr id="1" name="Shape 104"/>
         <p:cNvGrpSpPr/>
         <p:nvPr/>
@@ -8205,7 +9085,7 @@
             </a:pPr>
             <a:fld id="{00000000-1234-1234-1234-123412341234}" type="slidenum">
               <a:rPr lang="en"/>
-              <a:t>14</a:t>
+              <a:t>15</a:t>
             </a:fld>
             <a:endParaRPr/>
           </a:p>
@@ -8676,7 +9556,7 @@
 </p:sld>
 </file>
 
-<file path=ppt/slides/slide15.xml><?xml version="1.0" encoding="utf-8"?>
+<file path=ppt/slides/slide16.xml><?xml version="1.0" encoding="utf-8"?>
 <p:sld xmlns:a="http://schemas.openxmlformats.org/drawingml/2006/main" xmlns:r="http://schemas.openxmlformats.org/officeDocument/2006/relationships" xmlns:p="http://schemas.openxmlformats.org/presentationml/2006/main">
   <p:cSld>
     <p:spTree>
@@ -8864,7 +9744,7 @@
             </a:pPr>
             <a:fld id="{00000000-1234-1234-1234-123412341234}" type="slidenum">
               <a:rPr lang="en"/>
-              <a:t>15</a:t>
+              <a:t>16</a:t>
             </a:fld>
             <a:endParaRPr/>
           </a:p>
@@ -9030,7 +9910,7 @@
 </p:sld>
 </file>
 
-<file path=ppt/slides/slide16.xml><?xml version="1.0" encoding="utf-8"?>
+<file path=ppt/slides/slide17.xml><?xml version="1.0" encoding="utf-8"?>
 <p:sld xmlns:a="http://schemas.openxmlformats.org/drawingml/2006/main" xmlns:r="http://schemas.openxmlformats.org/officeDocument/2006/relationships" xmlns:p="http://schemas.openxmlformats.org/presentationml/2006/main">
   <p:cSld>
     <p:spTree>
@@ -9298,7 +10178,7 @@
             </a:pPr>
             <a:fld id="{00000000-1234-1234-1234-123412341234}" type="slidenum">
               <a:rPr lang="en"/>
-              <a:t>16</a:t>
+              <a:t>17</a:t>
             </a:fld>
             <a:endParaRPr/>
           </a:p>
@@ -9525,7 +10405,7 @@
 </p:sld>
 </file>
 
-<file path=ppt/slides/slide17.xml><?xml version="1.0" encoding="utf-8"?>
+<file path=ppt/slides/slide18.xml><?xml version="1.0" encoding="utf-8"?>
 <p:sld xmlns:a="http://schemas.openxmlformats.org/drawingml/2006/main" xmlns:r="http://schemas.openxmlformats.org/officeDocument/2006/relationships" xmlns:p="http://schemas.openxmlformats.org/presentationml/2006/main">
   <p:cSld>
     <p:spTree>
@@ -9725,7 +10605,7 @@
             </a:pPr>
             <a:fld id="{00000000-1234-1234-1234-123412341234}" type="slidenum">
               <a:rPr lang="en"/>
-              <a:t>17</a:t>
+              <a:t>18</a:t>
             </a:fld>
             <a:endParaRPr/>
           </a:p>
@@ -9891,7 +10771,7 @@
 </p:sld>
 </file>
 
-<file path=ppt/slides/slide18.xml><?xml version="1.0" encoding="utf-8"?>
+<file path=ppt/slides/slide19.xml><?xml version="1.0" encoding="utf-8"?>
 <p:sld xmlns:a="http://schemas.openxmlformats.org/drawingml/2006/main" xmlns:r="http://schemas.openxmlformats.org/officeDocument/2006/relationships" xmlns:p="http://schemas.openxmlformats.org/presentationml/2006/main">
   <p:cSld>
     <p:spTree>
@@ -10126,7 +11006,7 @@
             </a:pPr>
             <a:fld id="{00000000-1234-1234-1234-123412341234}" type="slidenum">
               <a:rPr lang="en"/>
-              <a:t>18</a:t>
+              <a:t>19</a:t>
             </a:fld>
             <a:endParaRPr/>
           </a:p>
@@ -10353,7 +11233,149 @@
 </p:sld>
 </file>
 
-<file path=ppt/slides/slide19.xml><?xml version="1.0" encoding="utf-8"?>
+<file path=ppt/slides/slide2.xml><?xml version="1.0" encoding="utf-8"?>
+<p:sld xmlns:a="http://schemas.openxmlformats.org/drawingml/2006/main" xmlns:r="http://schemas.openxmlformats.org/officeDocument/2006/relationships" xmlns:p="http://schemas.openxmlformats.org/presentationml/2006/main">
+  <p:cSld>
+    <p:spTree>
+      <p:nvGrpSpPr>
+        <p:cNvPr id="1" name=""/>
+        <p:cNvGrpSpPr/>
+        <p:nvPr/>
+      </p:nvGrpSpPr>
+      <p:grpSpPr>
+        <a:xfrm>
+          <a:off x="0" y="0"/>
+          <a:ext cx="0" cy="0"/>
+          <a:chOff x="0" y="0"/>
+          <a:chExt cx="0" cy="0"/>
+        </a:xfrm>
+      </p:grpSpPr>
+      <p:sp>
+        <p:nvSpPr>
+          <p:cNvPr id="2" name="Text Placeholder 1">
+            <a:extLst>
+              <a:ext uri="{FF2B5EF4-FFF2-40B4-BE49-F238E27FC236}">
+                <a16:creationId xmlns:a16="http://schemas.microsoft.com/office/drawing/2014/main" id="{58BCEBD3-73BA-4FF4-B97F-1ACD32EE33B9}"/>
+              </a:ext>
+            </a:extLst>
+          </p:cNvPr>
+          <p:cNvSpPr>
+            <a:spLocks noGrp="1"/>
+          </p:cNvSpPr>
+          <p:nvPr>
+            <p:ph type="body" idx="1"/>
+          </p:nvPr>
+        </p:nvSpPr>
+        <p:spPr/>
+        <p:txBody>
+          <a:bodyPr/>
+          <a:lstStyle/>
+          <a:p>
+            <a:r>
+              <a:rPr lang="en-US" dirty="0"/>
+              <a:t>Senior</a:t>
+            </a:r>
+          </a:p>
+          <a:p>
+            <a:endParaRPr lang="en-US" dirty="0"/>
+          </a:p>
+          <a:p>
+            <a:r>
+              <a:rPr lang="en-US" dirty="0"/>
+              <a:t>My goal is to make sure you get the most out of this course. I hate to see someone struggle, so feel free to contact me if you ever feel stuck!</a:t>
+            </a:r>
+          </a:p>
+          <a:p>
+            <a:endParaRPr lang="en-US" dirty="0"/>
+          </a:p>
+          <a:p>
+            <a:r>
+              <a:rPr lang="en-US" dirty="0"/>
+              <a:t>UTA for 1501</a:t>
+            </a:r>
+          </a:p>
+        </p:txBody>
+      </p:sp>
+      <p:sp>
+        <p:nvSpPr>
+          <p:cNvPr id="3" name="Title 2">
+            <a:extLst>
+              <a:ext uri="{FF2B5EF4-FFF2-40B4-BE49-F238E27FC236}">
+                <a16:creationId xmlns:a16="http://schemas.microsoft.com/office/drawing/2014/main" id="{753AD716-ED04-46E2-9B2E-D3286CB52B55}"/>
+              </a:ext>
+            </a:extLst>
+          </p:cNvPr>
+          <p:cNvSpPr>
+            <a:spLocks noGrp="1"/>
+          </p:cNvSpPr>
+          <p:nvPr>
+            <p:ph type="title"/>
+          </p:nvPr>
+        </p:nvSpPr>
+        <p:spPr/>
+        <p:txBody>
+          <a:bodyPr/>
+          <a:lstStyle/>
+          <a:p>
+            <a:r>
+              <a:rPr lang="en-US" dirty="0"/>
+              <a:t>Introduction</a:t>
+            </a:r>
+          </a:p>
+        </p:txBody>
+      </p:sp>
+      <p:sp>
+        <p:nvSpPr>
+          <p:cNvPr id="4" name="Slide Number Placeholder 3">
+            <a:extLst>
+              <a:ext uri="{FF2B5EF4-FFF2-40B4-BE49-F238E27FC236}">
+                <a16:creationId xmlns:a16="http://schemas.microsoft.com/office/drawing/2014/main" id="{B0D6A3B0-DFED-477E-863C-A45135980577}"/>
+              </a:ext>
+            </a:extLst>
+          </p:cNvPr>
+          <p:cNvSpPr>
+            <a:spLocks noGrp="1"/>
+          </p:cNvSpPr>
+          <p:nvPr>
+            <p:ph type="sldNum" idx="12"/>
+          </p:nvPr>
+        </p:nvSpPr>
+        <p:spPr/>
+        <p:txBody>
+          <a:bodyPr/>
+          <a:lstStyle/>
+          <a:p>
+            <a:pPr marL="0" lvl="0" indent="0">
+              <a:spcBef>
+                <a:spcPts val="0"/>
+              </a:spcBef>
+              <a:spcAft>
+                <a:spcPts val="0"/>
+              </a:spcAft>
+              <a:buNone/>
+            </a:pPr>
+            <a:fld id="{00000000-1234-1234-1234-123412341234}" type="slidenum">
+              <a:rPr lang="en" smtClean="0"/>
+              <a:t>2</a:t>
+            </a:fld>
+            <a:endParaRPr lang="en"/>
+          </a:p>
+        </p:txBody>
+      </p:sp>
+    </p:spTree>
+    <p:extLst>
+      <p:ext uri="{BB962C8B-B14F-4D97-AF65-F5344CB8AC3E}">
+        <p14:creationId xmlns:p14="http://schemas.microsoft.com/office/powerpoint/2010/main" val="2304454494"/>
+      </p:ext>
+    </p:extLst>
+  </p:cSld>
+  <p:clrMapOvr>
+    <a:masterClrMapping/>
+  </p:clrMapOvr>
+</p:sld>
+</file>
+
+<file path=ppt/slides/slide20.xml><?xml version="1.0" encoding="utf-8"?>
 <p:sld xmlns:a="http://schemas.openxmlformats.org/drawingml/2006/main" xmlns:r="http://schemas.openxmlformats.org/officeDocument/2006/relationships" xmlns:p="http://schemas.openxmlformats.org/presentationml/2006/main">
   <p:cSld>
     <p:spTree>
@@ -10634,7 +11656,7 @@
             </a:pPr>
             <a:fld id="{00000000-1234-1234-1234-123412341234}" type="slidenum">
               <a:rPr lang="en"/>
-              <a:t>19</a:t>
+              <a:t>20</a:t>
             </a:fld>
             <a:endParaRPr/>
           </a:p>
@@ -10983,149 +12005,7 @@
 </p:sld>
 </file>
 
-<file path=ppt/slides/slide2.xml><?xml version="1.0" encoding="utf-8"?>
-<p:sld xmlns:a="http://schemas.openxmlformats.org/drawingml/2006/main" xmlns:r="http://schemas.openxmlformats.org/officeDocument/2006/relationships" xmlns:p="http://schemas.openxmlformats.org/presentationml/2006/main">
-  <p:cSld>
-    <p:spTree>
-      <p:nvGrpSpPr>
-        <p:cNvPr id="1" name=""/>
-        <p:cNvGrpSpPr/>
-        <p:nvPr/>
-      </p:nvGrpSpPr>
-      <p:grpSpPr>
-        <a:xfrm>
-          <a:off x="0" y="0"/>
-          <a:ext cx="0" cy="0"/>
-          <a:chOff x="0" y="0"/>
-          <a:chExt cx="0" cy="0"/>
-        </a:xfrm>
-      </p:grpSpPr>
-      <p:sp>
-        <p:nvSpPr>
-          <p:cNvPr id="2" name="Text Placeholder 1">
-            <a:extLst>
-              <a:ext uri="{FF2B5EF4-FFF2-40B4-BE49-F238E27FC236}">
-                <a16:creationId xmlns:a16="http://schemas.microsoft.com/office/drawing/2014/main" id="{58BCEBD3-73BA-4FF4-B97F-1ACD32EE33B9}"/>
-              </a:ext>
-            </a:extLst>
-          </p:cNvPr>
-          <p:cNvSpPr>
-            <a:spLocks noGrp="1"/>
-          </p:cNvSpPr>
-          <p:nvPr>
-            <p:ph type="body" idx="1"/>
-          </p:nvPr>
-        </p:nvSpPr>
-        <p:spPr/>
-        <p:txBody>
-          <a:bodyPr/>
-          <a:lstStyle/>
-          <a:p>
-            <a:r>
-              <a:rPr lang="en-US" dirty="0"/>
-              <a:t>Senior</a:t>
-            </a:r>
-          </a:p>
-          <a:p>
-            <a:endParaRPr lang="en-US" dirty="0"/>
-          </a:p>
-          <a:p>
-            <a:r>
-              <a:rPr lang="en-US" dirty="0"/>
-              <a:t>My goal is to make sure you get the most out of this course. I hate to see someone struggle, so feel free to contact me if you ever feel stuck!</a:t>
-            </a:r>
-          </a:p>
-          <a:p>
-            <a:endParaRPr lang="en-US" dirty="0"/>
-          </a:p>
-          <a:p>
-            <a:r>
-              <a:rPr lang="en-US" dirty="0"/>
-              <a:t>UTA for 1501 and 1656, but open to help with anything!</a:t>
-            </a:r>
-          </a:p>
-        </p:txBody>
-      </p:sp>
-      <p:sp>
-        <p:nvSpPr>
-          <p:cNvPr id="3" name="Title 2">
-            <a:extLst>
-              <a:ext uri="{FF2B5EF4-FFF2-40B4-BE49-F238E27FC236}">
-                <a16:creationId xmlns:a16="http://schemas.microsoft.com/office/drawing/2014/main" id="{753AD716-ED04-46E2-9B2E-D3286CB52B55}"/>
-              </a:ext>
-            </a:extLst>
-          </p:cNvPr>
-          <p:cNvSpPr>
-            <a:spLocks noGrp="1"/>
-          </p:cNvSpPr>
-          <p:nvPr>
-            <p:ph type="title"/>
-          </p:nvPr>
-        </p:nvSpPr>
-        <p:spPr/>
-        <p:txBody>
-          <a:bodyPr/>
-          <a:lstStyle/>
-          <a:p>
-            <a:r>
-              <a:rPr lang="en-US" dirty="0"/>
-              <a:t>Introduction</a:t>
-            </a:r>
-          </a:p>
-        </p:txBody>
-      </p:sp>
-      <p:sp>
-        <p:nvSpPr>
-          <p:cNvPr id="4" name="Slide Number Placeholder 3">
-            <a:extLst>
-              <a:ext uri="{FF2B5EF4-FFF2-40B4-BE49-F238E27FC236}">
-                <a16:creationId xmlns:a16="http://schemas.microsoft.com/office/drawing/2014/main" id="{B0D6A3B0-DFED-477E-863C-A45135980577}"/>
-              </a:ext>
-            </a:extLst>
-          </p:cNvPr>
-          <p:cNvSpPr>
-            <a:spLocks noGrp="1"/>
-          </p:cNvSpPr>
-          <p:nvPr>
-            <p:ph type="sldNum" idx="12"/>
-          </p:nvPr>
-        </p:nvSpPr>
-        <p:spPr/>
-        <p:txBody>
-          <a:bodyPr/>
-          <a:lstStyle/>
-          <a:p>
-            <a:pPr marL="0" lvl="0" indent="0">
-              <a:spcBef>
-                <a:spcPts val="0"/>
-              </a:spcBef>
-              <a:spcAft>
-                <a:spcPts val="0"/>
-              </a:spcAft>
-              <a:buNone/>
-            </a:pPr>
-            <a:fld id="{00000000-1234-1234-1234-123412341234}" type="slidenum">
-              <a:rPr lang="en" smtClean="0"/>
-              <a:t>2</a:t>
-            </a:fld>
-            <a:endParaRPr lang="en"/>
-          </a:p>
-        </p:txBody>
-      </p:sp>
-    </p:spTree>
-    <p:extLst>
-      <p:ext uri="{BB962C8B-B14F-4D97-AF65-F5344CB8AC3E}">
-        <p14:creationId xmlns:p14="http://schemas.microsoft.com/office/powerpoint/2010/main" val="2304454494"/>
-      </p:ext>
-    </p:extLst>
-  </p:cSld>
-  <p:clrMapOvr>
-    <a:masterClrMapping/>
-  </p:clrMapOvr>
-</p:sld>
-</file>
-
-<file path=ppt/slides/slide20.xml><?xml version="1.0" encoding="utf-8"?>
+<file path=ppt/slides/slide21.xml><?xml version="1.0" encoding="utf-8"?>
 <p:sld xmlns:a="http://schemas.openxmlformats.org/drawingml/2006/main" xmlns:r="http://schemas.openxmlformats.org/officeDocument/2006/relationships" xmlns:p="http://schemas.openxmlformats.org/presentationml/2006/main">
   <p:cSld>
     <p:spTree>
@@ -11313,7 +12193,7 @@
             </a:pPr>
             <a:fld id="{00000000-1234-1234-1234-123412341234}" type="slidenum">
               <a:rPr lang="en"/>
-              <a:t>20</a:t>
+              <a:t>21</a:t>
             </a:fld>
             <a:endParaRPr/>
           </a:p>
@@ -11479,7 +12359,7 @@
 </p:sld>
 </file>
 
-<file path=ppt/slides/slide21.xml><?xml version="1.0" encoding="utf-8"?>
+<file path=ppt/slides/slide22.xml><?xml version="1.0" encoding="utf-8"?>
 <p:sld xmlns:a="http://schemas.openxmlformats.org/drawingml/2006/main" xmlns:r="http://schemas.openxmlformats.org/officeDocument/2006/relationships" xmlns:p="http://schemas.openxmlformats.org/presentationml/2006/main">
   <p:cSld>
     <p:spTree>
@@ -11894,7 +12774,7 @@
             </a:pPr>
             <a:fld id="{00000000-1234-1234-1234-123412341234}" type="slidenum">
               <a:rPr lang="en"/>
-              <a:t>21</a:t>
+              <a:t>22</a:t>
             </a:fld>
             <a:endParaRPr/>
           </a:p>
@@ -12365,7 +13245,7 @@
 </p:sld>
 </file>
 
-<file path=ppt/slides/slide22.xml><?xml version="1.0" encoding="utf-8"?>
+<file path=ppt/slides/slide23.xml><?xml version="1.0" encoding="utf-8"?>
 <p:sld xmlns:a="http://schemas.openxmlformats.org/drawingml/2006/main" xmlns:r="http://schemas.openxmlformats.org/officeDocument/2006/relationships" xmlns:p="http://schemas.openxmlformats.org/presentationml/2006/main">
   <p:cSld>
     <p:spTree>
@@ -12665,7 +13545,7 @@
             </a:pPr>
             <a:fld id="{00000000-1234-1234-1234-123412341234}" type="slidenum">
               <a:rPr lang="en" smtClean="0"/>
-              <a:t>22</a:t>
+              <a:t>23</a:t>
             </a:fld>
             <a:endParaRPr lang="en"/>
           </a:p>
@@ -12684,7 +13564,7 @@
 </p:sld>
 </file>
 
-<file path=ppt/slides/slide23.xml><?xml version="1.0" encoding="utf-8"?>
+<file path=ppt/slides/slide24.xml><?xml version="1.0" encoding="utf-8"?>
 <p:sld xmlns:a="http://schemas.openxmlformats.org/drawingml/2006/main" xmlns:r="http://schemas.openxmlformats.org/officeDocument/2006/relationships" xmlns:p="http://schemas.openxmlformats.org/presentationml/2006/main">
   <p:cSld>
     <p:spTree>
@@ -12798,143 +13678,9 @@
             </a:pPr>
             <a:fld id="{00000000-1234-1234-1234-123412341234}" type="slidenum">
               <a:rPr lang="en" smtClean="0"/>
-              <a:t>23</a:t>
+              <a:t>24</a:t>
             </a:fld>
             <a:endParaRPr lang="en"/>
-          </a:p>
-        </p:txBody>
-      </p:sp>
-      <p:sp>
-        <p:nvSpPr>
-          <p:cNvPr id="6" name="Rectangle 2">
-            <a:extLst>
-              <a:ext uri="{FF2B5EF4-FFF2-40B4-BE49-F238E27FC236}">
-                <a16:creationId xmlns:a16="http://schemas.microsoft.com/office/drawing/2014/main" id="{83962689-1D34-4BB0-BFDE-9D4957B33BB8}"/>
-              </a:ext>
-            </a:extLst>
-          </p:cNvPr>
-          <p:cNvSpPr>
-            <a:spLocks noChangeArrowheads="1"/>
-          </p:cNvSpPr>
-          <p:nvPr/>
-        </p:nvSpPr>
-        <p:spPr bwMode="auto">
-          <a:xfrm>
-            <a:off x="0" y="0"/>
-            <a:ext cx="9144000" cy="0"/>
-          </a:xfrm>
-          <a:prstGeom prst="rect">
-            <a:avLst/>
-          </a:prstGeom>
-          <a:noFill/>
-          <a:ln>
-            <a:noFill/>
-          </a:ln>
-          <a:effectLst/>
-          <a:extLst>
-            <a:ext uri="{909E8E84-426E-40DD-AFC4-6F175D3DCCD1}">
-              <a14:hiddenFill xmlns:a14="http://schemas.microsoft.com/office/drawing/2010/main">
-                <a:solidFill>
-                  <a:schemeClr val="accent1"/>
-                </a:solidFill>
-              </a14:hiddenFill>
-            </a:ext>
-            <a:ext uri="{91240B29-F687-4F45-9708-019B960494DF}">
-              <a14:hiddenLine xmlns:a14="http://schemas.microsoft.com/office/drawing/2010/main" w="9525">
-                <a:solidFill>
-                  <a:schemeClr val="tx1"/>
-                </a:solidFill>
-                <a:miter lim="800000"/>
-                <a:headEnd/>
-                <a:tailEnd/>
-              </a14:hiddenLine>
-            </a:ext>
-            <a:ext uri="{AF507438-7753-43E0-B8FC-AC1667EBCBE1}">
-              <a14:hiddenEffects xmlns:a14="http://schemas.microsoft.com/office/drawing/2010/main">
-                <a:effectLst>
-                  <a:outerShdw dist="35921" dir="2700000" algn="ctr" rotWithShape="0">
-                    <a:schemeClr val="bg2"/>
-                  </a:outerShdw>
-                </a:effectLst>
-              </a14:hiddenEffects>
-            </a:ext>
-          </a:extLst>
-        </p:spPr>
-        <p:txBody>
-          <a:bodyPr vert="horz" wrap="none" lIns="0" tIns="0" rIns="0" bIns="0" numCol="1" anchor="ctr" anchorCtr="0" compatLnSpc="1">
-            <a:prstTxWarp prst="textNoShape">
-              <a:avLst/>
-            </a:prstTxWarp>
-            <a:spAutoFit/>
-          </a:bodyPr>
-          <a:lstStyle/>
-          <a:p>
-            <a:pPr marL="0" marR="0" lvl="0" indent="0" algn="l" defTabSz="914400" rtl="0" eaLnBrk="0" fontAlgn="base" latinLnBrk="0" hangingPunct="0">
-              <a:lnSpc>
-                <a:spcPct val="100000"/>
-              </a:lnSpc>
-              <a:spcBef>
-                <a:spcPct val="0"/>
-              </a:spcBef>
-              <a:spcAft>
-                <a:spcPct val="0"/>
-              </a:spcAft>
-              <a:buClrTx/>
-              <a:buSzTx/>
-              <a:buFontTx/>
-              <a:buNone/>
-              <a:tabLst/>
-            </a:pPr>
-            <a:r>
-              <a:rPr kumimoji="0" lang="en-US" altLang="en-US" sz="1200" b="0" i="0" u="none" strike="noStrike" cap="none" normalizeH="0" baseline="0">
-                <a:ln>
-                  <a:noFill/>
-                </a:ln>
-                <a:solidFill>
-                  <a:srgbClr val="24292E"/>
-                </a:solidFill>
-                <a:effectLst/>
-                <a:latin typeface="Arial" panose="020B0604020202020204" pitchFamily="34" charset="0"/>
-                <a:ea typeface="-apple-system"/>
-              </a:rPr>
-              <a:t>When asked if you would like to authenticate to Git with your GitHub credentials, enter </a:t>
-            </a:r>
-            <a:r>
-              <a:rPr kumimoji="0" lang="en-US" altLang="en-US" sz="900" b="0" i="0" u="none" strike="noStrike" cap="none" normalizeH="0" baseline="0">
-                <a:ln>
-                  <a:noFill/>
-                </a:ln>
-                <a:solidFill>
-                  <a:srgbClr val="24292E"/>
-                </a:solidFill>
-                <a:effectLst/>
-                <a:latin typeface="Arial Unicode MS"/>
-                <a:ea typeface="ui-monospace"/>
-              </a:rPr>
-              <a:t>Y</a:t>
-            </a:r>
-            <a:r>
-              <a:rPr kumimoji="0" lang="en-US" altLang="en-US" sz="600" b="0" i="0" u="none" strike="noStrike" cap="none" normalizeH="0" baseline="0">
-                <a:ln>
-                  <a:noFill/>
-                </a:ln>
-                <a:solidFill>
-                  <a:schemeClr val="tx1"/>
-                </a:solidFill>
-                <a:effectLst/>
-              </a:rPr>
-              <a:t> </a:t>
-            </a:r>
-            <a:endParaRPr kumimoji="0" lang="en-US" altLang="en-US" sz="1800" b="0" i="0" u="none" strike="noStrike" cap="none" normalizeH="0" baseline="0">
-              <a:ln>
-                <a:noFill/>
-              </a:ln>
-              <a:solidFill>
-                <a:schemeClr val="tx1"/>
-              </a:solidFill>
-              <a:effectLst/>
-              <a:latin typeface="Arial" panose="020B0604020202020204" pitchFamily="34" charset="0"/>
-            </a:endParaRPr>
           </a:p>
         </p:txBody>
       </p:sp>
@@ -12951,7 +13697,7 @@
 </p:sld>
 </file>
 
-<file path=ppt/slides/slide24.xml><?xml version="1.0" encoding="utf-8"?>
+<file path=ppt/slides/slide25.xml><?xml version="1.0" encoding="utf-8"?>
 <p:sld xmlns:a="http://schemas.openxmlformats.org/drawingml/2006/main" xmlns:r="http://schemas.openxmlformats.org/officeDocument/2006/relationships" xmlns:p="http://schemas.openxmlformats.org/presentationml/2006/main">
   <p:cSld>
     <p:spTree>
@@ -13137,7 +13883,7 @@
             </a:pPr>
             <a:fld id="{00000000-1234-1234-1234-123412341234}" type="slidenum">
               <a:rPr lang="en" smtClean="0"/>
-              <a:t>24</a:t>
+              <a:t>25</a:t>
             </a:fld>
             <a:endParaRPr lang="en"/>
           </a:p>
@@ -13203,7 +13949,7 @@
 </p:sld>
 </file>
 
-<file path=ppt/slides/slide25.xml><?xml version="1.0" encoding="utf-8"?>
+<file path=ppt/slides/slide26.xml><?xml version="1.0" encoding="utf-8"?>
 <p:sld xmlns:a="http://schemas.openxmlformats.org/drawingml/2006/main" xmlns:r="http://schemas.openxmlformats.org/officeDocument/2006/relationships" xmlns:p="http://schemas.openxmlformats.org/presentationml/2006/main">
   <p:cSld>
     <p:spTree>
@@ -13403,7 +14149,7 @@
             </a:pPr>
             <a:fld id="{00000000-1234-1234-1234-123412341234}" type="slidenum">
               <a:rPr lang="en" smtClean="0"/>
-              <a:t>25</a:t>
+              <a:t>26</a:t>
             </a:fld>
             <a:endParaRPr lang="en"/>
           </a:p>
@@ -13419,1084 +14165,6 @@
   <p:clrMapOvr>
     <a:masterClrMapping/>
   </p:clrMapOvr>
-</p:sld>
-</file>
-
-<file path=ppt/slides/slide26.xml><?xml version="1.0" encoding="utf-8"?>
-<p:sld xmlns:a="http://schemas.openxmlformats.org/drawingml/2006/main" xmlns:r="http://schemas.openxmlformats.org/officeDocument/2006/relationships" xmlns:p="http://schemas.openxmlformats.org/presentationml/2006/main">
-  <p:cSld>
-    <p:spTree>
-      <p:nvGrpSpPr>
-        <p:cNvPr id="1" name="Shape 167"/>
-        <p:cNvGrpSpPr/>
-        <p:nvPr/>
-      </p:nvGrpSpPr>
-      <p:grpSpPr>
-        <a:xfrm>
-          <a:off x="0" y="0"/>
-          <a:ext cx="0" cy="0"/>
-          <a:chOff x="0" y="0"/>
-          <a:chExt cx="0" cy="0"/>
-        </a:xfrm>
-      </p:grpSpPr>
-      <p:sp>
-        <p:nvSpPr>
-          <p:cNvPr id="168" name="Google Shape;168;p26"/>
-          <p:cNvSpPr txBox="1">
-            <a:spLocks noGrp="1"/>
-          </p:cNvSpPr>
-          <p:nvPr>
-            <p:ph type="body" idx="1"/>
-          </p:nvPr>
-        </p:nvSpPr>
-        <p:spPr>
-          <a:xfrm>
-            <a:off x="457200" y="1271325"/>
-            <a:ext cx="8229600" cy="5297100"/>
-          </a:xfrm>
-          <a:prstGeom prst="rect">
-            <a:avLst/>
-          </a:prstGeom>
-        </p:spPr>
-        <p:txBody>
-          <a:bodyPr spcFirstLastPara="1" wrap="square" lIns="91425" tIns="91425" rIns="91425" bIns="91425" anchor="t" anchorCtr="0">
-            <a:noAutofit/>
-          </a:bodyPr>
-          <a:lstStyle/>
-          <a:p>
-            <a:pPr marL="457200" marR="0" lvl="0" indent="-368300" algn="l" rtl="0">
-              <a:lnSpc>
-                <a:spcPct val="150000"/>
-              </a:lnSpc>
-              <a:spcBef>
-                <a:spcPts val="600"/>
-              </a:spcBef>
-              <a:spcAft>
-                <a:spcPts val="0"/>
-              </a:spcAft>
-              <a:buClr>
-                <a:srgbClr val="002B5E"/>
-              </a:buClr>
-              <a:buSzPts val="2200"/>
-              <a:buChar char="●"/>
-            </a:pPr>
-            <a:r>
-              <a:rPr lang="en"/>
-              <a:t>… p</a:t>
-            </a:r>
-            <a:r>
-              <a:rPr lang="en">
-                <a:solidFill>
-                  <a:srgbClr val="002B5E"/>
-                </a:solidFill>
-              </a:rPr>
-              <a:t>resents only a brief overview of Git</a:t>
-            </a:r>
-            <a:endParaRPr>
-              <a:solidFill>
-                <a:srgbClr val="002B5E"/>
-              </a:solidFill>
-            </a:endParaRPr>
-          </a:p>
-          <a:p>
-            <a:pPr marL="914400" marR="0" lvl="1" indent="-355600" algn="l" rtl="0">
-              <a:lnSpc>
-                <a:spcPct val="150000"/>
-              </a:lnSpc>
-              <a:spcBef>
-                <a:spcPts val="0"/>
-              </a:spcBef>
-              <a:spcAft>
-                <a:spcPts val="0"/>
-              </a:spcAft>
-              <a:buSzPts val="2000"/>
-              <a:buChar char="○"/>
-            </a:pPr>
-            <a:r>
-              <a:rPr lang="en"/>
-              <a:t>Further topics:</a:t>
-            </a:r>
-            <a:endParaRPr/>
-          </a:p>
-          <a:p>
-            <a:pPr marL="1371600" marR="0" lvl="2" indent="-355600" algn="l" rtl="0">
-              <a:lnSpc>
-                <a:spcPct val="150000"/>
-              </a:lnSpc>
-              <a:spcBef>
-                <a:spcPts val="0"/>
-              </a:spcBef>
-              <a:spcAft>
-                <a:spcPts val="0"/>
-              </a:spcAft>
-              <a:buClr>
-                <a:srgbClr val="002B5E"/>
-              </a:buClr>
-              <a:buSzPts val="2000"/>
-              <a:buChar char="■"/>
-            </a:pPr>
-            <a:r>
-              <a:rPr lang="en">
-                <a:solidFill>
-                  <a:srgbClr val="002B5E"/>
-                </a:solidFill>
-              </a:rPr>
-              <a:t>branching</a:t>
-            </a:r>
-            <a:endParaRPr>
-              <a:solidFill>
-                <a:srgbClr val="002B5E"/>
-              </a:solidFill>
-            </a:endParaRPr>
-          </a:p>
-          <a:p>
-            <a:pPr marL="1371600" marR="0" lvl="2" indent="-355600" algn="l" rtl="0">
-              <a:lnSpc>
-                <a:spcPct val="150000"/>
-              </a:lnSpc>
-              <a:spcBef>
-                <a:spcPts val="0"/>
-              </a:spcBef>
-              <a:spcAft>
-                <a:spcPts val="0"/>
-              </a:spcAft>
-              <a:buClr>
-                <a:srgbClr val="002B5E"/>
-              </a:buClr>
-              <a:buSzPts val="2000"/>
-              <a:buChar char="■"/>
-            </a:pPr>
-            <a:r>
-              <a:rPr lang="en">
-                <a:solidFill>
-                  <a:srgbClr val="002B5E"/>
-                </a:solidFill>
-              </a:rPr>
-              <a:t>rebasing</a:t>
-            </a:r>
-            <a:endParaRPr>
-              <a:solidFill>
-                <a:srgbClr val="002B5E"/>
-              </a:solidFill>
-            </a:endParaRPr>
-          </a:p>
-          <a:p>
-            <a:pPr marL="1371600" marR="0" lvl="2" indent="-355600" algn="l" rtl="0">
-              <a:lnSpc>
-                <a:spcPct val="150000"/>
-              </a:lnSpc>
-              <a:spcBef>
-                <a:spcPts val="0"/>
-              </a:spcBef>
-              <a:spcAft>
-                <a:spcPts val="0"/>
-              </a:spcAft>
-              <a:buClr>
-                <a:srgbClr val="002B5E"/>
-              </a:buClr>
-              <a:buSzPts val="2000"/>
-              <a:buChar char="■"/>
-            </a:pPr>
-            <a:r>
-              <a:rPr lang="en">
-                <a:solidFill>
-                  <a:srgbClr val="002B5E"/>
-                </a:solidFill>
-              </a:rPr>
-              <a:t>tagging</a:t>
-            </a:r>
-            <a:endParaRPr>
-              <a:solidFill>
-                <a:srgbClr val="002B5E"/>
-              </a:solidFill>
-            </a:endParaRPr>
-          </a:p>
-          <a:p>
-            <a:pPr marL="1371600" marR="0" lvl="2" indent="-355600" algn="l" rtl="0">
-              <a:lnSpc>
-                <a:spcPct val="150000"/>
-              </a:lnSpc>
-              <a:spcBef>
-                <a:spcPts val="0"/>
-              </a:spcBef>
-              <a:spcAft>
-                <a:spcPts val="0"/>
-              </a:spcAft>
-              <a:buClr>
-                <a:srgbClr val="002B5E"/>
-              </a:buClr>
-              <a:buSzPts val="2000"/>
-              <a:buChar char="■"/>
-            </a:pPr>
-            <a:r>
-              <a:rPr lang="en">
-                <a:solidFill>
-                  <a:srgbClr val="002B5E"/>
-                </a:solidFill>
-              </a:rPr>
-              <a:t>…</a:t>
-            </a:r>
-            <a:endParaRPr>
-              <a:solidFill>
-                <a:srgbClr val="002B5E"/>
-              </a:solidFill>
-            </a:endParaRPr>
-          </a:p>
-          <a:p>
-            <a:pPr marL="457200" marR="0" lvl="0" indent="-368300" algn="l" rtl="0">
-              <a:lnSpc>
-                <a:spcPct val="150000"/>
-              </a:lnSpc>
-              <a:spcBef>
-                <a:spcPts val="0"/>
-              </a:spcBef>
-              <a:spcAft>
-                <a:spcPts val="0"/>
-              </a:spcAft>
-              <a:buClr>
-                <a:srgbClr val="002B5E"/>
-              </a:buClr>
-              <a:buSzPts val="2200"/>
-              <a:buChar char="●"/>
-            </a:pPr>
-            <a:r>
-              <a:rPr lang="en">
-                <a:solidFill>
-                  <a:srgbClr val="002B5E"/>
-                </a:solidFill>
-              </a:rPr>
-              <a:t>Further resources:</a:t>
-            </a:r>
-            <a:endParaRPr>
-              <a:solidFill>
-                <a:srgbClr val="002B5E"/>
-              </a:solidFill>
-            </a:endParaRPr>
-          </a:p>
-          <a:p>
-            <a:pPr marL="914400" marR="0" lvl="1" indent="-355600" algn="l" rtl="0">
-              <a:lnSpc>
-                <a:spcPct val="150000"/>
-              </a:lnSpc>
-              <a:spcBef>
-                <a:spcPts val="0"/>
-              </a:spcBef>
-              <a:spcAft>
-                <a:spcPts val="0"/>
-              </a:spcAft>
-              <a:buClr>
-                <a:srgbClr val="002B5E"/>
-              </a:buClr>
-              <a:buSzPts val="2000"/>
-              <a:buChar char="○"/>
-            </a:pPr>
-            <a:r>
-              <a:rPr lang="en">
-                <a:solidFill>
-                  <a:srgbClr val="002B5E"/>
-                </a:solidFill>
-              </a:rPr>
-              <a:t>https://git-scm.com/book/en/v2</a:t>
-            </a:r>
-            <a:endParaRPr>
-              <a:solidFill>
-                <a:srgbClr val="002B5E"/>
-              </a:solidFill>
-            </a:endParaRPr>
-          </a:p>
-          <a:p>
-            <a:pPr marL="914400" marR="0" lvl="1" indent="-355600" algn="l" rtl="0">
-              <a:lnSpc>
-                <a:spcPct val="150000"/>
-              </a:lnSpc>
-              <a:spcBef>
-                <a:spcPts val="0"/>
-              </a:spcBef>
-              <a:spcAft>
-                <a:spcPts val="0"/>
-              </a:spcAft>
-              <a:buClr>
-                <a:srgbClr val="002B5E"/>
-              </a:buClr>
-              <a:buSzPts val="2000"/>
-              <a:buChar char="○"/>
-            </a:pPr>
-            <a:r>
-              <a:rPr lang="en">
-                <a:solidFill>
-                  <a:srgbClr val="002B5E"/>
-                </a:solidFill>
-              </a:rPr>
-              <a:t>http://gitref.org/</a:t>
-            </a:r>
-            <a:endParaRPr>
-              <a:solidFill>
-                <a:srgbClr val="002B5E"/>
-              </a:solidFill>
-            </a:endParaRPr>
-          </a:p>
-          <a:p>
-            <a:pPr marL="914400" marR="0" lvl="1" indent="-355600" algn="l" rtl="0">
-              <a:lnSpc>
-                <a:spcPct val="150000"/>
-              </a:lnSpc>
-              <a:spcBef>
-                <a:spcPts val="0"/>
-              </a:spcBef>
-              <a:spcAft>
-                <a:spcPts val="0"/>
-              </a:spcAft>
-              <a:buClr>
-                <a:srgbClr val="002B5E"/>
-              </a:buClr>
-              <a:buSzPts val="2000"/>
-              <a:buChar char="○"/>
-            </a:pPr>
-            <a:r>
-              <a:rPr lang="en">
-                <a:solidFill>
-                  <a:srgbClr val="002B5E"/>
-                </a:solidFill>
-              </a:rPr>
-              <a:t>http://gitimmersion.com/</a:t>
-            </a:r>
-            <a:endParaRPr>
-              <a:solidFill>
-                <a:srgbClr val="002B5E"/>
-              </a:solidFill>
-            </a:endParaRPr>
-          </a:p>
-        </p:txBody>
-      </p:sp>
-      <p:sp>
-        <p:nvSpPr>
-          <p:cNvPr id="169" name="Google Shape;169;p26"/>
-          <p:cNvSpPr txBox="1">
-            <a:spLocks noGrp="1"/>
-          </p:cNvSpPr>
-          <p:nvPr>
-            <p:ph type="title"/>
-          </p:nvPr>
-        </p:nvSpPr>
-        <p:spPr>
-          <a:xfrm>
-            <a:off x="457200" y="196650"/>
-            <a:ext cx="8229600" cy="608100"/>
-          </a:xfrm>
-          <a:prstGeom prst="rect">
-            <a:avLst/>
-          </a:prstGeom>
-        </p:spPr>
-        <p:txBody>
-          <a:bodyPr spcFirstLastPara="1" wrap="square" lIns="91425" tIns="91425" rIns="91425" bIns="91425" anchor="b" anchorCtr="0">
-            <a:noAutofit/>
-          </a:bodyPr>
-          <a:lstStyle/>
-          <a:p>
-            <a:pPr marL="0" lvl="0" indent="0" rtl="0">
-              <a:spcBef>
-                <a:spcPts val="0"/>
-              </a:spcBef>
-              <a:spcAft>
-                <a:spcPts val="0"/>
-              </a:spcAft>
-              <a:buNone/>
-            </a:pPr>
-            <a:r>
-              <a:rPr lang="en"/>
-              <a:t>What we've covered here...</a:t>
-            </a:r>
-            <a:endParaRPr/>
-          </a:p>
-        </p:txBody>
-      </p:sp>
-      <p:sp>
-        <p:nvSpPr>
-          <p:cNvPr id="170" name="Google Shape;170;p26"/>
-          <p:cNvSpPr txBox="1">
-            <a:spLocks noGrp="1"/>
-          </p:cNvSpPr>
-          <p:nvPr>
-            <p:ph type="sldNum" idx="12"/>
-          </p:nvPr>
-        </p:nvSpPr>
-        <p:spPr>
-          <a:xfrm>
-            <a:off x="8556784" y="6333134"/>
-            <a:ext cx="548700" cy="525000"/>
-          </a:xfrm>
-          <a:prstGeom prst="rect">
-            <a:avLst/>
-          </a:prstGeom>
-        </p:spPr>
-        <p:txBody>
-          <a:bodyPr spcFirstLastPara="1" wrap="square" lIns="91425" tIns="91425" rIns="91425" bIns="91425" anchor="ctr" anchorCtr="0">
-            <a:noAutofit/>
-          </a:bodyPr>
-          <a:lstStyle/>
-          <a:p>
-            <a:pPr marL="0" lvl="0" indent="0">
-              <a:spcBef>
-                <a:spcPts val="0"/>
-              </a:spcBef>
-              <a:spcAft>
-                <a:spcPts val="0"/>
-              </a:spcAft>
-              <a:buNone/>
-            </a:pPr>
-            <a:fld id="{00000000-1234-1234-1234-123412341234}" type="slidenum">
-              <a:rPr lang="en"/>
-              <a:t>26</a:t>
-            </a:fld>
-            <a:endParaRPr/>
-          </a:p>
-        </p:txBody>
-      </p:sp>
-    </p:spTree>
-  </p:cSld>
-  <p:clrMapOvr>
-    <a:masterClrMapping/>
-  </p:clrMapOvr>
-  <p:timing>
-    <p:tnLst>
-      <p:par>
-        <p:cTn id="1" dur="indefinite" restart="never" nodeType="tmRoot">
-          <p:childTnLst>
-            <p:seq concurrent="1" nextAc="seek">
-              <p:cTn id="2" dur="indefinite" nodeType="mainSeq">
-                <p:childTnLst>
-                  <p:par>
-                    <p:cTn id="3" fill="hold">
-                      <p:stCondLst>
-                        <p:cond delay="indefinite"/>
-                      </p:stCondLst>
-                      <p:childTnLst>
-                        <p:par>
-                          <p:cTn id="4" fill="hold">
-                            <p:stCondLst>
-                              <p:cond delay="0"/>
-                            </p:stCondLst>
-                            <p:childTnLst>
-                              <p:par>
-                                <p:cTn id="5" presetID="10" presetClass="entr" presetSubtype="0" fill="hold" nodeType="clickEffect">
-                                  <p:stCondLst>
-                                    <p:cond delay="0"/>
-                                  </p:stCondLst>
-                                  <p:childTnLst>
-                                    <p:set>
-                                      <p:cBhvr>
-                                        <p:cTn id="6" dur="1" fill="hold">
-                                          <p:stCondLst>
-                                            <p:cond delay="0"/>
-                                          </p:stCondLst>
-                                        </p:cTn>
-                                        <p:tgtEl>
-                                          <p:spTgt spid="168">
-                                            <p:txEl>
-                                              <p:pRg st="0" end="0"/>
-                                            </p:txEl>
-                                          </p:spTgt>
-                                        </p:tgtEl>
-                                        <p:attrNameLst>
-                                          <p:attrName>style.visibility</p:attrName>
-                                        </p:attrNameLst>
-                                      </p:cBhvr>
-                                      <p:to>
-                                        <p:strVal val="visible"/>
-                                      </p:to>
-                                    </p:set>
-                                    <p:animEffect transition="in" filter="fade">
-                                      <p:cBhvr>
-                                        <p:cTn id="7" dur="100"/>
-                                        <p:tgtEl>
-                                          <p:spTgt spid="168">
-                                            <p:txEl>
-                                              <p:pRg st="0" end="0"/>
-                                            </p:txEl>
-                                          </p:spTgt>
-                                        </p:tgtEl>
-                                      </p:cBhvr>
-                                    </p:animEffect>
-                                  </p:childTnLst>
-                                </p:cTn>
-                              </p:par>
-                            </p:childTnLst>
-                          </p:cTn>
-                        </p:par>
-                      </p:childTnLst>
-                    </p:cTn>
-                  </p:par>
-                  <p:par>
-                    <p:cTn id="8" fill="hold">
-                      <p:stCondLst>
-                        <p:cond delay="indefinite"/>
-                      </p:stCondLst>
-                      <p:childTnLst>
-                        <p:par>
-                          <p:cTn id="9" fill="hold">
-                            <p:stCondLst>
-                              <p:cond delay="0"/>
-                            </p:stCondLst>
-                            <p:childTnLst>
-                              <p:par>
-                                <p:cTn id="10" presetID="10" presetClass="entr" presetSubtype="0" fill="hold" nodeType="clickEffect">
-                                  <p:stCondLst>
-                                    <p:cond delay="0"/>
-                                  </p:stCondLst>
-                                  <p:childTnLst>
-                                    <p:set>
-                                      <p:cBhvr>
-                                        <p:cTn id="11" dur="1" fill="hold">
-                                          <p:stCondLst>
-                                            <p:cond delay="0"/>
-                                          </p:stCondLst>
-                                        </p:cTn>
-                                        <p:tgtEl>
-                                          <p:spTgt spid="168">
-                                            <p:txEl>
-                                              <p:pRg st="1" end="1"/>
-                                            </p:txEl>
-                                          </p:spTgt>
-                                        </p:tgtEl>
-                                        <p:attrNameLst>
-                                          <p:attrName>style.visibility</p:attrName>
-                                        </p:attrNameLst>
-                                      </p:cBhvr>
-                                      <p:to>
-                                        <p:strVal val="visible"/>
-                                      </p:to>
-                                    </p:set>
-                                    <p:animEffect transition="in" filter="fade">
-                                      <p:cBhvr>
-                                        <p:cTn id="12" dur="100"/>
-                                        <p:tgtEl>
-                                          <p:spTgt spid="168">
-                                            <p:txEl>
-                                              <p:pRg st="1" end="1"/>
-                                            </p:txEl>
-                                          </p:spTgt>
-                                        </p:tgtEl>
-                                      </p:cBhvr>
-                                    </p:animEffect>
-                                  </p:childTnLst>
-                                </p:cTn>
-                              </p:par>
-                            </p:childTnLst>
-                          </p:cTn>
-                        </p:par>
-                      </p:childTnLst>
-                    </p:cTn>
-                  </p:par>
-                  <p:par>
-                    <p:cTn id="13" fill="hold">
-                      <p:stCondLst>
-                        <p:cond delay="indefinite"/>
-                      </p:stCondLst>
-                      <p:childTnLst>
-                        <p:par>
-                          <p:cTn id="14" fill="hold">
-                            <p:stCondLst>
-                              <p:cond delay="0"/>
-                            </p:stCondLst>
-                            <p:childTnLst>
-                              <p:par>
-                                <p:cTn id="15" presetID="10" presetClass="entr" presetSubtype="0" fill="hold" nodeType="clickEffect">
-                                  <p:stCondLst>
-                                    <p:cond delay="0"/>
-                                  </p:stCondLst>
-                                  <p:childTnLst>
-                                    <p:set>
-                                      <p:cBhvr>
-                                        <p:cTn id="16" dur="1" fill="hold">
-                                          <p:stCondLst>
-                                            <p:cond delay="0"/>
-                                          </p:stCondLst>
-                                        </p:cTn>
-                                        <p:tgtEl>
-                                          <p:spTgt spid="168">
-                                            <p:txEl>
-                                              <p:pRg st="2" end="2"/>
-                                            </p:txEl>
-                                          </p:spTgt>
-                                        </p:tgtEl>
-                                        <p:attrNameLst>
-                                          <p:attrName>style.visibility</p:attrName>
-                                        </p:attrNameLst>
-                                      </p:cBhvr>
-                                      <p:to>
-                                        <p:strVal val="visible"/>
-                                      </p:to>
-                                    </p:set>
-                                    <p:animEffect transition="in" filter="fade">
-                                      <p:cBhvr>
-                                        <p:cTn id="17" dur="100"/>
-                                        <p:tgtEl>
-                                          <p:spTgt spid="168">
-                                            <p:txEl>
-                                              <p:pRg st="2" end="2"/>
-                                            </p:txEl>
-                                          </p:spTgt>
-                                        </p:tgtEl>
-                                      </p:cBhvr>
-                                    </p:animEffect>
-                                  </p:childTnLst>
-                                </p:cTn>
-                              </p:par>
-                            </p:childTnLst>
-                          </p:cTn>
-                        </p:par>
-                      </p:childTnLst>
-                    </p:cTn>
-                  </p:par>
-                  <p:par>
-                    <p:cTn id="18" fill="hold">
-                      <p:stCondLst>
-                        <p:cond delay="indefinite"/>
-                      </p:stCondLst>
-                      <p:childTnLst>
-                        <p:par>
-                          <p:cTn id="19" fill="hold">
-                            <p:stCondLst>
-                              <p:cond delay="0"/>
-                            </p:stCondLst>
-                            <p:childTnLst>
-                              <p:par>
-                                <p:cTn id="20" presetID="10" presetClass="entr" presetSubtype="0" fill="hold" nodeType="clickEffect">
-                                  <p:stCondLst>
-                                    <p:cond delay="0"/>
-                                  </p:stCondLst>
-                                  <p:childTnLst>
-                                    <p:set>
-                                      <p:cBhvr>
-                                        <p:cTn id="21" dur="1" fill="hold">
-                                          <p:stCondLst>
-                                            <p:cond delay="0"/>
-                                          </p:stCondLst>
-                                        </p:cTn>
-                                        <p:tgtEl>
-                                          <p:spTgt spid="168">
-                                            <p:txEl>
-                                              <p:pRg st="3" end="3"/>
-                                            </p:txEl>
-                                          </p:spTgt>
-                                        </p:tgtEl>
-                                        <p:attrNameLst>
-                                          <p:attrName>style.visibility</p:attrName>
-                                        </p:attrNameLst>
-                                      </p:cBhvr>
-                                      <p:to>
-                                        <p:strVal val="visible"/>
-                                      </p:to>
-                                    </p:set>
-                                    <p:animEffect transition="in" filter="fade">
-                                      <p:cBhvr>
-                                        <p:cTn id="22" dur="100"/>
-                                        <p:tgtEl>
-                                          <p:spTgt spid="168">
-                                            <p:txEl>
-                                              <p:pRg st="3" end="3"/>
-                                            </p:txEl>
-                                          </p:spTgt>
-                                        </p:tgtEl>
-                                      </p:cBhvr>
-                                    </p:animEffect>
-                                  </p:childTnLst>
-                                </p:cTn>
-                              </p:par>
-                            </p:childTnLst>
-                          </p:cTn>
-                        </p:par>
-                      </p:childTnLst>
-                    </p:cTn>
-                  </p:par>
-                  <p:par>
-                    <p:cTn id="23" fill="hold">
-                      <p:stCondLst>
-                        <p:cond delay="indefinite"/>
-                      </p:stCondLst>
-                      <p:childTnLst>
-                        <p:par>
-                          <p:cTn id="24" fill="hold">
-                            <p:stCondLst>
-                              <p:cond delay="0"/>
-                            </p:stCondLst>
-                            <p:childTnLst>
-                              <p:par>
-                                <p:cTn id="25" presetID="10" presetClass="entr" presetSubtype="0" fill="hold" nodeType="clickEffect">
-                                  <p:stCondLst>
-                                    <p:cond delay="0"/>
-                                  </p:stCondLst>
-                                  <p:childTnLst>
-                                    <p:set>
-                                      <p:cBhvr>
-                                        <p:cTn id="26" dur="1" fill="hold">
-                                          <p:stCondLst>
-                                            <p:cond delay="0"/>
-                                          </p:stCondLst>
-                                        </p:cTn>
-                                        <p:tgtEl>
-                                          <p:spTgt spid="168">
-                                            <p:txEl>
-                                              <p:pRg st="4" end="4"/>
-                                            </p:txEl>
-                                          </p:spTgt>
-                                        </p:tgtEl>
-                                        <p:attrNameLst>
-                                          <p:attrName>style.visibility</p:attrName>
-                                        </p:attrNameLst>
-                                      </p:cBhvr>
-                                      <p:to>
-                                        <p:strVal val="visible"/>
-                                      </p:to>
-                                    </p:set>
-                                    <p:animEffect transition="in" filter="fade">
-                                      <p:cBhvr>
-                                        <p:cTn id="27" dur="100"/>
-                                        <p:tgtEl>
-                                          <p:spTgt spid="168">
-                                            <p:txEl>
-                                              <p:pRg st="4" end="4"/>
-                                            </p:txEl>
-                                          </p:spTgt>
-                                        </p:tgtEl>
-                                      </p:cBhvr>
-                                    </p:animEffect>
-                                  </p:childTnLst>
-                                </p:cTn>
-                              </p:par>
-                            </p:childTnLst>
-                          </p:cTn>
-                        </p:par>
-                      </p:childTnLst>
-                    </p:cTn>
-                  </p:par>
-                  <p:par>
-                    <p:cTn id="28" fill="hold">
-                      <p:stCondLst>
-                        <p:cond delay="indefinite"/>
-                      </p:stCondLst>
-                      <p:childTnLst>
-                        <p:par>
-                          <p:cTn id="29" fill="hold">
-                            <p:stCondLst>
-                              <p:cond delay="0"/>
-                            </p:stCondLst>
-                            <p:childTnLst>
-                              <p:par>
-                                <p:cTn id="30" presetID="10" presetClass="entr" presetSubtype="0" fill="hold" nodeType="clickEffect">
-                                  <p:stCondLst>
-                                    <p:cond delay="0"/>
-                                  </p:stCondLst>
-                                  <p:childTnLst>
-                                    <p:set>
-                                      <p:cBhvr>
-                                        <p:cTn id="31" dur="1" fill="hold">
-                                          <p:stCondLst>
-                                            <p:cond delay="0"/>
-                                          </p:stCondLst>
-                                        </p:cTn>
-                                        <p:tgtEl>
-                                          <p:spTgt spid="168">
-                                            <p:txEl>
-                                              <p:pRg st="5" end="5"/>
-                                            </p:txEl>
-                                          </p:spTgt>
-                                        </p:tgtEl>
-                                        <p:attrNameLst>
-                                          <p:attrName>style.visibility</p:attrName>
-                                        </p:attrNameLst>
-                                      </p:cBhvr>
-                                      <p:to>
-                                        <p:strVal val="visible"/>
-                                      </p:to>
-                                    </p:set>
-                                    <p:animEffect transition="in" filter="fade">
-                                      <p:cBhvr>
-                                        <p:cTn id="32" dur="100"/>
-                                        <p:tgtEl>
-                                          <p:spTgt spid="168">
-                                            <p:txEl>
-                                              <p:pRg st="5" end="5"/>
-                                            </p:txEl>
-                                          </p:spTgt>
-                                        </p:tgtEl>
-                                      </p:cBhvr>
-                                    </p:animEffect>
-                                  </p:childTnLst>
-                                </p:cTn>
-                              </p:par>
-                            </p:childTnLst>
-                          </p:cTn>
-                        </p:par>
-                      </p:childTnLst>
-                    </p:cTn>
-                  </p:par>
-                  <p:par>
-                    <p:cTn id="33" fill="hold">
-                      <p:stCondLst>
-                        <p:cond delay="indefinite"/>
-                      </p:stCondLst>
-                      <p:childTnLst>
-                        <p:par>
-                          <p:cTn id="34" fill="hold">
-                            <p:stCondLst>
-                              <p:cond delay="0"/>
-                            </p:stCondLst>
-                            <p:childTnLst>
-                              <p:par>
-                                <p:cTn id="35" presetID="10" presetClass="entr" presetSubtype="0" fill="hold" nodeType="clickEffect">
-                                  <p:stCondLst>
-                                    <p:cond delay="0"/>
-                                  </p:stCondLst>
-                                  <p:childTnLst>
-                                    <p:set>
-                                      <p:cBhvr>
-                                        <p:cTn id="36" dur="1" fill="hold">
-                                          <p:stCondLst>
-                                            <p:cond delay="0"/>
-                                          </p:stCondLst>
-                                        </p:cTn>
-                                        <p:tgtEl>
-                                          <p:spTgt spid="168">
-                                            <p:txEl>
-                                              <p:pRg st="6" end="6"/>
-                                            </p:txEl>
-                                          </p:spTgt>
-                                        </p:tgtEl>
-                                        <p:attrNameLst>
-                                          <p:attrName>style.visibility</p:attrName>
-                                        </p:attrNameLst>
-                                      </p:cBhvr>
-                                      <p:to>
-                                        <p:strVal val="visible"/>
-                                      </p:to>
-                                    </p:set>
-                                    <p:animEffect transition="in" filter="fade">
-                                      <p:cBhvr>
-                                        <p:cTn id="37" dur="100"/>
-                                        <p:tgtEl>
-                                          <p:spTgt spid="168">
-                                            <p:txEl>
-                                              <p:pRg st="6" end="6"/>
-                                            </p:txEl>
-                                          </p:spTgt>
-                                        </p:tgtEl>
-                                      </p:cBhvr>
-                                    </p:animEffect>
-                                  </p:childTnLst>
-                                </p:cTn>
-                              </p:par>
-                            </p:childTnLst>
-                          </p:cTn>
-                        </p:par>
-                      </p:childTnLst>
-                    </p:cTn>
-                  </p:par>
-                  <p:par>
-                    <p:cTn id="38" fill="hold">
-                      <p:stCondLst>
-                        <p:cond delay="indefinite"/>
-                      </p:stCondLst>
-                      <p:childTnLst>
-                        <p:par>
-                          <p:cTn id="39" fill="hold">
-                            <p:stCondLst>
-                              <p:cond delay="0"/>
-                            </p:stCondLst>
-                            <p:childTnLst>
-                              <p:par>
-                                <p:cTn id="40" presetID="10" presetClass="entr" presetSubtype="0" fill="hold" nodeType="clickEffect">
-                                  <p:stCondLst>
-                                    <p:cond delay="0"/>
-                                  </p:stCondLst>
-                                  <p:childTnLst>
-                                    <p:set>
-                                      <p:cBhvr>
-                                        <p:cTn id="41" dur="1" fill="hold">
-                                          <p:stCondLst>
-                                            <p:cond delay="0"/>
-                                          </p:stCondLst>
-                                        </p:cTn>
-                                        <p:tgtEl>
-                                          <p:spTgt spid="168">
-                                            <p:txEl>
-                                              <p:pRg st="7" end="7"/>
-                                            </p:txEl>
-                                          </p:spTgt>
-                                        </p:tgtEl>
-                                        <p:attrNameLst>
-                                          <p:attrName>style.visibility</p:attrName>
-                                        </p:attrNameLst>
-                                      </p:cBhvr>
-                                      <p:to>
-                                        <p:strVal val="visible"/>
-                                      </p:to>
-                                    </p:set>
-                                    <p:animEffect transition="in" filter="fade">
-                                      <p:cBhvr>
-                                        <p:cTn id="42" dur="100"/>
-                                        <p:tgtEl>
-                                          <p:spTgt spid="168">
-                                            <p:txEl>
-                                              <p:pRg st="7" end="7"/>
-                                            </p:txEl>
-                                          </p:spTgt>
-                                        </p:tgtEl>
-                                      </p:cBhvr>
-                                    </p:animEffect>
-                                  </p:childTnLst>
-                                </p:cTn>
-                              </p:par>
-                            </p:childTnLst>
-                          </p:cTn>
-                        </p:par>
-                      </p:childTnLst>
-                    </p:cTn>
-                  </p:par>
-                  <p:par>
-                    <p:cTn id="43" fill="hold">
-                      <p:stCondLst>
-                        <p:cond delay="indefinite"/>
-                      </p:stCondLst>
-                      <p:childTnLst>
-                        <p:par>
-                          <p:cTn id="44" fill="hold">
-                            <p:stCondLst>
-                              <p:cond delay="0"/>
-                            </p:stCondLst>
-                            <p:childTnLst>
-                              <p:par>
-                                <p:cTn id="45" presetID="10" presetClass="entr" presetSubtype="0" fill="hold" nodeType="clickEffect">
-                                  <p:stCondLst>
-                                    <p:cond delay="0"/>
-                                  </p:stCondLst>
-                                  <p:childTnLst>
-                                    <p:set>
-                                      <p:cBhvr>
-                                        <p:cTn id="46" dur="1" fill="hold">
-                                          <p:stCondLst>
-                                            <p:cond delay="0"/>
-                                          </p:stCondLst>
-                                        </p:cTn>
-                                        <p:tgtEl>
-                                          <p:spTgt spid="168">
-                                            <p:txEl>
-                                              <p:pRg st="8" end="8"/>
-                                            </p:txEl>
-                                          </p:spTgt>
-                                        </p:tgtEl>
-                                        <p:attrNameLst>
-                                          <p:attrName>style.visibility</p:attrName>
-                                        </p:attrNameLst>
-                                      </p:cBhvr>
-                                      <p:to>
-                                        <p:strVal val="visible"/>
-                                      </p:to>
-                                    </p:set>
-                                    <p:animEffect transition="in" filter="fade">
-                                      <p:cBhvr>
-                                        <p:cTn id="47" dur="100"/>
-                                        <p:tgtEl>
-                                          <p:spTgt spid="168">
-                                            <p:txEl>
-                                              <p:pRg st="8" end="8"/>
-                                            </p:txEl>
-                                          </p:spTgt>
-                                        </p:tgtEl>
-                                      </p:cBhvr>
-                                    </p:animEffect>
-                                  </p:childTnLst>
-                                </p:cTn>
-                              </p:par>
-                            </p:childTnLst>
-                          </p:cTn>
-                        </p:par>
-                      </p:childTnLst>
-                    </p:cTn>
-                  </p:par>
-                  <p:par>
-                    <p:cTn id="48" fill="hold">
-                      <p:stCondLst>
-                        <p:cond delay="indefinite"/>
-                      </p:stCondLst>
-                      <p:childTnLst>
-                        <p:par>
-                          <p:cTn id="49" fill="hold">
-                            <p:stCondLst>
-                              <p:cond delay="0"/>
-                            </p:stCondLst>
-                            <p:childTnLst>
-                              <p:par>
-                                <p:cTn id="50" presetID="10" presetClass="entr" presetSubtype="0" fill="hold" nodeType="clickEffect">
-                                  <p:stCondLst>
-                                    <p:cond delay="0"/>
-                                  </p:stCondLst>
-                                  <p:childTnLst>
-                                    <p:set>
-                                      <p:cBhvr>
-                                        <p:cTn id="51" dur="1" fill="hold">
-                                          <p:stCondLst>
-                                            <p:cond delay="0"/>
-                                          </p:stCondLst>
-                                        </p:cTn>
-                                        <p:tgtEl>
-                                          <p:spTgt spid="168">
-                                            <p:txEl>
-                                              <p:pRg st="9" end="9"/>
-                                            </p:txEl>
-                                          </p:spTgt>
-                                        </p:tgtEl>
-                                        <p:attrNameLst>
-                                          <p:attrName>style.visibility</p:attrName>
-                                        </p:attrNameLst>
-                                      </p:cBhvr>
-                                      <p:to>
-                                        <p:strVal val="visible"/>
-                                      </p:to>
-                                    </p:set>
-                                    <p:animEffect transition="in" filter="fade">
-                                      <p:cBhvr>
-                                        <p:cTn id="52" dur="100"/>
-                                        <p:tgtEl>
-                                          <p:spTgt spid="168">
-                                            <p:txEl>
-                                              <p:pRg st="9" end="9"/>
-                                            </p:txEl>
-                                          </p:spTgt>
-                                        </p:tgtEl>
-                                      </p:cBhvr>
-                                    </p:animEffect>
-                                  </p:childTnLst>
-                                </p:cTn>
-                              </p:par>
-                            </p:childTnLst>
-                          </p:cTn>
-                        </p:par>
-                      </p:childTnLst>
-                    </p:cTn>
-                  </p:par>
-                </p:childTnLst>
-              </p:cTn>
-              <p:prevCondLst>
-                <p:cond evt="onPrev" delay="0">
-                  <p:tgtEl>
-                    <p:sldTgt/>
-                  </p:tgtEl>
-                </p:cond>
-              </p:prevCondLst>
-              <p:nextCondLst>
-                <p:cond evt="onNext" delay="0">
-                  <p:tgtEl>
-                    <p:sldTgt/>
-                  </p:tgtEl>
-                </p:cond>
-              </p:nextCondLst>
-            </p:seq>
-          </p:childTnLst>
-        </p:cTn>
-      </p:par>
-    </p:tnLst>
-  </p:timing>
 </p:sld>
 </file>
 
@@ -14839,6 +14507,350 @@
 </p:sld>
 </file>
 
+<file path=ppt/slides/slide28.xml><?xml version="1.0" encoding="utf-8"?>
+<p:sld xmlns:a="http://schemas.openxmlformats.org/drawingml/2006/main" xmlns:r="http://schemas.openxmlformats.org/officeDocument/2006/relationships" xmlns:p="http://schemas.openxmlformats.org/presentationml/2006/main">
+  <p:cSld>
+    <p:spTree>
+      <p:nvGrpSpPr>
+        <p:cNvPr id="1" name="Shape 36"/>
+        <p:cNvGrpSpPr/>
+        <p:nvPr/>
+      </p:nvGrpSpPr>
+      <p:grpSpPr>
+        <a:xfrm>
+          <a:off x="0" y="0"/>
+          <a:ext cx="0" cy="0"/>
+          <a:chOff x="0" y="0"/>
+          <a:chExt cx="0" cy="0"/>
+        </a:xfrm>
+      </p:grpSpPr>
+      <p:sp>
+        <p:nvSpPr>
+          <p:cNvPr id="37" name="Google Shape;37;p8"/>
+          <p:cNvSpPr txBox="1">
+            <a:spLocks noGrp="1"/>
+          </p:cNvSpPr>
+          <p:nvPr>
+            <p:ph type="ctrTitle"/>
+          </p:nvPr>
+        </p:nvSpPr>
+        <p:spPr>
+          <a:xfrm>
+            <a:off x="374700" y="839625"/>
+            <a:ext cx="5955900" cy="1865700"/>
+          </a:xfrm>
+          <a:prstGeom prst="rect">
+            <a:avLst/>
+          </a:prstGeom>
+        </p:spPr>
+        <p:txBody>
+          <a:bodyPr spcFirstLastPara="1" wrap="square" lIns="91425" tIns="91425" rIns="91425" bIns="91425" anchor="b" anchorCtr="0">
+            <a:noAutofit/>
+          </a:bodyPr>
+          <a:lstStyle/>
+          <a:p>
+            <a:pPr marL="0" lvl="0" indent="0" rtl="0">
+              <a:spcBef>
+                <a:spcPts val="0"/>
+              </a:spcBef>
+              <a:spcAft>
+                <a:spcPts val="0"/>
+              </a:spcAft>
+              <a:buNone/>
+            </a:pPr>
+            <a:r>
+              <a:rPr lang="en" sz="3600" dirty="0"/>
+              <a:t>Codespaces</a:t>
+            </a:r>
+            <a:endParaRPr sz="3600" dirty="0"/>
+          </a:p>
+        </p:txBody>
+      </p:sp>
+    </p:spTree>
+    <p:extLst>
+      <p:ext uri="{BB962C8B-B14F-4D97-AF65-F5344CB8AC3E}">
+        <p14:creationId xmlns:p14="http://schemas.microsoft.com/office/powerpoint/2010/main" val="2545982731"/>
+      </p:ext>
+    </p:extLst>
+  </p:cSld>
+  <p:clrMapOvr>
+    <a:masterClrMapping/>
+  </p:clrMapOvr>
+</p:sld>
+</file>
+
+<file path=ppt/slides/slide29.xml><?xml version="1.0" encoding="utf-8"?>
+<p:sld xmlns:a="http://schemas.openxmlformats.org/drawingml/2006/main" xmlns:r="http://schemas.openxmlformats.org/officeDocument/2006/relationships" xmlns:p="http://schemas.openxmlformats.org/presentationml/2006/main">
+  <p:cSld>
+    <p:spTree>
+      <p:nvGrpSpPr>
+        <p:cNvPr id="1" name=""/>
+        <p:cNvGrpSpPr/>
+        <p:nvPr/>
+      </p:nvGrpSpPr>
+      <p:grpSpPr>
+        <a:xfrm>
+          <a:off x="0" y="0"/>
+          <a:ext cx="0" cy="0"/>
+          <a:chOff x="0" y="0"/>
+          <a:chExt cx="0" cy="0"/>
+        </a:xfrm>
+      </p:grpSpPr>
+      <p:sp>
+        <p:nvSpPr>
+          <p:cNvPr id="2" name="Text Placeholder 1">
+            <a:extLst>
+              <a:ext uri="{FF2B5EF4-FFF2-40B4-BE49-F238E27FC236}">
+                <a16:creationId xmlns:a16="http://schemas.microsoft.com/office/drawing/2014/main" id="{2B7D5D71-6AA2-4DCF-B38F-FFD4B5DA7093}"/>
+              </a:ext>
+            </a:extLst>
+          </p:cNvPr>
+          <p:cNvSpPr>
+            <a:spLocks noGrp="1"/>
+          </p:cNvSpPr>
+          <p:nvPr>
+            <p:ph type="body" idx="1"/>
+          </p:nvPr>
+        </p:nvSpPr>
+        <p:spPr/>
+        <p:txBody>
+          <a:bodyPr/>
+          <a:lstStyle/>
+          <a:p>
+            <a:pPr marL="88900" indent="0">
+              <a:buNone/>
+            </a:pPr>
+            <a:r>
+              <a:rPr lang="en-US" dirty="0"/>
+              <a:t>A service that provides developers with on-demand access to a secure development environment running a given codebase (Git repository) on a remote server. </a:t>
+            </a:r>
+          </a:p>
+          <a:p>
+            <a:r>
+              <a:rPr lang="en-US" dirty="0"/>
+              <a:t>TLDR; it allows us to edit the files in our Git repository without having to clone it… </a:t>
+            </a:r>
+          </a:p>
+        </p:txBody>
+      </p:sp>
+      <p:sp>
+        <p:nvSpPr>
+          <p:cNvPr id="3" name="Title 2">
+            <a:extLst>
+              <a:ext uri="{FF2B5EF4-FFF2-40B4-BE49-F238E27FC236}">
+                <a16:creationId xmlns:a16="http://schemas.microsoft.com/office/drawing/2014/main" id="{A73C3743-1B76-4BE9-ABED-54467A755887}"/>
+              </a:ext>
+            </a:extLst>
+          </p:cNvPr>
+          <p:cNvSpPr>
+            <a:spLocks noGrp="1"/>
+          </p:cNvSpPr>
+          <p:nvPr>
+            <p:ph type="title"/>
+          </p:nvPr>
+        </p:nvSpPr>
+        <p:spPr/>
+        <p:txBody>
+          <a:bodyPr/>
+          <a:lstStyle/>
+          <a:p>
+            <a:r>
+              <a:rPr lang="en-US" dirty="0"/>
+              <a:t>What is GitHub </a:t>
+            </a:r>
+            <a:r>
+              <a:rPr lang="en-US" dirty="0" err="1"/>
+              <a:t>Codespaces</a:t>
+            </a:r>
+            <a:r>
+              <a:rPr lang="en-US" dirty="0"/>
+              <a:t>?</a:t>
+            </a:r>
+          </a:p>
+        </p:txBody>
+      </p:sp>
+      <p:sp>
+        <p:nvSpPr>
+          <p:cNvPr id="4" name="Slide Number Placeholder 3">
+            <a:extLst>
+              <a:ext uri="{FF2B5EF4-FFF2-40B4-BE49-F238E27FC236}">
+                <a16:creationId xmlns:a16="http://schemas.microsoft.com/office/drawing/2014/main" id="{C2AFB717-5D5C-4FEF-821F-8A6B448BEB6A}"/>
+              </a:ext>
+            </a:extLst>
+          </p:cNvPr>
+          <p:cNvSpPr>
+            <a:spLocks noGrp="1"/>
+          </p:cNvSpPr>
+          <p:nvPr>
+            <p:ph type="sldNum" idx="12"/>
+          </p:nvPr>
+        </p:nvSpPr>
+        <p:spPr/>
+        <p:txBody>
+          <a:bodyPr/>
+          <a:lstStyle/>
+          <a:p>
+            <a:pPr marL="0" lvl="0" indent="0">
+              <a:spcBef>
+                <a:spcPts val="0"/>
+              </a:spcBef>
+              <a:spcAft>
+                <a:spcPts val="0"/>
+              </a:spcAft>
+              <a:buNone/>
+            </a:pPr>
+            <a:fld id="{00000000-1234-1234-1234-123412341234}" type="slidenum">
+              <a:rPr lang="en" smtClean="0"/>
+              <a:t>29</a:t>
+            </a:fld>
+            <a:endParaRPr lang="en"/>
+          </a:p>
+        </p:txBody>
+      </p:sp>
+    </p:spTree>
+    <p:extLst>
+      <p:ext uri="{BB962C8B-B14F-4D97-AF65-F5344CB8AC3E}">
+        <p14:creationId xmlns:p14="http://schemas.microsoft.com/office/powerpoint/2010/main" val="2851607733"/>
+      </p:ext>
+    </p:extLst>
+  </p:cSld>
+  <p:clrMapOvr>
+    <a:masterClrMapping/>
+  </p:clrMapOvr>
+  <p:timing>
+    <p:tnLst>
+      <p:par>
+        <p:cTn id="1" dur="indefinite" restart="never" nodeType="tmRoot">
+          <p:childTnLst>
+            <p:seq concurrent="1" nextAc="seek">
+              <p:cTn id="2" dur="indefinite" nodeType="mainSeq">
+                <p:childTnLst>
+                  <p:par>
+                    <p:cTn id="3" fill="hold">
+                      <p:stCondLst>
+                        <p:cond delay="indefinite"/>
+                      </p:stCondLst>
+                      <p:childTnLst>
+                        <p:par>
+                          <p:cTn id="4" fill="hold">
+                            <p:stCondLst>
+                              <p:cond delay="0"/>
+                            </p:stCondLst>
+                            <p:childTnLst>
+                              <p:par>
+                                <p:cTn id="5" presetID="1" presetClass="entr" presetSubtype="0" fill="hold" grpId="0" nodeType="clickEffect">
+                                  <p:stCondLst>
+                                    <p:cond delay="0"/>
+                                  </p:stCondLst>
+                                  <p:childTnLst>
+                                    <p:set>
+                                      <p:cBhvr>
+                                        <p:cTn id="6" dur="1" fill="hold">
+                                          <p:stCondLst>
+                                            <p:cond delay="0"/>
+                                          </p:stCondLst>
+                                        </p:cTn>
+                                        <p:tgtEl>
+                                          <p:spTgt spid="2">
+                                            <p:txEl>
+                                              <p:pRg st="0" end="0"/>
+                                            </p:txEl>
+                                          </p:spTgt>
+                                        </p:tgtEl>
+                                        <p:attrNameLst>
+                                          <p:attrName>style.visibility</p:attrName>
+                                        </p:attrNameLst>
+                                      </p:cBhvr>
+                                      <p:to>
+                                        <p:strVal val="visible"/>
+                                      </p:to>
+                                    </p:set>
+                                  </p:childTnLst>
+                                </p:cTn>
+                              </p:par>
+                            </p:childTnLst>
+                          </p:cTn>
+                        </p:par>
+                      </p:childTnLst>
+                    </p:cTn>
+                  </p:par>
+                  <p:par>
+                    <p:cTn id="7" fill="hold">
+                      <p:stCondLst>
+                        <p:cond delay="indefinite"/>
+                      </p:stCondLst>
+                      <p:childTnLst>
+                        <p:par>
+                          <p:cTn id="8" fill="hold">
+                            <p:stCondLst>
+                              <p:cond delay="0"/>
+                            </p:stCondLst>
+                            <p:childTnLst>
+                              <p:par>
+                                <p:cTn id="9" presetID="1" presetClass="entr" presetSubtype="0" fill="hold" grpId="0" nodeType="clickEffect">
+                                  <p:stCondLst>
+                                    <p:cond delay="0"/>
+                                  </p:stCondLst>
+                                  <p:childTnLst>
+                                    <p:set>
+                                      <p:cBhvr>
+                                        <p:cTn id="10" dur="1" fill="hold">
+                                          <p:stCondLst>
+                                            <p:cond delay="0"/>
+                                          </p:stCondLst>
+                                        </p:cTn>
+                                        <p:tgtEl>
+                                          <p:spTgt spid="2">
+                                            <p:txEl>
+                                              <p:pRg st="1" end="1"/>
+                                            </p:txEl>
+                                          </p:spTgt>
+                                        </p:tgtEl>
+                                        <p:attrNameLst>
+                                          <p:attrName>style.visibility</p:attrName>
+                                        </p:attrNameLst>
+                                      </p:cBhvr>
+                                      <p:to>
+                                        <p:strVal val="visible"/>
+                                      </p:to>
+                                    </p:set>
+                                  </p:childTnLst>
+                                </p:cTn>
+                              </p:par>
+                            </p:childTnLst>
+                          </p:cTn>
+                        </p:par>
+                      </p:childTnLst>
+                    </p:cTn>
+                  </p:par>
+                </p:childTnLst>
+              </p:cTn>
+              <p:prevCondLst>
+                <p:cond evt="onPrev" delay="0">
+                  <p:tgtEl>
+                    <p:sldTgt/>
+                  </p:tgtEl>
+                </p:cond>
+              </p:prevCondLst>
+              <p:nextCondLst>
+                <p:cond evt="onNext" delay="0">
+                  <p:tgtEl>
+                    <p:sldTgt/>
+                  </p:tgtEl>
+                </p:cond>
+              </p:nextCondLst>
+            </p:seq>
+          </p:childTnLst>
+        </p:cTn>
+      </p:par>
+    </p:tnLst>
+    <p:bldLst>
+      <p:bldP spid="2" grpId="0" build="p"/>
+    </p:bldLst>
+  </p:timing>
+</p:sld>
+</file>
+
 <file path=ppt/slides/slide3.xml><?xml version="1.0" encoding="utf-8"?>
 <p:sld xmlns:a="http://schemas.openxmlformats.org/drawingml/2006/main" xmlns:r="http://schemas.openxmlformats.org/officeDocument/2006/relationships" xmlns:p="http://schemas.openxmlformats.org/presentationml/2006/main">
   <p:cSld>
@@ -14912,7 +14924,7 @@
             </a:pPr>
             <a:r>
               <a:rPr lang="en-US" dirty="0"/>
-              <a:t>Monday: 1-3PM</a:t>
+              <a:t>MW: 2-4PM</a:t>
             </a:r>
           </a:p>
           <a:p>
@@ -14933,26 +14945,53 @@
           <a:p>
             <a:r>
               <a:rPr lang="en-US" dirty="0"/>
-              <a:t>You can schedule appointments with me here: </a:t>
-            </a:r>
-          </a:p>
-          <a:p>
-            <a:pPr marL="0" indent="0">
-              <a:buNone/>
-            </a:pPr>
+              <a:t>I am also a Peer Tutor, you can find the hours on my website!</a:t>
+            </a:r>
+          </a:p>
+          <a:p>
+            <a:endParaRPr lang="en-US" b="0" i="0" u="none" strike="noStrike" dirty="0">
+              <a:solidFill>
+                <a:srgbClr val="007BFF"/>
+              </a:solidFill>
+              <a:effectLst/>
+            </a:endParaRPr>
+          </a:p>
+          <a:p>
             <a:r>
               <a:rPr lang="en-US" b="0" i="0" u="none" strike="noStrike" dirty="0">
                 <a:solidFill>
-                  <a:srgbClr val="007BFF"/>
+                  <a:srgbClr val="002060"/>
+                </a:solidFill>
+                <a:effectLst/>
+              </a:rPr>
+              <a:t>I will be posting recitation videos in the following folder</a:t>
+            </a:r>
+          </a:p>
+          <a:p>
+            <a:pPr marL="88900" indent="0">
+              <a:buNone/>
+            </a:pPr>
+            <a:r>
+              <a:rPr lang="en-US" b="0" i="0" u="none" strike="noStrike" dirty="0">
+                <a:solidFill>
+                  <a:srgbClr val="002060"/>
                 </a:solidFill>
                 <a:effectLst/>
                 <a:hlinkClick r:id="rId3"/>
               </a:rPr>
-              <a:t>https://glu99331-office-hours.youcanbook.me/</a:t>
+              <a:t>https://pitt.hosted.panopto.com/Panopto/Pages/Sessions/List.aspx?folderID=df7af085-c8d1-421a-9d9a-ae18004df81f</a:t>
+            </a:r>
+            <a:r>
+              <a:rPr lang="en-US" dirty="0">
+                <a:solidFill>
+                  <a:srgbClr val="002060"/>
+                </a:solidFill>
+              </a:rPr>
+              <a:t> </a:t>
             </a:r>
             <a:endParaRPr lang="en-US" b="0" i="0" u="none" strike="noStrike" dirty="0">
               <a:solidFill>
-                <a:srgbClr val="007BFF"/>
+                <a:srgbClr val="002060"/>
               </a:solidFill>
               <a:effectLst/>
             </a:endParaRPr>
@@ -15041,6 +15080,3609 @@
   <p:clrMapOvr>
     <a:masterClrMapping/>
   </p:clrMapOvr>
+</p:sld>
+</file>
+
+<file path=ppt/slides/slide30.xml><?xml version="1.0" encoding="utf-8"?>
+<p:sld xmlns:a="http://schemas.openxmlformats.org/drawingml/2006/main" xmlns:r="http://schemas.openxmlformats.org/officeDocument/2006/relationships" xmlns:p="http://schemas.openxmlformats.org/presentationml/2006/main">
+  <p:cSld>
+    <p:spTree>
+      <p:nvGrpSpPr>
+        <p:cNvPr id="1" name=""/>
+        <p:cNvGrpSpPr/>
+        <p:nvPr/>
+      </p:nvGrpSpPr>
+      <p:grpSpPr>
+        <a:xfrm>
+          <a:off x="0" y="0"/>
+          <a:ext cx="0" cy="0"/>
+          <a:chOff x="0" y="0"/>
+          <a:chExt cx="0" cy="0"/>
+        </a:xfrm>
+      </p:grpSpPr>
+      <p:sp>
+        <p:nvSpPr>
+          <p:cNvPr id="2" name="Text Placeholder 1">
+            <a:extLst>
+              <a:ext uri="{FF2B5EF4-FFF2-40B4-BE49-F238E27FC236}">
+                <a16:creationId xmlns:a16="http://schemas.microsoft.com/office/drawing/2014/main" id="{0F10EA22-07BA-4A81-9353-E9878310DA9A}"/>
+              </a:ext>
+            </a:extLst>
+          </p:cNvPr>
+          <p:cNvSpPr>
+            <a:spLocks noGrp="1"/>
+          </p:cNvSpPr>
+          <p:nvPr>
+            <p:ph type="body" idx="1"/>
+          </p:nvPr>
+        </p:nvSpPr>
+        <p:spPr/>
+        <p:txBody>
+          <a:bodyPr/>
+          <a:lstStyle/>
+          <a:p>
+            <a:pPr marL="88900" indent="0">
+              <a:buNone/>
+            </a:pPr>
+            <a:r>
+              <a:rPr lang="en-US" dirty="0"/>
+              <a:t>1. A shallow clone of the repository is created. (So, the repo is cloned with only the latest commits)</a:t>
+            </a:r>
+          </a:p>
+          <a:p>
+            <a:r>
+              <a:rPr lang="en-US" dirty="0"/>
+              <a:t>Done to speed up build time</a:t>
+            </a:r>
+          </a:p>
+          <a:p>
+            <a:pPr marL="88900" indent="0">
+              <a:buNone/>
+            </a:pPr>
+            <a:r>
+              <a:rPr lang="en-US" dirty="0"/>
+              <a:t>2. A dedicated VM is allocated to your project on a remote server with all the necessary storage and computing resources.</a:t>
+            </a:r>
+          </a:p>
+          <a:p>
+            <a:pPr marL="88900" indent="0">
+              <a:buNone/>
+            </a:pPr>
+            <a:r>
+              <a:rPr lang="en-US" dirty="0"/>
+              <a:t>3. A docker container running your project files is then created and run on the VM.</a:t>
+            </a:r>
+          </a:p>
+          <a:p>
+            <a:pPr marL="88900" indent="0">
+              <a:buNone/>
+            </a:pPr>
+            <a:r>
+              <a:rPr lang="en-US" dirty="0"/>
+              <a:t>4. Then we’re all set to go! (</a:t>
+            </a:r>
+            <a:r>
+              <a:rPr lang="en-US" dirty="0" err="1"/>
+              <a:t>Codespace</a:t>
+            </a:r>
+            <a:r>
+              <a:rPr lang="en-US" dirty="0"/>
+              <a:t> setup and appropriate commands run based on con figuration and made available via browser)</a:t>
+            </a:r>
+          </a:p>
+          <a:p>
+            <a:pPr marL="88900" indent="0">
+              <a:buNone/>
+            </a:pPr>
+            <a:endParaRPr lang="en-US" dirty="0"/>
+          </a:p>
+        </p:txBody>
+      </p:sp>
+      <p:sp>
+        <p:nvSpPr>
+          <p:cNvPr id="3" name="Title 2">
+            <a:extLst>
+              <a:ext uri="{FF2B5EF4-FFF2-40B4-BE49-F238E27FC236}">
+                <a16:creationId xmlns:a16="http://schemas.microsoft.com/office/drawing/2014/main" id="{1B6418B7-0139-45BC-BD09-5259BCE2E4C5}"/>
+              </a:ext>
+            </a:extLst>
+          </p:cNvPr>
+          <p:cNvSpPr>
+            <a:spLocks noGrp="1"/>
+          </p:cNvSpPr>
+          <p:nvPr>
+            <p:ph type="title"/>
+          </p:nvPr>
+        </p:nvSpPr>
+        <p:spPr/>
+        <p:txBody>
+          <a:bodyPr/>
+          <a:lstStyle/>
+          <a:p>
+            <a:r>
+              <a:rPr lang="en-US" dirty="0"/>
+              <a:t>What’s going on behind the scenes?</a:t>
+            </a:r>
+          </a:p>
+        </p:txBody>
+      </p:sp>
+      <p:sp>
+        <p:nvSpPr>
+          <p:cNvPr id="4" name="Slide Number Placeholder 3">
+            <a:extLst>
+              <a:ext uri="{FF2B5EF4-FFF2-40B4-BE49-F238E27FC236}">
+                <a16:creationId xmlns:a16="http://schemas.microsoft.com/office/drawing/2014/main" id="{459B6B5D-B1E7-453A-8031-EC9F56C5A3D4}"/>
+              </a:ext>
+            </a:extLst>
+          </p:cNvPr>
+          <p:cNvSpPr>
+            <a:spLocks noGrp="1"/>
+          </p:cNvSpPr>
+          <p:nvPr>
+            <p:ph type="sldNum" idx="12"/>
+          </p:nvPr>
+        </p:nvSpPr>
+        <p:spPr/>
+        <p:txBody>
+          <a:bodyPr/>
+          <a:lstStyle/>
+          <a:p>
+            <a:pPr marL="0" lvl="0" indent="0">
+              <a:spcBef>
+                <a:spcPts val="0"/>
+              </a:spcBef>
+              <a:spcAft>
+                <a:spcPts val="0"/>
+              </a:spcAft>
+              <a:buNone/>
+            </a:pPr>
+            <a:fld id="{00000000-1234-1234-1234-123412341234}" type="slidenum">
+              <a:rPr lang="en" smtClean="0"/>
+              <a:t>30</a:t>
+            </a:fld>
+            <a:endParaRPr lang="en"/>
+          </a:p>
+        </p:txBody>
+      </p:sp>
+    </p:spTree>
+    <p:extLst>
+      <p:ext uri="{BB962C8B-B14F-4D97-AF65-F5344CB8AC3E}">
+        <p14:creationId xmlns:p14="http://schemas.microsoft.com/office/powerpoint/2010/main" val="463111573"/>
+      </p:ext>
+    </p:extLst>
+  </p:cSld>
+  <p:clrMapOvr>
+    <a:masterClrMapping/>
+  </p:clrMapOvr>
+  <p:timing>
+    <p:tnLst>
+      <p:par>
+        <p:cTn id="1" dur="indefinite" restart="never" nodeType="tmRoot">
+          <p:childTnLst>
+            <p:seq concurrent="1" nextAc="seek">
+              <p:cTn id="2" dur="indefinite" nodeType="mainSeq">
+                <p:childTnLst>
+                  <p:par>
+                    <p:cTn id="3" fill="hold">
+                      <p:stCondLst>
+                        <p:cond delay="indefinite"/>
+                      </p:stCondLst>
+                      <p:childTnLst>
+                        <p:par>
+                          <p:cTn id="4" fill="hold">
+                            <p:stCondLst>
+                              <p:cond delay="0"/>
+                            </p:stCondLst>
+                            <p:childTnLst>
+                              <p:par>
+                                <p:cTn id="5" presetID="1" presetClass="entr" presetSubtype="0" fill="hold" grpId="0" nodeType="clickEffect">
+                                  <p:stCondLst>
+                                    <p:cond delay="0"/>
+                                  </p:stCondLst>
+                                  <p:childTnLst>
+                                    <p:set>
+                                      <p:cBhvr>
+                                        <p:cTn id="6" dur="1" fill="hold">
+                                          <p:stCondLst>
+                                            <p:cond delay="0"/>
+                                          </p:stCondLst>
+                                        </p:cTn>
+                                        <p:tgtEl>
+                                          <p:spTgt spid="2">
+                                            <p:txEl>
+                                              <p:pRg st="0" end="0"/>
+                                            </p:txEl>
+                                          </p:spTgt>
+                                        </p:tgtEl>
+                                        <p:attrNameLst>
+                                          <p:attrName>style.visibility</p:attrName>
+                                        </p:attrNameLst>
+                                      </p:cBhvr>
+                                      <p:to>
+                                        <p:strVal val="visible"/>
+                                      </p:to>
+                                    </p:set>
+                                  </p:childTnLst>
+                                </p:cTn>
+                              </p:par>
+                            </p:childTnLst>
+                          </p:cTn>
+                        </p:par>
+                      </p:childTnLst>
+                    </p:cTn>
+                  </p:par>
+                  <p:par>
+                    <p:cTn id="7" fill="hold">
+                      <p:stCondLst>
+                        <p:cond delay="indefinite"/>
+                      </p:stCondLst>
+                      <p:childTnLst>
+                        <p:par>
+                          <p:cTn id="8" fill="hold">
+                            <p:stCondLst>
+                              <p:cond delay="0"/>
+                            </p:stCondLst>
+                            <p:childTnLst>
+                              <p:par>
+                                <p:cTn id="9" presetID="1" presetClass="entr" presetSubtype="0" fill="hold" grpId="0" nodeType="clickEffect">
+                                  <p:stCondLst>
+                                    <p:cond delay="0"/>
+                                  </p:stCondLst>
+                                  <p:childTnLst>
+                                    <p:set>
+                                      <p:cBhvr>
+                                        <p:cTn id="10" dur="1" fill="hold">
+                                          <p:stCondLst>
+                                            <p:cond delay="0"/>
+                                          </p:stCondLst>
+                                        </p:cTn>
+                                        <p:tgtEl>
+                                          <p:spTgt spid="2">
+                                            <p:txEl>
+                                              <p:pRg st="1" end="1"/>
+                                            </p:txEl>
+                                          </p:spTgt>
+                                        </p:tgtEl>
+                                        <p:attrNameLst>
+                                          <p:attrName>style.visibility</p:attrName>
+                                        </p:attrNameLst>
+                                      </p:cBhvr>
+                                      <p:to>
+                                        <p:strVal val="visible"/>
+                                      </p:to>
+                                    </p:set>
+                                  </p:childTnLst>
+                                </p:cTn>
+                              </p:par>
+                            </p:childTnLst>
+                          </p:cTn>
+                        </p:par>
+                      </p:childTnLst>
+                    </p:cTn>
+                  </p:par>
+                  <p:par>
+                    <p:cTn id="11" fill="hold">
+                      <p:stCondLst>
+                        <p:cond delay="indefinite"/>
+                      </p:stCondLst>
+                      <p:childTnLst>
+                        <p:par>
+                          <p:cTn id="12" fill="hold">
+                            <p:stCondLst>
+                              <p:cond delay="0"/>
+                            </p:stCondLst>
+                            <p:childTnLst>
+                              <p:par>
+                                <p:cTn id="13" presetID="1" presetClass="entr" presetSubtype="0" fill="hold" grpId="0" nodeType="clickEffect">
+                                  <p:stCondLst>
+                                    <p:cond delay="0"/>
+                                  </p:stCondLst>
+                                  <p:childTnLst>
+                                    <p:set>
+                                      <p:cBhvr>
+                                        <p:cTn id="14" dur="1" fill="hold">
+                                          <p:stCondLst>
+                                            <p:cond delay="0"/>
+                                          </p:stCondLst>
+                                        </p:cTn>
+                                        <p:tgtEl>
+                                          <p:spTgt spid="2">
+                                            <p:txEl>
+                                              <p:pRg st="2" end="2"/>
+                                            </p:txEl>
+                                          </p:spTgt>
+                                        </p:tgtEl>
+                                        <p:attrNameLst>
+                                          <p:attrName>style.visibility</p:attrName>
+                                        </p:attrNameLst>
+                                      </p:cBhvr>
+                                      <p:to>
+                                        <p:strVal val="visible"/>
+                                      </p:to>
+                                    </p:set>
+                                  </p:childTnLst>
+                                </p:cTn>
+                              </p:par>
+                            </p:childTnLst>
+                          </p:cTn>
+                        </p:par>
+                      </p:childTnLst>
+                    </p:cTn>
+                  </p:par>
+                  <p:par>
+                    <p:cTn id="15" fill="hold">
+                      <p:stCondLst>
+                        <p:cond delay="indefinite"/>
+                      </p:stCondLst>
+                      <p:childTnLst>
+                        <p:par>
+                          <p:cTn id="16" fill="hold">
+                            <p:stCondLst>
+                              <p:cond delay="0"/>
+                            </p:stCondLst>
+                            <p:childTnLst>
+                              <p:par>
+                                <p:cTn id="17" presetID="1" presetClass="entr" presetSubtype="0" fill="hold" grpId="0" nodeType="clickEffect">
+                                  <p:stCondLst>
+                                    <p:cond delay="0"/>
+                                  </p:stCondLst>
+                                  <p:childTnLst>
+                                    <p:set>
+                                      <p:cBhvr>
+                                        <p:cTn id="18" dur="1" fill="hold">
+                                          <p:stCondLst>
+                                            <p:cond delay="0"/>
+                                          </p:stCondLst>
+                                        </p:cTn>
+                                        <p:tgtEl>
+                                          <p:spTgt spid="2">
+                                            <p:txEl>
+                                              <p:pRg st="3" end="3"/>
+                                            </p:txEl>
+                                          </p:spTgt>
+                                        </p:tgtEl>
+                                        <p:attrNameLst>
+                                          <p:attrName>style.visibility</p:attrName>
+                                        </p:attrNameLst>
+                                      </p:cBhvr>
+                                      <p:to>
+                                        <p:strVal val="visible"/>
+                                      </p:to>
+                                    </p:set>
+                                  </p:childTnLst>
+                                </p:cTn>
+                              </p:par>
+                            </p:childTnLst>
+                          </p:cTn>
+                        </p:par>
+                      </p:childTnLst>
+                    </p:cTn>
+                  </p:par>
+                  <p:par>
+                    <p:cTn id="19" fill="hold">
+                      <p:stCondLst>
+                        <p:cond delay="indefinite"/>
+                      </p:stCondLst>
+                      <p:childTnLst>
+                        <p:par>
+                          <p:cTn id="20" fill="hold">
+                            <p:stCondLst>
+                              <p:cond delay="0"/>
+                            </p:stCondLst>
+                            <p:childTnLst>
+                              <p:par>
+                                <p:cTn id="21" presetID="1" presetClass="entr" presetSubtype="0" fill="hold" grpId="0" nodeType="clickEffect">
+                                  <p:stCondLst>
+                                    <p:cond delay="0"/>
+                                  </p:stCondLst>
+                                  <p:childTnLst>
+                                    <p:set>
+                                      <p:cBhvr>
+                                        <p:cTn id="22" dur="1" fill="hold">
+                                          <p:stCondLst>
+                                            <p:cond delay="0"/>
+                                          </p:stCondLst>
+                                        </p:cTn>
+                                        <p:tgtEl>
+                                          <p:spTgt spid="2">
+                                            <p:txEl>
+                                              <p:pRg st="4" end="4"/>
+                                            </p:txEl>
+                                          </p:spTgt>
+                                        </p:tgtEl>
+                                        <p:attrNameLst>
+                                          <p:attrName>style.visibility</p:attrName>
+                                        </p:attrNameLst>
+                                      </p:cBhvr>
+                                      <p:to>
+                                        <p:strVal val="visible"/>
+                                      </p:to>
+                                    </p:set>
+                                  </p:childTnLst>
+                                </p:cTn>
+                              </p:par>
+                            </p:childTnLst>
+                          </p:cTn>
+                        </p:par>
+                      </p:childTnLst>
+                    </p:cTn>
+                  </p:par>
+                </p:childTnLst>
+              </p:cTn>
+              <p:prevCondLst>
+                <p:cond evt="onPrev" delay="0">
+                  <p:tgtEl>
+                    <p:sldTgt/>
+                  </p:tgtEl>
+                </p:cond>
+              </p:prevCondLst>
+              <p:nextCondLst>
+                <p:cond evt="onNext" delay="0">
+                  <p:tgtEl>
+                    <p:sldTgt/>
+                  </p:tgtEl>
+                </p:cond>
+              </p:nextCondLst>
+            </p:seq>
+          </p:childTnLst>
+        </p:cTn>
+      </p:par>
+    </p:tnLst>
+    <p:bldLst>
+      <p:bldP spid="2" grpId="0" build="p"/>
+    </p:bldLst>
+  </p:timing>
+</p:sld>
+</file>
+
+<file path=ppt/slides/slide31.xml><?xml version="1.0" encoding="utf-8"?>
+<p:sld xmlns:a="http://schemas.openxmlformats.org/drawingml/2006/main" xmlns:r="http://schemas.openxmlformats.org/officeDocument/2006/relationships" xmlns:p="http://schemas.openxmlformats.org/presentationml/2006/main">
+  <p:cSld>
+    <p:spTree>
+      <p:nvGrpSpPr>
+        <p:cNvPr id="1" name="Shape 256"/>
+        <p:cNvGrpSpPr/>
+        <p:nvPr/>
+      </p:nvGrpSpPr>
+      <p:grpSpPr>
+        <a:xfrm>
+          <a:off x="0" y="0"/>
+          <a:ext cx="0" cy="0"/>
+          <a:chOff x="0" y="0"/>
+          <a:chExt cx="0" cy="0"/>
+        </a:xfrm>
+      </p:grpSpPr>
+      <p:sp>
+        <p:nvSpPr>
+          <p:cNvPr id="257" name="Google Shape;257;p35"/>
+          <p:cNvSpPr txBox="1">
+            <a:spLocks noGrp="1"/>
+          </p:cNvSpPr>
+          <p:nvPr>
+            <p:ph type="title"/>
+          </p:nvPr>
+        </p:nvSpPr>
+        <p:spPr>
+          <a:xfrm>
+            <a:off x="457200" y="196650"/>
+            <a:ext cx="8229600" cy="608100"/>
+          </a:xfrm>
+          <a:prstGeom prst="rect">
+            <a:avLst/>
+          </a:prstGeom>
+        </p:spPr>
+        <p:txBody>
+          <a:bodyPr spcFirstLastPara="1" wrap="square" lIns="91425" tIns="91425" rIns="91425" bIns="91425" anchor="b" anchorCtr="0">
+            <a:noAutofit/>
+          </a:bodyPr>
+          <a:lstStyle/>
+          <a:p>
+            <a:pPr marL="0" lvl="0" indent="0" algn="l" rtl="0">
+              <a:spcBef>
+                <a:spcPts val="0"/>
+              </a:spcBef>
+              <a:spcAft>
+                <a:spcPts val="0"/>
+              </a:spcAft>
+              <a:buNone/>
+            </a:pPr>
+            <a:r>
+              <a:rPr lang="en"/>
+              <a:t>git in the Codespace</a:t>
+            </a:r>
+            <a:endParaRPr/>
+          </a:p>
+        </p:txBody>
+      </p:sp>
+      <p:sp>
+        <p:nvSpPr>
+          <p:cNvPr id="258" name="Google Shape;258;p35"/>
+          <p:cNvSpPr txBox="1">
+            <a:spLocks noGrp="1"/>
+          </p:cNvSpPr>
+          <p:nvPr>
+            <p:ph type="sldNum" idx="12"/>
+          </p:nvPr>
+        </p:nvSpPr>
+        <p:spPr>
+          <a:xfrm>
+            <a:off x="8556784" y="6333134"/>
+            <a:ext cx="548700" cy="525000"/>
+          </a:xfrm>
+          <a:prstGeom prst="rect">
+            <a:avLst/>
+          </a:prstGeom>
+        </p:spPr>
+        <p:txBody>
+          <a:bodyPr spcFirstLastPara="1" wrap="square" lIns="91425" tIns="91425" rIns="91425" bIns="91425" anchor="ctr" anchorCtr="0">
+            <a:noAutofit/>
+          </a:bodyPr>
+          <a:lstStyle/>
+          <a:p>
+            <a:pPr marL="0" lvl="0" indent="0" algn="r" rtl="0">
+              <a:spcBef>
+                <a:spcPts val="0"/>
+              </a:spcBef>
+              <a:spcAft>
+                <a:spcPts val="0"/>
+              </a:spcAft>
+              <a:buNone/>
+            </a:pPr>
+            <a:fld id="{00000000-1234-1234-1234-123412341234}" type="slidenum">
+              <a:rPr lang="en"/>
+              <a:t>31</a:t>
+            </a:fld>
+            <a:endParaRPr/>
+          </a:p>
+        </p:txBody>
+      </p:sp>
+      <p:pic>
+        <p:nvPicPr>
+          <p:cNvPr id="259" name="Google Shape;259;p35"/>
+          <p:cNvPicPr preferRelativeResize="0"/>
+          <p:nvPr/>
+        </p:nvPicPr>
+        <p:blipFill rotWithShape="1">
+          <a:blip r:embed="rId3">
+            <a:alphaModFix/>
+          </a:blip>
+          <a:srcRect t="99" b="99"/>
+          <a:stretch/>
+        </p:blipFill>
+        <p:spPr>
+          <a:xfrm>
+            <a:off x="2078550" y="1103800"/>
+            <a:ext cx="4986900" cy="5571652"/>
+          </a:xfrm>
+          <a:prstGeom prst="rect">
+            <a:avLst/>
+          </a:prstGeom>
+          <a:noFill/>
+          <a:ln w="19050" cap="flat" cmpd="sng">
+            <a:solidFill>
+              <a:schemeClr val="dk2"/>
+            </a:solidFill>
+            <a:prstDash val="solid"/>
+            <a:round/>
+            <a:headEnd type="none" w="sm" len="sm"/>
+            <a:tailEnd type="none" w="sm" len="sm"/>
+          </a:ln>
+        </p:spPr>
+      </p:pic>
+    </p:spTree>
+  </p:cSld>
+  <p:clrMapOvr>
+    <a:masterClrMapping/>
+  </p:clrMapOvr>
+</p:sld>
+</file>
+
+<file path=ppt/slides/slide32.xml><?xml version="1.0" encoding="utf-8"?>
+<p:sld xmlns:a="http://schemas.openxmlformats.org/drawingml/2006/main" xmlns:r="http://schemas.openxmlformats.org/officeDocument/2006/relationships" xmlns:p="http://schemas.openxmlformats.org/presentationml/2006/main">
+  <p:cSld>
+    <p:spTree>
+      <p:nvGrpSpPr>
+        <p:cNvPr id="1" name="Shape 263"/>
+        <p:cNvGrpSpPr/>
+        <p:nvPr/>
+      </p:nvGrpSpPr>
+      <p:grpSpPr>
+        <a:xfrm>
+          <a:off x="0" y="0"/>
+          <a:ext cx="0" cy="0"/>
+          <a:chOff x="0" y="0"/>
+          <a:chExt cx="0" cy="0"/>
+        </a:xfrm>
+      </p:grpSpPr>
+      <p:sp>
+        <p:nvSpPr>
+          <p:cNvPr id="264" name="Google Shape;264;p36"/>
+          <p:cNvSpPr txBox="1">
+            <a:spLocks noGrp="1"/>
+          </p:cNvSpPr>
+          <p:nvPr>
+            <p:ph type="title"/>
+          </p:nvPr>
+        </p:nvSpPr>
+        <p:spPr>
+          <a:xfrm>
+            <a:off x="457200" y="196650"/>
+            <a:ext cx="8229600" cy="608100"/>
+          </a:xfrm>
+          <a:prstGeom prst="rect">
+            <a:avLst/>
+          </a:prstGeom>
+        </p:spPr>
+        <p:txBody>
+          <a:bodyPr spcFirstLastPara="1" wrap="square" lIns="91425" tIns="91425" rIns="91425" bIns="91425" anchor="b" anchorCtr="0">
+            <a:noAutofit/>
+          </a:bodyPr>
+          <a:lstStyle/>
+          <a:p>
+            <a:pPr marL="0" lvl="0" indent="0" algn="l" rtl="0">
+              <a:spcBef>
+                <a:spcPts val="0"/>
+              </a:spcBef>
+              <a:spcAft>
+                <a:spcPts val="0"/>
+              </a:spcAft>
+              <a:buNone/>
+            </a:pPr>
+            <a:r>
+              <a:rPr lang="en"/>
+              <a:t>git in the Codespace</a:t>
+            </a:r>
+            <a:endParaRPr/>
+          </a:p>
+        </p:txBody>
+      </p:sp>
+      <p:sp>
+        <p:nvSpPr>
+          <p:cNvPr id="265" name="Google Shape;265;p36"/>
+          <p:cNvSpPr txBox="1">
+            <a:spLocks noGrp="1"/>
+          </p:cNvSpPr>
+          <p:nvPr>
+            <p:ph type="sldNum" idx="12"/>
+          </p:nvPr>
+        </p:nvSpPr>
+        <p:spPr>
+          <a:xfrm>
+            <a:off x="8556784" y="6333134"/>
+            <a:ext cx="548700" cy="525000"/>
+          </a:xfrm>
+          <a:prstGeom prst="rect">
+            <a:avLst/>
+          </a:prstGeom>
+        </p:spPr>
+        <p:txBody>
+          <a:bodyPr spcFirstLastPara="1" wrap="square" lIns="91425" tIns="91425" rIns="91425" bIns="91425" anchor="ctr" anchorCtr="0">
+            <a:noAutofit/>
+          </a:bodyPr>
+          <a:lstStyle/>
+          <a:p>
+            <a:pPr marL="0" lvl="0" indent="0" algn="r" rtl="0">
+              <a:spcBef>
+                <a:spcPts val="0"/>
+              </a:spcBef>
+              <a:spcAft>
+                <a:spcPts val="0"/>
+              </a:spcAft>
+              <a:buNone/>
+            </a:pPr>
+            <a:fld id="{00000000-1234-1234-1234-123412341234}" type="slidenum">
+              <a:rPr lang="en"/>
+              <a:t>32</a:t>
+            </a:fld>
+            <a:endParaRPr/>
+          </a:p>
+        </p:txBody>
+      </p:sp>
+      <p:pic>
+        <p:nvPicPr>
+          <p:cNvPr id="266" name="Google Shape;266;p36"/>
+          <p:cNvPicPr preferRelativeResize="0"/>
+          <p:nvPr/>
+        </p:nvPicPr>
+        <p:blipFill rotWithShape="1">
+          <a:blip r:embed="rId3">
+            <a:alphaModFix/>
+          </a:blip>
+          <a:srcRect t="19" b="9"/>
+          <a:stretch/>
+        </p:blipFill>
+        <p:spPr>
+          <a:xfrm>
+            <a:off x="2078550" y="1103800"/>
+            <a:ext cx="4986898" cy="5571652"/>
+          </a:xfrm>
+          <a:prstGeom prst="rect">
+            <a:avLst/>
+          </a:prstGeom>
+          <a:noFill/>
+          <a:ln w="19050" cap="flat" cmpd="sng">
+            <a:solidFill>
+              <a:schemeClr val="dk2"/>
+            </a:solidFill>
+            <a:prstDash val="solid"/>
+            <a:round/>
+            <a:headEnd type="none" w="sm" len="sm"/>
+            <a:tailEnd type="none" w="sm" len="sm"/>
+          </a:ln>
+        </p:spPr>
+      </p:pic>
+    </p:spTree>
+  </p:cSld>
+  <p:clrMapOvr>
+    <a:masterClrMapping/>
+  </p:clrMapOvr>
+</p:sld>
+</file>
+
+<file path=ppt/slides/slide33.xml><?xml version="1.0" encoding="utf-8"?>
+<p:sld xmlns:a="http://schemas.openxmlformats.org/drawingml/2006/main" xmlns:r="http://schemas.openxmlformats.org/officeDocument/2006/relationships" xmlns:p="http://schemas.openxmlformats.org/presentationml/2006/main">
+  <p:cSld>
+    <p:spTree>
+      <p:nvGrpSpPr>
+        <p:cNvPr id="1" name="Shape 270"/>
+        <p:cNvGrpSpPr/>
+        <p:nvPr/>
+      </p:nvGrpSpPr>
+      <p:grpSpPr>
+        <a:xfrm>
+          <a:off x="0" y="0"/>
+          <a:ext cx="0" cy="0"/>
+          <a:chOff x="0" y="0"/>
+          <a:chExt cx="0" cy="0"/>
+        </a:xfrm>
+      </p:grpSpPr>
+      <p:sp>
+        <p:nvSpPr>
+          <p:cNvPr id="271" name="Google Shape;271;p37"/>
+          <p:cNvSpPr txBox="1">
+            <a:spLocks noGrp="1"/>
+          </p:cNvSpPr>
+          <p:nvPr>
+            <p:ph type="title"/>
+          </p:nvPr>
+        </p:nvSpPr>
+        <p:spPr>
+          <a:xfrm>
+            <a:off x="457200" y="196650"/>
+            <a:ext cx="8229600" cy="608100"/>
+          </a:xfrm>
+          <a:prstGeom prst="rect">
+            <a:avLst/>
+          </a:prstGeom>
+        </p:spPr>
+        <p:txBody>
+          <a:bodyPr spcFirstLastPara="1" wrap="square" lIns="91425" tIns="91425" rIns="91425" bIns="91425" anchor="b" anchorCtr="0">
+            <a:noAutofit/>
+          </a:bodyPr>
+          <a:lstStyle/>
+          <a:p>
+            <a:pPr marL="0" lvl="0" indent="0" algn="l" rtl="0">
+              <a:spcBef>
+                <a:spcPts val="0"/>
+              </a:spcBef>
+              <a:spcAft>
+                <a:spcPts val="0"/>
+              </a:spcAft>
+              <a:buNone/>
+            </a:pPr>
+            <a:r>
+              <a:rPr lang="en"/>
+              <a:t>Viewing test errors</a:t>
+            </a:r>
+            <a:endParaRPr/>
+          </a:p>
+        </p:txBody>
+      </p:sp>
+      <p:sp>
+        <p:nvSpPr>
+          <p:cNvPr id="272" name="Google Shape;272;p37"/>
+          <p:cNvSpPr txBox="1">
+            <a:spLocks noGrp="1"/>
+          </p:cNvSpPr>
+          <p:nvPr>
+            <p:ph type="sldNum" idx="12"/>
+          </p:nvPr>
+        </p:nvSpPr>
+        <p:spPr>
+          <a:xfrm>
+            <a:off x="8556784" y="6333134"/>
+            <a:ext cx="548700" cy="525000"/>
+          </a:xfrm>
+          <a:prstGeom prst="rect">
+            <a:avLst/>
+          </a:prstGeom>
+        </p:spPr>
+        <p:txBody>
+          <a:bodyPr spcFirstLastPara="1" wrap="square" lIns="91425" tIns="91425" rIns="91425" bIns="91425" anchor="ctr" anchorCtr="0">
+            <a:noAutofit/>
+          </a:bodyPr>
+          <a:lstStyle/>
+          <a:p>
+            <a:pPr marL="0" lvl="0" indent="0" algn="r" rtl="0">
+              <a:spcBef>
+                <a:spcPts val="0"/>
+              </a:spcBef>
+              <a:spcAft>
+                <a:spcPts val="0"/>
+              </a:spcAft>
+              <a:buNone/>
+            </a:pPr>
+            <a:fld id="{00000000-1234-1234-1234-123412341234}" type="slidenum">
+              <a:rPr lang="en"/>
+              <a:t>33</a:t>
+            </a:fld>
+            <a:endParaRPr/>
+          </a:p>
+        </p:txBody>
+      </p:sp>
+      <p:pic>
+        <p:nvPicPr>
+          <p:cNvPr id="273" name="Google Shape;273;p37"/>
+          <p:cNvPicPr preferRelativeResize="0"/>
+          <p:nvPr/>
+        </p:nvPicPr>
+        <p:blipFill rotWithShape="1">
+          <a:blip r:embed="rId3">
+            <a:alphaModFix/>
+          </a:blip>
+          <a:srcRect l="19" r="9"/>
+          <a:stretch/>
+        </p:blipFill>
+        <p:spPr>
+          <a:xfrm>
+            <a:off x="2078550" y="1103800"/>
+            <a:ext cx="4986898" cy="5571652"/>
+          </a:xfrm>
+          <a:prstGeom prst="rect">
+            <a:avLst/>
+          </a:prstGeom>
+          <a:noFill/>
+          <a:ln w="19050" cap="flat" cmpd="sng">
+            <a:solidFill>
+              <a:schemeClr val="dk2"/>
+            </a:solidFill>
+            <a:prstDash val="solid"/>
+            <a:round/>
+            <a:headEnd type="none" w="sm" len="sm"/>
+            <a:tailEnd type="none" w="sm" len="sm"/>
+          </a:ln>
+        </p:spPr>
+      </p:pic>
+      <p:cxnSp>
+        <p:nvCxnSpPr>
+          <p:cNvPr id="274" name="Google Shape;274;p37"/>
+          <p:cNvCxnSpPr/>
+          <p:nvPr/>
+        </p:nvCxnSpPr>
+        <p:spPr>
+          <a:xfrm rot="10800000" flipH="1">
+            <a:off x="256275" y="2297950"/>
+            <a:ext cx="2132400" cy="78600"/>
+          </a:xfrm>
+          <a:prstGeom prst="straightConnector1">
+            <a:avLst/>
+          </a:prstGeom>
+          <a:noFill/>
+          <a:ln w="76200" cap="flat" cmpd="sng">
+            <a:solidFill>
+              <a:srgbClr val="980000"/>
+            </a:solidFill>
+            <a:prstDash val="solid"/>
+            <a:round/>
+            <a:headEnd type="none" w="med" len="med"/>
+            <a:tailEnd type="triangle" w="med" len="med"/>
+          </a:ln>
+        </p:spPr>
+      </p:cxnSp>
+    </p:spTree>
+  </p:cSld>
+  <p:clrMapOvr>
+    <a:masterClrMapping/>
+  </p:clrMapOvr>
+  <p:timing>
+    <p:tnLst>
+      <p:par>
+        <p:cTn id="1" dur="indefinite" restart="never" nodeType="tmRoot">
+          <p:childTnLst>
+            <p:seq concurrent="1" nextAc="seek">
+              <p:cTn id="2" dur="indefinite" nodeType="mainSeq">
+                <p:childTnLst>
+                  <p:par>
+                    <p:cTn id="3" fill="hold">
+                      <p:stCondLst>
+                        <p:cond delay="indefinite"/>
+                      </p:stCondLst>
+                      <p:childTnLst>
+                        <p:par>
+                          <p:cTn id="4" fill="hold">
+                            <p:stCondLst>
+                              <p:cond delay="0"/>
+                            </p:stCondLst>
+                            <p:childTnLst>
+                              <p:par>
+                                <p:cTn id="5" presetID="10" presetClass="entr" presetSubtype="0" fill="hold" nodeType="clickEffect">
+                                  <p:stCondLst>
+                                    <p:cond delay="0"/>
+                                  </p:stCondLst>
+                                  <p:childTnLst>
+                                    <p:set>
+                                      <p:cBhvr>
+                                        <p:cTn id="6" dur="1" fill="hold">
+                                          <p:stCondLst>
+                                            <p:cond delay="0"/>
+                                          </p:stCondLst>
+                                        </p:cTn>
+                                        <p:tgtEl>
+                                          <p:spTgt spid="274"/>
+                                        </p:tgtEl>
+                                        <p:attrNameLst>
+                                          <p:attrName>style.visibility</p:attrName>
+                                        </p:attrNameLst>
+                                      </p:cBhvr>
+                                      <p:to>
+                                        <p:strVal val="visible"/>
+                                      </p:to>
+                                    </p:set>
+                                    <p:animEffect transition="in" filter="fade">
+                                      <p:cBhvr>
+                                        <p:cTn id="7" dur="100"/>
+                                        <p:tgtEl>
+                                          <p:spTgt spid="274"/>
+                                        </p:tgtEl>
+                                      </p:cBhvr>
+                                    </p:animEffect>
+                                  </p:childTnLst>
+                                </p:cTn>
+                              </p:par>
+                            </p:childTnLst>
+                          </p:cTn>
+                        </p:par>
+                      </p:childTnLst>
+                    </p:cTn>
+                  </p:par>
+                </p:childTnLst>
+              </p:cTn>
+              <p:prevCondLst>
+                <p:cond evt="onPrev" delay="0">
+                  <p:tgtEl>
+                    <p:sldTgt/>
+                  </p:tgtEl>
+                </p:cond>
+              </p:prevCondLst>
+              <p:nextCondLst>
+                <p:cond evt="onNext" delay="0">
+                  <p:tgtEl>
+                    <p:sldTgt/>
+                  </p:tgtEl>
+                </p:cond>
+              </p:nextCondLst>
+            </p:seq>
+          </p:childTnLst>
+        </p:cTn>
+      </p:par>
+    </p:tnLst>
+  </p:timing>
+</p:sld>
+</file>
+
+<file path=ppt/slides/slide34.xml><?xml version="1.0" encoding="utf-8"?>
+<p:sld xmlns:a="http://schemas.openxmlformats.org/drawingml/2006/main" xmlns:r="http://schemas.openxmlformats.org/officeDocument/2006/relationships" xmlns:p="http://schemas.openxmlformats.org/presentationml/2006/main">
+  <p:cSld>
+    <p:spTree>
+      <p:nvGrpSpPr>
+        <p:cNvPr id="1" name="Shape 278"/>
+        <p:cNvGrpSpPr/>
+        <p:nvPr/>
+      </p:nvGrpSpPr>
+      <p:grpSpPr>
+        <a:xfrm>
+          <a:off x="0" y="0"/>
+          <a:ext cx="0" cy="0"/>
+          <a:chOff x="0" y="0"/>
+          <a:chExt cx="0" cy="0"/>
+        </a:xfrm>
+      </p:grpSpPr>
+      <p:sp>
+        <p:nvSpPr>
+          <p:cNvPr id="279" name="Google Shape;279;p38"/>
+          <p:cNvSpPr txBox="1">
+            <a:spLocks noGrp="1"/>
+          </p:cNvSpPr>
+          <p:nvPr>
+            <p:ph type="body" idx="1"/>
+          </p:nvPr>
+        </p:nvSpPr>
+        <p:spPr>
+          <a:xfrm>
+            <a:off x="457200" y="1285025"/>
+            <a:ext cx="8229600" cy="5283300"/>
+          </a:xfrm>
+          <a:prstGeom prst="rect">
+            <a:avLst/>
+          </a:prstGeom>
+        </p:spPr>
+        <p:txBody>
+          <a:bodyPr spcFirstLastPara="1" wrap="square" lIns="91425" tIns="91425" rIns="91425" bIns="91425" anchor="t" anchorCtr="0">
+            <a:noAutofit/>
+          </a:bodyPr>
+          <a:lstStyle/>
+          <a:p>
+            <a:pPr marL="457200" lvl="0" indent="-368300" algn="l" rtl="0">
+              <a:lnSpc>
+                <a:spcPct val="200000"/>
+              </a:lnSpc>
+              <a:spcBef>
+                <a:spcPts val="600"/>
+              </a:spcBef>
+              <a:spcAft>
+                <a:spcPts val="0"/>
+              </a:spcAft>
+              <a:buClr>
+                <a:srgbClr val="002B5E"/>
+              </a:buClr>
+              <a:buSzPts val="2200"/>
+              <a:buChar char="●"/>
+            </a:pPr>
+            <a:r>
+              <a:rPr lang="en" dirty="0"/>
+              <a:t>Go to repository on github.com</a:t>
+            </a:r>
+            <a:endParaRPr dirty="0"/>
+          </a:p>
+          <a:p>
+            <a:pPr marL="457200" lvl="0" indent="-368300" algn="l" rtl="0">
+              <a:lnSpc>
+                <a:spcPct val="200000"/>
+              </a:lnSpc>
+              <a:spcBef>
+                <a:spcPts val="0"/>
+              </a:spcBef>
+              <a:spcAft>
+                <a:spcPts val="0"/>
+              </a:spcAft>
+              <a:buSzPts val="2200"/>
+              <a:buChar char="●"/>
+            </a:pPr>
+            <a:r>
+              <a:rPr lang="en" dirty="0"/>
+              <a:t>Open a new codespace</a:t>
+            </a:r>
+            <a:endParaRPr dirty="0"/>
+          </a:p>
+          <a:p>
+            <a:pPr marL="457200" lvl="0" indent="-368300" algn="l" rtl="0">
+              <a:lnSpc>
+                <a:spcPct val="200000"/>
+              </a:lnSpc>
+              <a:spcBef>
+                <a:spcPts val="0"/>
+              </a:spcBef>
+              <a:spcAft>
+                <a:spcPts val="0"/>
+              </a:spcAft>
+              <a:buSzPts val="2200"/>
+              <a:buChar char="●"/>
+            </a:pPr>
+            <a:r>
+              <a:rPr lang="en" dirty="0"/>
+              <a:t>Edit files and test</a:t>
+            </a:r>
+            <a:endParaRPr dirty="0"/>
+          </a:p>
+          <a:p>
+            <a:pPr marL="457200" lvl="0" indent="-368300" algn="l" rtl="0">
+              <a:lnSpc>
+                <a:spcPct val="200000"/>
+              </a:lnSpc>
+              <a:spcBef>
+                <a:spcPts val="0"/>
+              </a:spcBef>
+              <a:spcAft>
+                <a:spcPts val="0"/>
+              </a:spcAft>
+              <a:buSzPts val="2200"/>
+              <a:buChar char="●"/>
+            </a:pPr>
+            <a:r>
+              <a:rPr lang="en" dirty="0"/>
+              <a:t> </a:t>
+            </a:r>
+            <a:r>
+              <a:rPr lang="en" dirty="0">
+                <a:solidFill>
+                  <a:srgbClr val="783F04"/>
+                </a:solidFill>
+                <a:latin typeface="Consolas"/>
+                <a:ea typeface="Consolas"/>
+                <a:cs typeface="Consolas"/>
+                <a:sym typeface="Consolas"/>
+              </a:rPr>
+              <a:t>git add</a:t>
+            </a:r>
+            <a:r>
+              <a:rPr lang="en" dirty="0"/>
+              <a:t> all changes</a:t>
+            </a:r>
+            <a:endParaRPr dirty="0"/>
+          </a:p>
+          <a:p>
+            <a:pPr marL="457200" lvl="0" indent="-368300" algn="l" rtl="0">
+              <a:lnSpc>
+                <a:spcPct val="200000"/>
+              </a:lnSpc>
+              <a:spcBef>
+                <a:spcPts val="0"/>
+              </a:spcBef>
+              <a:spcAft>
+                <a:spcPts val="0"/>
+              </a:spcAft>
+              <a:buSzPts val="2200"/>
+              <a:buChar char="●"/>
+            </a:pPr>
+            <a:r>
+              <a:rPr lang="en" dirty="0"/>
+              <a:t> </a:t>
+            </a:r>
+            <a:r>
+              <a:rPr lang="en" dirty="0">
+                <a:solidFill>
+                  <a:srgbClr val="783F04"/>
+                </a:solidFill>
+                <a:latin typeface="Consolas"/>
+                <a:ea typeface="Consolas"/>
+                <a:cs typeface="Consolas"/>
+                <a:sym typeface="Consolas"/>
+              </a:rPr>
+              <a:t>git commit</a:t>
+            </a:r>
+            <a:endParaRPr dirty="0">
+              <a:solidFill>
+                <a:srgbClr val="783F04"/>
+              </a:solidFill>
+              <a:latin typeface="Consolas"/>
+              <a:ea typeface="Consolas"/>
+              <a:cs typeface="Consolas"/>
+              <a:sym typeface="Consolas"/>
+            </a:endParaRPr>
+          </a:p>
+          <a:p>
+            <a:pPr marL="457200" lvl="0" indent="-368300" algn="l" rtl="0">
+              <a:lnSpc>
+                <a:spcPct val="200000"/>
+              </a:lnSpc>
+              <a:spcBef>
+                <a:spcPts val="0"/>
+              </a:spcBef>
+              <a:spcAft>
+                <a:spcPts val="0"/>
+              </a:spcAft>
+              <a:buSzPts val="2200"/>
+              <a:buChar char="●"/>
+            </a:pPr>
+            <a:r>
+              <a:rPr lang="en" dirty="0"/>
+              <a:t> </a:t>
+            </a:r>
+            <a:r>
+              <a:rPr lang="en" dirty="0">
+                <a:solidFill>
+                  <a:srgbClr val="783F04"/>
+                </a:solidFill>
+                <a:latin typeface="Consolas"/>
+                <a:ea typeface="Consolas"/>
+                <a:cs typeface="Consolas"/>
+                <a:sym typeface="Consolas"/>
+              </a:rPr>
+              <a:t>git push</a:t>
+            </a:r>
+            <a:endParaRPr dirty="0">
+              <a:solidFill>
+                <a:srgbClr val="783F04"/>
+              </a:solidFill>
+              <a:latin typeface="Consolas"/>
+              <a:ea typeface="Consolas"/>
+              <a:cs typeface="Consolas"/>
+              <a:sym typeface="Consolas"/>
+            </a:endParaRPr>
+          </a:p>
+          <a:p>
+            <a:pPr marL="457200" lvl="0" indent="-368300" algn="l" rtl="0">
+              <a:lnSpc>
+                <a:spcPct val="200000"/>
+              </a:lnSpc>
+              <a:spcBef>
+                <a:spcPts val="0"/>
+              </a:spcBef>
+              <a:spcAft>
+                <a:spcPts val="0"/>
+              </a:spcAft>
+              <a:buSzPts val="2200"/>
+              <a:buChar char="●"/>
+            </a:pPr>
+            <a:r>
+              <a:rPr lang="en" dirty="0"/>
+              <a:t>Go to GradeScope for final submission</a:t>
+            </a:r>
+            <a:endParaRPr dirty="0"/>
+          </a:p>
+          <a:p>
+            <a:pPr marL="914400" lvl="1" indent="-355600" algn="l" rtl="0">
+              <a:lnSpc>
+                <a:spcPct val="200000"/>
+              </a:lnSpc>
+              <a:spcBef>
+                <a:spcPts val="0"/>
+              </a:spcBef>
+              <a:spcAft>
+                <a:spcPts val="0"/>
+              </a:spcAft>
+              <a:buSzPts val="2000"/>
+              <a:buChar char="○"/>
+            </a:pPr>
+            <a:r>
+              <a:rPr lang="en" dirty="0"/>
+              <a:t>Can submit on GradeScope multiple times</a:t>
+            </a:r>
+            <a:endParaRPr dirty="0"/>
+          </a:p>
+        </p:txBody>
+      </p:sp>
+      <p:sp>
+        <p:nvSpPr>
+          <p:cNvPr id="280" name="Google Shape;280;p38"/>
+          <p:cNvSpPr txBox="1">
+            <a:spLocks noGrp="1"/>
+          </p:cNvSpPr>
+          <p:nvPr>
+            <p:ph type="title"/>
+          </p:nvPr>
+        </p:nvSpPr>
+        <p:spPr>
+          <a:xfrm>
+            <a:off x="457200" y="196650"/>
+            <a:ext cx="8229600" cy="608100"/>
+          </a:xfrm>
+          <a:prstGeom prst="rect">
+            <a:avLst/>
+          </a:prstGeom>
+        </p:spPr>
+        <p:txBody>
+          <a:bodyPr spcFirstLastPara="1" wrap="square" lIns="91425" tIns="91425" rIns="91425" bIns="91425" anchor="b" anchorCtr="0">
+            <a:noAutofit/>
+          </a:bodyPr>
+          <a:lstStyle/>
+          <a:p>
+            <a:pPr marL="0" lvl="0" indent="0" algn="l" rtl="0">
+              <a:spcBef>
+                <a:spcPts val="0"/>
+              </a:spcBef>
+              <a:spcAft>
+                <a:spcPts val="0"/>
+              </a:spcAft>
+              <a:buNone/>
+            </a:pPr>
+            <a:r>
+              <a:rPr lang="en"/>
+              <a:t>Project workflow</a:t>
+            </a:r>
+            <a:endParaRPr/>
+          </a:p>
+        </p:txBody>
+      </p:sp>
+      <p:sp>
+        <p:nvSpPr>
+          <p:cNvPr id="281" name="Google Shape;281;p38"/>
+          <p:cNvSpPr txBox="1">
+            <a:spLocks noGrp="1"/>
+          </p:cNvSpPr>
+          <p:nvPr>
+            <p:ph type="sldNum" idx="12"/>
+          </p:nvPr>
+        </p:nvSpPr>
+        <p:spPr>
+          <a:xfrm>
+            <a:off x="8556784" y="6333134"/>
+            <a:ext cx="548700" cy="525000"/>
+          </a:xfrm>
+          <a:prstGeom prst="rect">
+            <a:avLst/>
+          </a:prstGeom>
+        </p:spPr>
+        <p:txBody>
+          <a:bodyPr spcFirstLastPara="1" wrap="square" lIns="91425" tIns="91425" rIns="91425" bIns="91425" anchor="ctr" anchorCtr="0">
+            <a:noAutofit/>
+          </a:bodyPr>
+          <a:lstStyle/>
+          <a:p>
+            <a:pPr marL="0" lvl="0" indent="0" algn="r" rtl="0">
+              <a:spcBef>
+                <a:spcPts val="0"/>
+              </a:spcBef>
+              <a:spcAft>
+                <a:spcPts val="0"/>
+              </a:spcAft>
+              <a:buNone/>
+            </a:pPr>
+            <a:fld id="{00000000-1234-1234-1234-123412341234}" type="slidenum">
+              <a:rPr lang="en"/>
+              <a:t>34</a:t>
+            </a:fld>
+            <a:endParaRPr/>
+          </a:p>
+        </p:txBody>
+      </p:sp>
+      <p:grpSp>
+        <p:nvGrpSpPr>
+          <p:cNvPr id="282" name="Google Shape;282;p38"/>
+          <p:cNvGrpSpPr/>
+          <p:nvPr/>
+        </p:nvGrpSpPr>
+        <p:grpSpPr>
+          <a:xfrm>
+            <a:off x="3848200" y="3483400"/>
+            <a:ext cx="3733625" cy="1731000"/>
+            <a:chOff x="3848200" y="3483400"/>
+            <a:chExt cx="3733625" cy="1731000"/>
+          </a:xfrm>
+        </p:grpSpPr>
+        <p:sp>
+          <p:nvSpPr>
+            <p:cNvPr id="283" name="Google Shape;283;p38"/>
+            <p:cNvSpPr/>
+            <p:nvPr/>
+          </p:nvSpPr>
+          <p:spPr>
+            <a:xfrm>
+              <a:off x="3848200" y="3534550"/>
+              <a:ext cx="277500" cy="1628700"/>
+            </a:xfrm>
+            <a:prstGeom prst="rightBrace">
+              <a:avLst>
+                <a:gd name="adj1" fmla="val 50000"/>
+                <a:gd name="adj2" fmla="val 50000"/>
+              </a:avLst>
+            </a:prstGeom>
+            <a:noFill/>
+            <a:ln w="28575" cap="flat" cmpd="sng">
+              <a:solidFill>
+                <a:srgbClr val="980000"/>
+              </a:solidFill>
+              <a:prstDash val="solid"/>
+              <a:round/>
+              <a:headEnd type="none" w="sm" len="sm"/>
+              <a:tailEnd type="none" w="sm" len="sm"/>
+            </a:ln>
+          </p:spPr>
+          <p:txBody>
+            <a:bodyPr spcFirstLastPara="1" wrap="square" lIns="91425" tIns="91425" rIns="91425" bIns="91425" anchor="ctr" anchorCtr="0">
+              <a:noAutofit/>
+            </a:bodyPr>
+            <a:lstStyle/>
+            <a:p>
+              <a:pPr marL="0" lvl="0" indent="0" algn="l" rtl="0">
+                <a:spcBef>
+                  <a:spcPts val="0"/>
+                </a:spcBef>
+                <a:spcAft>
+                  <a:spcPts val="0"/>
+                </a:spcAft>
+                <a:buNone/>
+              </a:pPr>
+              <a:endParaRPr/>
+            </a:p>
+          </p:txBody>
+        </p:sp>
+        <p:sp>
+          <p:nvSpPr>
+            <p:cNvPr id="284" name="Google Shape;284;p38"/>
+            <p:cNvSpPr/>
+            <p:nvPr/>
+          </p:nvSpPr>
+          <p:spPr>
+            <a:xfrm>
+              <a:off x="4155825" y="3483400"/>
+              <a:ext cx="3426000" cy="1731000"/>
+            </a:xfrm>
+            <a:prstGeom prst="rect">
+              <a:avLst/>
+            </a:prstGeom>
+            <a:noFill/>
+            <a:ln>
+              <a:noFill/>
+            </a:ln>
+          </p:spPr>
+          <p:txBody>
+            <a:bodyPr spcFirstLastPara="1" wrap="square" lIns="91425" tIns="91425" rIns="91425" bIns="91425" anchor="ctr" anchorCtr="0">
+              <a:noAutofit/>
+            </a:bodyPr>
+            <a:lstStyle/>
+            <a:p>
+              <a:pPr marL="0" lvl="0" indent="0" algn="l" rtl="0">
+                <a:spcBef>
+                  <a:spcPts val="0"/>
+                </a:spcBef>
+                <a:spcAft>
+                  <a:spcPts val="0"/>
+                </a:spcAft>
+                <a:buNone/>
+              </a:pPr>
+              <a:r>
+                <a:rPr lang="en" sz="2000">
+                  <a:solidFill>
+                    <a:srgbClr val="980000"/>
+                  </a:solidFill>
+                  <a:latin typeface="Droid Sans"/>
+                  <a:ea typeface="Droid Sans"/>
+                  <a:cs typeface="Droid Sans"/>
+                  <a:sym typeface="Droid Sans"/>
+                </a:rPr>
+                <a:t>You don't need to wait until the project is done to commit and push. In fact, do this often!</a:t>
+              </a:r>
+              <a:endParaRPr sz="2000">
+                <a:solidFill>
+                  <a:srgbClr val="980000"/>
+                </a:solidFill>
+                <a:latin typeface="Droid Sans"/>
+                <a:ea typeface="Droid Sans"/>
+                <a:cs typeface="Droid Sans"/>
+                <a:sym typeface="Droid Sans"/>
+              </a:endParaRPr>
+            </a:p>
+          </p:txBody>
+        </p:sp>
+      </p:grpSp>
+    </p:spTree>
+  </p:cSld>
+  <p:clrMapOvr>
+    <a:masterClrMapping/>
+  </p:clrMapOvr>
+  <p:timing>
+    <p:tnLst>
+      <p:par>
+        <p:cTn id="1" dur="indefinite" restart="never" nodeType="tmRoot">
+          <p:childTnLst>
+            <p:seq concurrent="1" nextAc="seek">
+              <p:cTn id="2" dur="indefinite" nodeType="mainSeq">
+                <p:childTnLst>
+                  <p:par>
+                    <p:cTn id="3" fill="hold">
+                      <p:stCondLst>
+                        <p:cond delay="indefinite"/>
+                      </p:stCondLst>
+                      <p:childTnLst>
+                        <p:par>
+                          <p:cTn id="4" fill="hold">
+                            <p:stCondLst>
+                              <p:cond delay="0"/>
+                            </p:stCondLst>
+                            <p:childTnLst>
+                              <p:par>
+                                <p:cTn id="5" presetID="10" presetClass="entr" presetSubtype="0" fill="hold" nodeType="clickEffect">
+                                  <p:stCondLst>
+                                    <p:cond delay="0"/>
+                                  </p:stCondLst>
+                                  <p:childTnLst>
+                                    <p:set>
+                                      <p:cBhvr>
+                                        <p:cTn id="6" dur="1" fill="hold">
+                                          <p:stCondLst>
+                                            <p:cond delay="0"/>
+                                          </p:stCondLst>
+                                        </p:cTn>
+                                        <p:tgtEl>
+                                          <p:spTgt spid="279">
+                                            <p:txEl>
+                                              <p:pRg st="0" end="0"/>
+                                            </p:txEl>
+                                          </p:spTgt>
+                                        </p:tgtEl>
+                                        <p:attrNameLst>
+                                          <p:attrName>style.visibility</p:attrName>
+                                        </p:attrNameLst>
+                                      </p:cBhvr>
+                                      <p:to>
+                                        <p:strVal val="visible"/>
+                                      </p:to>
+                                    </p:set>
+                                    <p:animEffect transition="in" filter="fade">
+                                      <p:cBhvr>
+                                        <p:cTn id="7" dur="100"/>
+                                        <p:tgtEl>
+                                          <p:spTgt spid="279">
+                                            <p:txEl>
+                                              <p:pRg st="0" end="0"/>
+                                            </p:txEl>
+                                          </p:spTgt>
+                                        </p:tgtEl>
+                                      </p:cBhvr>
+                                    </p:animEffect>
+                                  </p:childTnLst>
+                                </p:cTn>
+                              </p:par>
+                            </p:childTnLst>
+                          </p:cTn>
+                        </p:par>
+                      </p:childTnLst>
+                    </p:cTn>
+                  </p:par>
+                  <p:par>
+                    <p:cTn id="8" fill="hold">
+                      <p:stCondLst>
+                        <p:cond delay="indefinite"/>
+                      </p:stCondLst>
+                      <p:childTnLst>
+                        <p:par>
+                          <p:cTn id="9" fill="hold">
+                            <p:stCondLst>
+                              <p:cond delay="0"/>
+                            </p:stCondLst>
+                            <p:childTnLst>
+                              <p:par>
+                                <p:cTn id="10" presetID="10" presetClass="entr" presetSubtype="0" fill="hold" nodeType="clickEffect">
+                                  <p:stCondLst>
+                                    <p:cond delay="0"/>
+                                  </p:stCondLst>
+                                  <p:childTnLst>
+                                    <p:set>
+                                      <p:cBhvr>
+                                        <p:cTn id="11" dur="1" fill="hold">
+                                          <p:stCondLst>
+                                            <p:cond delay="0"/>
+                                          </p:stCondLst>
+                                        </p:cTn>
+                                        <p:tgtEl>
+                                          <p:spTgt spid="279">
+                                            <p:txEl>
+                                              <p:pRg st="1" end="1"/>
+                                            </p:txEl>
+                                          </p:spTgt>
+                                        </p:tgtEl>
+                                        <p:attrNameLst>
+                                          <p:attrName>style.visibility</p:attrName>
+                                        </p:attrNameLst>
+                                      </p:cBhvr>
+                                      <p:to>
+                                        <p:strVal val="visible"/>
+                                      </p:to>
+                                    </p:set>
+                                    <p:animEffect transition="in" filter="fade">
+                                      <p:cBhvr>
+                                        <p:cTn id="12" dur="100"/>
+                                        <p:tgtEl>
+                                          <p:spTgt spid="279">
+                                            <p:txEl>
+                                              <p:pRg st="1" end="1"/>
+                                            </p:txEl>
+                                          </p:spTgt>
+                                        </p:tgtEl>
+                                      </p:cBhvr>
+                                    </p:animEffect>
+                                  </p:childTnLst>
+                                </p:cTn>
+                              </p:par>
+                            </p:childTnLst>
+                          </p:cTn>
+                        </p:par>
+                      </p:childTnLst>
+                    </p:cTn>
+                  </p:par>
+                  <p:par>
+                    <p:cTn id="13" fill="hold">
+                      <p:stCondLst>
+                        <p:cond delay="indefinite"/>
+                      </p:stCondLst>
+                      <p:childTnLst>
+                        <p:par>
+                          <p:cTn id="14" fill="hold">
+                            <p:stCondLst>
+                              <p:cond delay="0"/>
+                            </p:stCondLst>
+                            <p:childTnLst>
+                              <p:par>
+                                <p:cTn id="15" presetID="10" presetClass="entr" presetSubtype="0" fill="hold" nodeType="clickEffect">
+                                  <p:stCondLst>
+                                    <p:cond delay="0"/>
+                                  </p:stCondLst>
+                                  <p:childTnLst>
+                                    <p:set>
+                                      <p:cBhvr>
+                                        <p:cTn id="16" dur="1" fill="hold">
+                                          <p:stCondLst>
+                                            <p:cond delay="0"/>
+                                          </p:stCondLst>
+                                        </p:cTn>
+                                        <p:tgtEl>
+                                          <p:spTgt spid="279">
+                                            <p:txEl>
+                                              <p:pRg st="2" end="2"/>
+                                            </p:txEl>
+                                          </p:spTgt>
+                                        </p:tgtEl>
+                                        <p:attrNameLst>
+                                          <p:attrName>style.visibility</p:attrName>
+                                        </p:attrNameLst>
+                                      </p:cBhvr>
+                                      <p:to>
+                                        <p:strVal val="visible"/>
+                                      </p:to>
+                                    </p:set>
+                                    <p:animEffect transition="in" filter="fade">
+                                      <p:cBhvr>
+                                        <p:cTn id="17" dur="100"/>
+                                        <p:tgtEl>
+                                          <p:spTgt spid="279">
+                                            <p:txEl>
+                                              <p:pRg st="2" end="2"/>
+                                            </p:txEl>
+                                          </p:spTgt>
+                                        </p:tgtEl>
+                                      </p:cBhvr>
+                                    </p:animEffect>
+                                  </p:childTnLst>
+                                </p:cTn>
+                              </p:par>
+                            </p:childTnLst>
+                          </p:cTn>
+                        </p:par>
+                      </p:childTnLst>
+                    </p:cTn>
+                  </p:par>
+                  <p:par>
+                    <p:cTn id="18" fill="hold">
+                      <p:stCondLst>
+                        <p:cond delay="indefinite"/>
+                      </p:stCondLst>
+                      <p:childTnLst>
+                        <p:par>
+                          <p:cTn id="19" fill="hold">
+                            <p:stCondLst>
+                              <p:cond delay="0"/>
+                            </p:stCondLst>
+                            <p:childTnLst>
+                              <p:par>
+                                <p:cTn id="20" presetID="10" presetClass="entr" presetSubtype="0" fill="hold" nodeType="clickEffect">
+                                  <p:stCondLst>
+                                    <p:cond delay="0"/>
+                                  </p:stCondLst>
+                                  <p:childTnLst>
+                                    <p:set>
+                                      <p:cBhvr>
+                                        <p:cTn id="21" dur="1" fill="hold">
+                                          <p:stCondLst>
+                                            <p:cond delay="0"/>
+                                          </p:stCondLst>
+                                        </p:cTn>
+                                        <p:tgtEl>
+                                          <p:spTgt spid="279">
+                                            <p:txEl>
+                                              <p:pRg st="3" end="3"/>
+                                            </p:txEl>
+                                          </p:spTgt>
+                                        </p:tgtEl>
+                                        <p:attrNameLst>
+                                          <p:attrName>style.visibility</p:attrName>
+                                        </p:attrNameLst>
+                                      </p:cBhvr>
+                                      <p:to>
+                                        <p:strVal val="visible"/>
+                                      </p:to>
+                                    </p:set>
+                                    <p:animEffect transition="in" filter="fade">
+                                      <p:cBhvr>
+                                        <p:cTn id="22" dur="100"/>
+                                        <p:tgtEl>
+                                          <p:spTgt spid="279">
+                                            <p:txEl>
+                                              <p:pRg st="3" end="3"/>
+                                            </p:txEl>
+                                          </p:spTgt>
+                                        </p:tgtEl>
+                                      </p:cBhvr>
+                                    </p:animEffect>
+                                  </p:childTnLst>
+                                </p:cTn>
+                              </p:par>
+                            </p:childTnLst>
+                          </p:cTn>
+                        </p:par>
+                      </p:childTnLst>
+                    </p:cTn>
+                  </p:par>
+                  <p:par>
+                    <p:cTn id="23" fill="hold">
+                      <p:stCondLst>
+                        <p:cond delay="indefinite"/>
+                      </p:stCondLst>
+                      <p:childTnLst>
+                        <p:par>
+                          <p:cTn id="24" fill="hold">
+                            <p:stCondLst>
+                              <p:cond delay="0"/>
+                            </p:stCondLst>
+                            <p:childTnLst>
+                              <p:par>
+                                <p:cTn id="25" presetID="10" presetClass="entr" presetSubtype="0" fill="hold" nodeType="clickEffect">
+                                  <p:stCondLst>
+                                    <p:cond delay="0"/>
+                                  </p:stCondLst>
+                                  <p:childTnLst>
+                                    <p:set>
+                                      <p:cBhvr>
+                                        <p:cTn id="26" dur="1" fill="hold">
+                                          <p:stCondLst>
+                                            <p:cond delay="0"/>
+                                          </p:stCondLst>
+                                        </p:cTn>
+                                        <p:tgtEl>
+                                          <p:spTgt spid="279">
+                                            <p:txEl>
+                                              <p:pRg st="4" end="4"/>
+                                            </p:txEl>
+                                          </p:spTgt>
+                                        </p:tgtEl>
+                                        <p:attrNameLst>
+                                          <p:attrName>style.visibility</p:attrName>
+                                        </p:attrNameLst>
+                                      </p:cBhvr>
+                                      <p:to>
+                                        <p:strVal val="visible"/>
+                                      </p:to>
+                                    </p:set>
+                                    <p:animEffect transition="in" filter="fade">
+                                      <p:cBhvr>
+                                        <p:cTn id="27" dur="100"/>
+                                        <p:tgtEl>
+                                          <p:spTgt spid="279">
+                                            <p:txEl>
+                                              <p:pRg st="4" end="4"/>
+                                            </p:txEl>
+                                          </p:spTgt>
+                                        </p:tgtEl>
+                                      </p:cBhvr>
+                                    </p:animEffect>
+                                  </p:childTnLst>
+                                </p:cTn>
+                              </p:par>
+                            </p:childTnLst>
+                          </p:cTn>
+                        </p:par>
+                      </p:childTnLst>
+                    </p:cTn>
+                  </p:par>
+                  <p:par>
+                    <p:cTn id="28" fill="hold">
+                      <p:stCondLst>
+                        <p:cond delay="indefinite"/>
+                      </p:stCondLst>
+                      <p:childTnLst>
+                        <p:par>
+                          <p:cTn id="29" fill="hold">
+                            <p:stCondLst>
+                              <p:cond delay="0"/>
+                            </p:stCondLst>
+                            <p:childTnLst>
+                              <p:par>
+                                <p:cTn id="30" presetID="10" presetClass="entr" presetSubtype="0" fill="hold" nodeType="clickEffect">
+                                  <p:stCondLst>
+                                    <p:cond delay="0"/>
+                                  </p:stCondLst>
+                                  <p:childTnLst>
+                                    <p:set>
+                                      <p:cBhvr>
+                                        <p:cTn id="31" dur="1" fill="hold">
+                                          <p:stCondLst>
+                                            <p:cond delay="0"/>
+                                          </p:stCondLst>
+                                        </p:cTn>
+                                        <p:tgtEl>
+                                          <p:spTgt spid="279">
+                                            <p:txEl>
+                                              <p:pRg st="5" end="5"/>
+                                            </p:txEl>
+                                          </p:spTgt>
+                                        </p:tgtEl>
+                                        <p:attrNameLst>
+                                          <p:attrName>style.visibility</p:attrName>
+                                        </p:attrNameLst>
+                                      </p:cBhvr>
+                                      <p:to>
+                                        <p:strVal val="visible"/>
+                                      </p:to>
+                                    </p:set>
+                                    <p:animEffect transition="in" filter="fade">
+                                      <p:cBhvr>
+                                        <p:cTn id="32" dur="100"/>
+                                        <p:tgtEl>
+                                          <p:spTgt spid="279">
+                                            <p:txEl>
+                                              <p:pRg st="5" end="5"/>
+                                            </p:txEl>
+                                          </p:spTgt>
+                                        </p:tgtEl>
+                                      </p:cBhvr>
+                                    </p:animEffect>
+                                  </p:childTnLst>
+                                </p:cTn>
+                              </p:par>
+                            </p:childTnLst>
+                          </p:cTn>
+                        </p:par>
+                      </p:childTnLst>
+                    </p:cTn>
+                  </p:par>
+                  <p:par>
+                    <p:cTn id="33" fill="hold">
+                      <p:stCondLst>
+                        <p:cond delay="indefinite"/>
+                      </p:stCondLst>
+                      <p:childTnLst>
+                        <p:par>
+                          <p:cTn id="34" fill="hold">
+                            <p:stCondLst>
+                              <p:cond delay="0"/>
+                            </p:stCondLst>
+                            <p:childTnLst>
+                              <p:par>
+                                <p:cTn id="35" presetID="10" presetClass="entr" presetSubtype="0" fill="hold" nodeType="clickEffect">
+                                  <p:stCondLst>
+                                    <p:cond delay="0"/>
+                                  </p:stCondLst>
+                                  <p:childTnLst>
+                                    <p:set>
+                                      <p:cBhvr>
+                                        <p:cTn id="36" dur="1" fill="hold">
+                                          <p:stCondLst>
+                                            <p:cond delay="0"/>
+                                          </p:stCondLst>
+                                        </p:cTn>
+                                        <p:tgtEl>
+                                          <p:spTgt spid="279">
+                                            <p:txEl>
+                                              <p:pRg st="6" end="6"/>
+                                            </p:txEl>
+                                          </p:spTgt>
+                                        </p:tgtEl>
+                                        <p:attrNameLst>
+                                          <p:attrName>style.visibility</p:attrName>
+                                        </p:attrNameLst>
+                                      </p:cBhvr>
+                                      <p:to>
+                                        <p:strVal val="visible"/>
+                                      </p:to>
+                                    </p:set>
+                                    <p:animEffect transition="in" filter="fade">
+                                      <p:cBhvr>
+                                        <p:cTn id="37" dur="100"/>
+                                        <p:tgtEl>
+                                          <p:spTgt spid="279">
+                                            <p:txEl>
+                                              <p:pRg st="6" end="6"/>
+                                            </p:txEl>
+                                          </p:spTgt>
+                                        </p:tgtEl>
+                                      </p:cBhvr>
+                                    </p:animEffect>
+                                  </p:childTnLst>
+                                </p:cTn>
+                              </p:par>
+                            </p:childTnLst>
+                          </p:cTn>
+                        </p:par>
+                      </p:childTnLst>
+                    </p:cTn>
+                  </p:par>
+                  <p:par>
+                    <p:cTn id="38" fill="hold">
+                      <p:stCondLst>
+                        <p:cond delay="indefinite"/>
+                      </p:stCondLst>
+                      <p:childTnLst>
+                        <p:par>
+                          <p:cTn id="39" fill="hold">
+                            <p:stCondLst>
+                              <p:cond delay="0"/>
+                            </p:stCondLst>
+                            <p:childTnLst>
+                              <p:par>
+                                <p:cTn id="40" presetID="10" presetClass="entr" presetSubtype="0" fill="hold" nodeType="clickEffect">
+                                  <p:stCondLst>
+                                    <p:cond delay="0"/>
+                                  </p:stCondLst>
+                                  <p:childTnLst>
+                                    <p:set>
+                                      <p:cBhvr>
+                                        <p:cTn id="41" dur="1" fill="hold">
+                                          <p:stCondLst>
+                                            <p:cond delay="0"/>
+                                          </p:stCondLst>
+                                        </p:cTn>
+                                        <p:tgtEl>
+                                          <p:spTgt spid="279">
+                                            <p:txEl>
+                                              <p:pRg st="7" end="7"/>
+                                            </p:txEl>
+                                          </p:spTgt>
+                                        </p:tgtEl>
+                                        <p:attrNameLst>
+                                          <p:attrName>style.visibility</p:attrName>
+                                        </p:attrNameLst>
+                                      </p:cBhvr>
+                                      <p:to>
+                                        <p:strVal val="visible"/>
+                                      </p:to>
+                                    </p:set>
+                                    <p:animEffect transition="in" filter="fade">
+                                      <p:cBhvr>
+                                        <p:cTn id="42" dur="100"/>
+                                        <p:tgtEl>
+                                          <p:spTgt spid="279">
+                                            <p:txEl>
+                                              <p:pRg st="7" end="7"/>
+                                            </p:txEl>
+                                          </p:spTgt>
+                                        </p:tgtEl>
+                                      </p:cBhvr>
+                                    </p:animEffect>
+                                  </p:childTnLst>
+                                </p:cTn>
+                              </p:par>
+                            </p:childTnLst>
+                          </p:cTn>
+                        </p:par>
+                      </p:childTnLst>
+                    </p:cTn>
+                  </p:par>
+                  <p:par>
+                    <p:cTn id="43" fill="hold">
+                      <p:stCondLst>
+                        <p:cond delay="indefinite"/>
+                      </p:stCondLst>
+                      <p:childTnLst>
+                        <p:par>
+                          <p:cTn id="44" fill="hold">
+                            <p:stCondLst>
+                              <p:cond delay="0"/>
+                            </p:stCondLst>
+                            <p:childTnLst>
+                              <p:par>
+                                <p:cTn id="45" presetID="10" presetClass="entr" presetSubtype="0" fill="hold" nodeType="clickEffect">
+                                  <p:stCondLst>
+                                    <p:cond delay="0"/>
+                                  </p:stCondLst>
+                                  <p:childTnLst>
+                                    <p:set>
+                                      <p:cBhvr>
+                                        <p:cTn id="46" dur="1" fill="hold">
+                                          <p:stCondLst>
+                                            <p:cond delay="0"/>
+                                          </p:stCondLst>
+                                        </p:cTn>
+                                        <p:tgtEl>
+                                          <p:spTgt spid="282"/>
+                                        </p:tgtEl>
+                                        <p:attrNameLst>
+                                          <p:attrName>style.visibility</p:attrName>
+                                        </p:attrNameLst>
+                                      </p:cBhvr>
+                                      <p:to>
+                                        <p:strVal val="visible"/>
+                                      </p:to>
+                                    </p:set>
+                                    <p:animEffect transition="in" filter="fade">
+                                      <p:cBhvr>
+                                        <p:cTn id="47" dur="100"/>
+                                        <p:tgtEl>
+                                          <p:spTgt spid="282"/>
+                                        </p:tgtEl>
+                                      </p:cBhvr>
+                                    </p:animEffect>
+                                  </p:childTnLst>
+                                </p:cTn>
+                              </p:par>
+                            </p:childTnLst>
+                          </p:cTn>
+                        </p:par>
+                      </p:childTnLst>
+                    </p:cTn>
+                  </p:par>
+                </p:childTnLst>
+              </p:cTn>
+              <p:prevCondLst>
+                <p:cond evt="onPrev" delay="0">
+                  <p:tgtEl>
+                    <p:sldTgt/>
+                  </p:tgtEl>
+                </p:cond>
+              </p:prevCondLst>
+              <p:nextCondLst>
+                <p:cond evt="onNext" delay="0">
+                  <p:tgtEl>
+                    <p:sldTgt/>
+                  </p:tgtEl>
+                </p:cond>
+              </p:nextCondLst>
+            </p:seq>
+          </p:childTnLst>
+        </p:cTn>
+      </p:par>
+    </p:tnLst>
+  </p:timing>
+</p:sld>
+</file>
+
+<file path=ppt/slides/slide35.xml><?xml version="1.0" encoding="utf-8"?>
+<p:sld xmlns:a="http://schemas.openxmlformats.org/drawingml/2006/main" xmlns:r="http://schemas.openxmlformats.org/officeDocument/2006/relationships" xmlns:p="http://schemas.openxmlformats.org/presentationml/2006/main">
+  <p:cSld>
+    <p:spTree>
+      <p:nvGrpSpPr>
+        <p:cNvPr id="1" name="Shape 288"/>
+        <p:cNvGrpSpPr/>
+        <p:nvPr/>
+      </p:nvGrpSpPr>
+      <p:grpSpPr>
+        <a:xfrm>
+          <a:off x="0" y="0"/>
+          <a:ext cx="0" cy="0"/>
+          <a:chOff x="0" y="0"/>
+          <a:chExt cx="0" cy="0"/>
+        </a:xfrm>
+      </p:grpSpPr>
+      <p:sp>
+        <p:nvSpPr>
+          <p:cNvPr id="289" name="Google Shape;289;p39"/>
+          <p:cNvSpPr txBox="1">
+            <a:spLocks noGrp="1"/>
+          </p:cNvSpPr>
+          <p:nvPr>
+            <p:ph type="title"/>
+          </p:nvPr>
+        </p:nvSpPr>
+        <p:spPr>
+          <a:xfrm>
+            <a:off x="457200" y="196650"/>
+            <a:ext cx="8229600" cy="608100"/>
+          </a:xfrm>
+          <a:prstGeom prst="rect">
+            <a:avLst/>
+          </a:prstGeom>
+        </p:spPr>
+        <p:txBody>
+          <a:bodyPr spcFirstLastPara="1" wrap="square" lIns="91425" tIns="91425" rIns="91425" bIns="91425" anchor="b" anchorCtr="0">
+            <a:noAutofit/>
+          </a:bodyPr>
+          <a:lstStyle/>
+          <a:p>
+            <a:pPr marL="0" lvl="0" indent="0" algn="l" rtl="0">
+              <a:spcBef>
+                <a:spcPts val="0"/>
+              </a:spcBef>
+              <a:spcAft>
+                <a:spcPts val="0"/>
+              </a:spcAft>
+              <a:buNone/>
+            </a:pPr>
+            <a:r>
+              <a:rPr lang="en"/>
+              <a:t>Coming back to a Codespace</a:t>
+            </a:r>
+            <a:endParaRPr/>
+          </a:p>
+        </p:txBody>
+      </p:sp>
+      <p:sp>
+        <p:nvSpPr>
+          <p:cNvPr id="290" name="Google Shape;290;p39"/>
+          <p:cNvSpPr txBox="1">
+            <a:spLocks noGrp="1"/>
+          </p:cNvSpPr>
+          <p:nvPr>
+            <p:ph type="sldNum" idx="12"/>
+          </p:nvPr>
+        </p:nvSpPr>
+        <p:spPr>
+          <a:xfrm>
+            <a:off x="8556784" y="6333134"/>
+            <a:ext cx="548700" cy="525000"/>
+          </a:xfrm>
+          <a:prstGeom prst="rect">
+            <a:avLst/>
+          </a:prstGeom>
+        </p:spPr>
+        <p:txBody>
+          <a:bodyPr spcFirstLastPara="1" wrap="square" lIns="91425" tIns="91425" rIns="91425" bIns="91425" anchor="ctr" anchorCtr="0">
+            <a:noAutofit/>
+          </a:bodyPr>
+          <a:lstStyle/>
+          <a:p>
+            <a:pPr marL="0" lvl="0" indent="0" algn="r" rtl="0">
+              <a:spcBef>
+                <a:spcPts val="0"/>
+              </a:spcBef>
+              <a:spcAft>
+                <a:spcPts val="0"/>
+              </a:spcAft>
+              <a:buNone/>
+            </a:pPr>
+            <a:fld id="{00000000-1234-1234-1234-123412341234}" type="slidenum">
+              <a:rPr lang="en"/>
+              <a:t>35</a:t>
+            </a:fld>
+            <a:endParaRPr/>
+          </a:p>
+        </p:txBody>
+      </p:sp>
+      <p:pic>
+        <p:nvPicPr>
+          <p:cNvPr id="291" name="Google Shape;291;p39"/>
+          <p:cNvPicPr preferRelativeResize="0"/>
+          <p:nvPr/>
+        </p:nvPicPr>
+        <p:blipFill>
+          <a:blip r:embed="rId3">
+            <a:alphaModFix/>
+          </a:blip>
+          <a:stretch>
+            <a:fillRect/>
+          </a:stretch>
+        </p:blipFill>
+        <p:spPr>
+          <a:xfrm>
+            <a:off x="1143313" y="1035575"/>
+            <a:ext cx="6857371" cy="5748450"/>
+          </a:xfrm>
+          <a:prstGeom prst="rect">
+            <a:avLst/>
+          </a:prstGeom>
+          <a:noFill/>
+          <a:ln w="19050" cap="flat" cmpd="sng">
+            <a:solidFill>
+              <a:schemeClr val="dk2"/>
+            </a:solidFill>
+            <a:prstDash val="solid"/>
+            <a:round/>
+            <a:headEnd type="none" w="sm" len="sm"/>
+            <a:tailEnd type="none" w="sm" len="sm"/>
+          </a:ln>
+        </p:spPr>
+      </p:pic>
+      <p:cxnSp>
+        <p:nvCxnSpPr>
+          <p:cNvPr id="292" name="Google Shape;292;p39"/>
+          <p:cNvCxnSpPr/>
+          <p:nvPr/>
+        </p:nvCxnSpPr>
+        <p:spPr>
+          <a:xfrm rot="10800000">
+            <a:off x="5555150" y="2738450"/>
+            <a:ext cx="3142500" cy="928800"/>
+          </a:xfrm>
+          <a:prstGeom prst="straightConnector1">
+            <a:avLst/>
+          </a:prstGeom>
+          <a:noFill/>
+          <a:ln w="76200" cap="flat" cmpd="sng">
+            <a:solidFill>
+              <a:srgbClr val="980000"/>
+            </a:solidFill>
+            <a:prstDash val="solid"/>
+            <a:round/>
+            <a:headEnd type="none" w="med" len="med"/>
+            <a:tailEnd type="triangle" w="med" len="med"/>
+          </a:ln>
+        </p:spPr>
+      </p:cxnSp>
+    </p:spTree>
+  </p:cSld>
+  <p:clrMapOvr>
+    <a:masterClrMapping/>
+  </p:clrMapOvr>
+  <p:timing>
+    <p:tnLst>
+      <p:par>
+        <p:cTn id="1" dur="indefinite" restart="never" nodeType="tmRoot">
+          <p:childTnLst>
+            <p:seq concurrent="1" nextAc="seek">
+              <p:cTn id="2" dur="indefinite" nodeType="mainSeq">
+                <p:childTnLst>
+                  <p:par>
+                    <p:cTn id="3" fill="hold">
+                      <p:stCondLst>
+                        <p:cond delay="indefinite"/>
+                      </p:stCondLst>
+                      <p:childTnLst>
+                        <p:par>
+                          <p:cTn id="4" fill="hold">
+                            <p:stCondLst>
+                              <p:cond delay="0"/>
+                            </p:stCondLst>
+                            <p:childTnLst>
+                              <p:par>
+                                <p:cTn id="5" presetID="10" presetClass="entr" presetSubtype="0" fill="hold" nodeType="clickEffect">
+                                  <p:stCondLst>
+                                    <p:cond delay="0"/>
+                                  </p:stCondLst>
+                                  <p:childTnLst>
+                                    <p:set>
+                                      <p:cBhvr>
+                                        <p:cTn id="6" dur="1" fill="hold">
+                                          <p:stCondLst>
+                                            <p:cond delay="0"/>
+                                          </p:stCondLst>
+                                        </p:cTn>
+                                        <p:tgtEl>
+                                          <p:spTgt spid="292"/>
+                                        </p:tgtEl>
+                                        <p:attrNameLst>
+                                          <p:attrName>style.visibility</p:attrName>
+                                        </p:attrNameLst>
+                                      </p:cBhvr>
+                                      <p:to>
+                                        <p:strVal val="visible"/>
+                                      </p:to>
+                                    </p:set>
+                                    <p:animEffect transition="in" filter="fade">
+                                      <p:cBhvr>
+                                        <p:cTn id="7" dur="100"/>
+                                        <p:tgtEl>
+                                          <p:spTgt spid="292"/>
+                                        </p:tgtEl>
+                                      </p:cBhvr>
+                                    </p:animEffect>
+                                  </p:childTnLst>
+                                </p:cTn>
+                              </p:par>
+                            </p:childTnLst>
+                          </p:cTn>
+                        </p:par>
+                      </p:childTnLst>
+                    </p:cTn>
+                  </p:par>
+                </p:childTnLst>
+              </p:cTn>
+              <p:prevCondLst>
+                <p:cond evt="onPrev" delay="0">
+                  <p:tgtEl>
+                    <p:sldTgt/>
+                  </p:tgtEl>
+                </p:cond>
+              </p:prevCondLst>
+              <p:nextCondLst>
+                <p:cond evt="onNext" delay="0">
+                  <p:tgtEl>
+                    <p:sldTgt/>
+                  </p:tgtEl>
+                </p:cond>
+              </p:nextCondLst>
+            </p:seq>
+          </p:childTnLst>
+        </p:cTn>
+      </p:par>
+    </p:tnLst>
+  </p:timing>
+</p:sld>
+</file>
+
+<file path=ppt/slides/slide36.xml><?xml version="1.0" encoding="utf-8"?>
+<p:sld xmlns:a="http://schemas.openxmlformats.org/drawingml/2006/main" xmlns:r="http://schemas.openxmlformats.org/officeDocument/2006/relationships" xmlns:p="http://schemas.openxmlformats.org/presentationml/2006/main">
+  <p:cSld>
+    <p:spTree>
+      <p:nvGrpSpPr>
+        <p:cNvPr id="1" name="Shape 296"/>
+        <p:cNvGrpSpPr/>
+        <p:nvPr/>
+      </p:nvGrpSpPr>
+      <p:grpSpPr>
+        <a:xfrm>
+          <a:off x="0" y="0"/>
+          <a:ext cx="0" cy="0"/>
+          <a:chOff x="0" y="0"/>
+          <a:chExt cx="0" cy="0"/>
+        </a:xfrm>
+      </p:grpSpPr>
+      <p:sp>
+        <p:nvSpPr>
+          <p:cNvPr id="297" name="Google Shape;297;p40"/>
+          <p:cNvSpPr txBox="1">
+            <a:spLocks noGrp="1"/>
+          </p:cNvSpPr>
+          <p:nvPr>
+            <p:ph type="body" idx="1"/>
+          </p:nvPr>
+        </p:nvSpPr>
+        <p:spPr>
+          <a:xfrm>
+            <a:off x="457200" y="1285025"/>
+            <a:ext cx="8229600" cy="5283300"/>
+          </a:xfrm>
+          <a:prstGeom prst="rect">
+            <a:avLst/>
+          </a:prstGeom>
+        </p:spPr>
+        <p:txBody>
+          <a:bodyPr spcFirstLastPara="1" wrap="square" lIns="91425" tIns="91425" rIns="91425" bIns="91425" anchor="t" anchorCtr="0">
+            <a:noAutofit/>
+          </a:bodyPr>
+          <a:lstStyle/>
+          <a:p>
+            <a:pPr marL="457200" lvl="0" indent="-368300" algn="l" rtl="0">
+              <a:lnSpc>
+                <a:spcPct val="115000"/>
+              </a:lnSpc>
+              <a:spcBef>
+                <a:spcPts val="600"/>
+              </a:spcBef>
+              <a:spcAft>
+                <a:spcPts val="0"/>
+              </a:spcAft>
+              <a:buSzPts val="2200"/>
+              <a:buChar char="●"/>
+            </a:pPr>
+            <a:r>
+              <a:rPr lang="en"/>
+              <a:t>… presents only a brief overview of Git</a:t>
+            </a:r>
+            <a:endParaRPr/>
+          </a:p>
+          <a:p>
+            <a:pPr marL="914400" lvl="1" indent="-355600" algn="l" rtl="0">
+              <a:lnSpc>
+                <a:spcPct val="115000"/>
+              </a:lnSpc>
+              <a:spcBef>
+                <a:spcPts val="0"/>
+              </a:spcBef>
+              <a:spcAft>
+                <a:spcPts val="0"/>
+              </a:spcAft>
+              <a:buSzPts val="2000"/>
+              <a:buChar char="○"/>
+            </a:pPr>
+            <a:r>
+              <a:rPr lang="en"/>
+              <a:t>Really the bare minimum needed for this class</a:t>
+            </a:r>
+            <a:endParaRPr/>
+          </a:p>
+          <a:p>
+            <a:pPr marL="914400" lvl="1" indent="-355600" algn="l" rtl="0">
+              <a:lnSpc>
+                <a:spcPct val="115000"/>
+              </a:lnSpc>
+              <a:spcBef>
+                <a:spcPts val="0"/>
+              </a:spcBef>
+              <a:spcAft>
+                <a:spcPts val="0"/>
+              </a:spcAft>
+              <a:buSzPts val="2000"/>
+              <a:buChar char="○"/>
+            </a:pPr>
+            <a:r>
+              <a:rPr lang="en"/>
+              <a:t>Further topics:</a:t>
+            </a:r>
+            <a:endParaRPr/>
+          </a:p>
+          <a:p>
+            <a:pPr marL="1371600" lvl="2" indent="-355600" algn="l" rtl="0">
+              <a:lnSpc>
+                <a:spcPct val="115000"/>
+              </a:lnSpc>
+              <a:spcBef>
+                <a:spcPts val="0"/>
+              </a:spcBef>
+              <a:spcAft>
+                <a:spcPts val="0"/>
+              </a:spcAft>
+              <a:buSzPts val="2000"/>
+              <a:buChar char="■"/>
+            </a:pPr>
+            <a:r>
+              <a:rPr lang="en"/>
+              <a:t>branching</a:t>
+            </a:r>
+            <a:endParaRPr/>
+          </a:p>
+          <a:p>
+            <a:pPr marL="1371600" lvl="2" indent="-355600" algn="l" rtl="0">
+              <a:lnSpc>
+                <a:spcPct val="115000"/>
+              </a:lnSpc>
+              <a:spcBef>
+                <a:spcPts val="0"/>
+              </a:spcBef>
+              <a:spcAft>
+                <a:spcPts val="0"/>
+              </a:spcAft>
+              <a:buSzPts val="2000"/>
+              <a:buChar char="■"/>
+            </a:pPr>
+            <a:r>
+              <a:rPr lang="en"/>
+              <a:t>rebasing</a:t>
+            </a:r>
+            <a:endParaRPr/>
+          </a:p>
+          <a:p>
+            <a:pPr marL="1371600" lvl="2" indent="-355600" algn="l" rtl="0">
+              <a:lnSpc>
+                <a:spcPct val="115000"/>
+              </a:lnSpc>
+              <a:spcBef>
+                <a:spcPts val="0"/>
+              </a:spcBef>
+              <a:spcAft>
+                <a:spcPts val="0"/>
+              </a:spcAft>
+              <a:buSzPts val="2000"/>
+              <a:buChar char="■"/>
+            </a:pPr>
+            <a:r>
+              <a:rPr lang="en"/>
+              <a:t>tagging</a:t>
+            </a:r>
+            <a:endParaRPr/>
+          </a:p>
+          <a:p>
+            <a:pPr marL="1371600" lvl="2" indent="-355600" algn="l" rtl="0">
+              <a:lnSpc>
+                <a:spcPct val="115000"/>
+              </a:lnSpc>
+              <a:spcBef>
+                <a:spcPts val="0"/>
+              </a:spcBef>
+              <a:spcAft>
+                <a:spcPts val="0"/>
+              </a:spcAft>
+              <a:buSzPts val="2000"/>
+              <a:buChar char="■"/>
+            </a:pPr>
+            <a:r>
+              <a:rPr lang="en"/>
+              <a:t>…</a:t>
+            </a:r>
+            <a:endParaRPr/>
+          </a:p>
+          <a:p>
+            <a:pPr marL="457200" lvl="0" indent="-368300" algn="l" rtl="0">
+              <a:lnSpc>
+                <a:spcPct val="115000"/>
+              </a:lnSpc>
+              <a:spcBef>
+                <a:spcPts val="0"/>
+              </a:spcBef>
+              <a:spcAft>
+                <a:spcPts val="0"/>
+              </a:spcAft>
+              <a:buSzPts val="2200"/>
+              <a:buChar char="●"/>
+            </a:pPr>
+            <a:r>
+              <a:rPr lang="en"/>
+              <a:t>Also covers only the bare minimum of Gradle</a:t>
+            </a:r>
+            <a:endParaRPr/>
+          </a:p>
+          <a:p>
+            <a:pPr marL="457200" lvl="0" indent="-368300" algn="l" rtl="0">
+              <a:lnSpc>
+                <a:spcPct val="115000"/>
+              </a:lnSpc>
+              <a:spcBef>
+                <a:spcPts val="0"/>
+              </a:spcBef>
+              <a:spcAft>
+                <a:spcPts val="0"/>
+              </a:spcAft>
+              <a:buSzPts val="2200"/>
+              <a:buChar char="●"/>
+            </a:pPr>
+            <a:r>
+              <a:rPr lang="en"/>
+              <a:t>And doesn't really cover any JUnit!</a:t>
+            </a:r>
+            <a:endParaRPr/>
+          </a:p>
+          <a:p>
+            <a:pPr marL="457200" lvl="0" indent="-368300" algn="l" rtl="0">
+              <a:lnSpc>
+                <a:spcPct val="115000"/>
+              </a:lnSpc>
+              <a:spcBef>
+                <a:spcPts val="0"/>
+              </a:spcBef>
+              <a:spcAft>
+                <a:spcPts val="0"/>
+              </a:spcAft>
+              <a:buSzPts val="2200"/>
+              <a:buChar char="●"/>
+            </a:pPr>
+            <a:r>
+              <a:rPr lang="en"/>
+              <a:t>Further resources:</a:t>
+            </a:r>
+            <a:endParaRPr/>
+          </a:p>
+          <a:p>
+            <a:pPr marL="914400" lvl="1" indent="-355600" algn="l" rtl="0">
+              <a:lnSpc>
+                <a:spcPct val="115000"/>
+              </a:lnSpc>
+              <a:spcBef>
+                <a:spcPts val="0"/>
+              </a:spcBef>
+              <a:spcAft>
+                <a:spcPts val="0"/>
+              </a:spcAft>
+              <a:buSzPts val="2000"/>
+              <a:buChar char="○"/>
+            </a:pPr>
+            <a:r>
+              <a:rPr lang="en" u="sng">
+                <a:solidFill>
+                  <a:schemeClr val="hlink"/>
+                </a:solidFill>
+                <a:hlinkClick r:id="rId3"/>
+              </a:rPr>
+              <a:t>https://git-scm.com/book/en/v2</a:t>
+            </a:r>
+            <a:endParaRPr/>
+          </a:p>
+          <a:p>
+            <a:pPr marL="914400" lvl="1" indent="-355600" algn="l" rtl="0">
+              <a:lnSpc>
+                <a:spcPct val="115000"/>
+              </a:lnSpc>
+              <a:spcBef>
+                <a:spcPts val="0"/>
+              </a:spcBef>
+              <a:spcAft>
+                <a:spcPts val="0"/>
+              </a:spcAft>
+              <a:buSzPts val="2000"/>
+              <a:buChar char="○"/>
+            </a:pPr>
+            <a:r>
+              <a:rPr lang="en" u="sng">
+                <a:solidFill>
+                  <a:schemeClr val="hlink"/>
+                </a:solidFill>
+                <a:hlinkClick r:id="rId4"/>
+              </a:rPr>
+              <a:t>https://gitimmersion.com/</a:t>
+            </a:r>
+            <a:endParaRPr/>
+          </a:p>
+          <a:p>
+            <a:pPr marL="914400" lvl="1" indent="-355600" algn="l" rtl="0">
+              <a:lnSpc>
+                <a:spcPct val="115000"/>
+              </a:lnSpc>
+              <a:spcBef>
+                <a:spcPts val="0"/>
+              </a:spcBef>
+              <a:spcAft>
+                <a:spcPts val="0"/>
+              </a:spcAft>
+              <a:buSzPts val="2000"/>
+              <a:buChar char="○"/>
+            </a:pPr>
+            <a:r>
+              <a:rPr lang="en" u="sng">
+                <a:solidFill>
+                  <a:schemeClr val="hlink"/>
+                </a:solidFill>
+                <a:hlinkClick r:id="rId5"/>
+              </a:rPr>
+              <a:t>https://docs.gradle.org/current/userguide/userguide.html</a:t>
+            </a:r>
+            <a:endParaRPr/>
+          </a:p>
+          <a:p>
+            <a:pPr marL="914400" lvl="1" indent="-355600" algn="l" rtl="0">
+              <a:lnSpc>
+                <a:spcPct val="115000"/>
+              </a:lnSpc>
+              <a:spcBef>
+                <a:spcPts val="0"/>
+              </a:spcBef>
+              <a:spcAft>
+                <a:spcPts val="0"/>
+              </a:spcAft>
+              <a:buSzPts val="2000"/>
+              <a:buChar char="○"/>
+            </a:pPr>
+            <a:r>
+              <a:rPr lang="en" u="sng">
+                <a:solidFill>
+                  <a:schemeClr val="hlink"/>
+                </a:solidFill>
+                <a:hlinkClick r:id="rId6"/>
+              </a:rPr>
+              <a:t>https://junit.org/junit5/docs/current/user-guide/</a:t>
+            </a:r>
+            <a:endParaRPr/>
+          </a:p>
+        </p:txBody>
+      </p:sp>
+      <p:sp>
+        <p:nvSpPr>
+          <p:cNvPr id="298" name="Google Shape;298;p40"/>
+          <p:cNvSpPr txBox="1">
+            <a:spLocks noGrp="1"/>
+          </p:cNvSpPr>
+          <p:nvPr>
+            <p:ph type="title"/>
+          </p:nvPr>
+        </p:nvSpPr>
+        <p:spPr>
+          <a:xfrm>
+            <a:off x="457200" y="196650"/>
+            <a:ext cx="8229600" cy="608100"/>
+          </a:xfrm>
+          <a:prstGeom prst="rect">
+            <a:avLst/>
+          </a:prstGeom>
+        </p:spPr>
+        <p:txBody>
+          <a:bodyPr spcFirstLastPara="1" wrap="square" lIns="91425" tIns="91425" rIns="91425" bIns="91425" anchor="b" anchorCtr="0">
+            <a:noAutofit/>
+          </a:bodyPr>
+          <a:lstStyle/>
+          <a:p>
+            <a:pPr marL="0" lvl="0" indent="0" algn="l" rtl="0">
+              <a:spcBef>
+                <a:spcPts val="0"/>
+              </a:spcBef>
+              <a:spcAft>
+                <a:spcPts val="0"/>
+              </a:spcAft>
+              <a:buNone/>
+            </a:pPr>
+            <a:r>
+              <a:rPr lang="en"/>
+              <a:t>What we've covered here...</a:t>
+            </a:r>
+            <a:endParaRPr/>
+          </a:p>
+        </p:txBody>
+      </p:sp>
+      <p:sp>
+        <p:nvSpPr>
+          <p:cNvPr id="299" name="Google Shape;299;p40"/>
+          <p:cNvSpPr txBox="1">
+            <a:spLocks noGrp="1"/>
+          </p:cNvSpPr>
+          <p:nvPr>
+            <p:ph type="sldNum" idx="12"/>
+          </p:nvPr>
+        </p:nvSpPr>
+        <p:spPr>
+          <a:xfrm>
+            <a:off x="8556784" y="6333134"/>
+            <a:ext cx="548700" cy="525000"/>
+          </a:xfrm>
+          <a:prstGeom prst="rect">
+            <a:avLst/>
+          </a:prstGeom>
+        </p:spPr>
+        <p:txBody>
+          <a:bodyPr spcFirstLastPara="1" wrap="square" lIns="91425" tIns="91425" rIns="91425" bIns="91425" anchor="ctr" anchorCtr="0">
+            <a:noAutofit/>
+          </a:bodyPr>
+          <a:lstStyle/>
+          <a:p>
+            <a:pPr marL="0" lvl="0" indent="0" algn="r" rtl="0">
+              <a:spcBef>
+                <a:spcPts val="0"/>
+              </a:spcBef>
+              <a:spcAft>
+                <a:spcPts val="0"/>
+              </a:spcAft>
+              <a:buNone/>
+            </a:pPr>
+            <a:fld id="{00000000-1234-1234-1234-123412341234}" type="slidenum">
+              <a:rPr lang="en"/>
+              <a:t>36</a:t>
+            </a:fld>
+            <a:endParaRPr/>
+          </a:p>
+        </p:txBody>
+      </p:sp>
+    </p:spTree>
+  </p:cSld>
+  <p:clrMapOvr>
+    <a:masterClrMapping/>
+  </p:clrMapOvr>
+  <p:timing>
+    <p:tnLst>
+      <p:par>
+        <p:cTn id="1" dur="indefinite" restart="never" nodeType="tmRoot">
+          <p:childTnLst>
+            <p:seq concurrent="1" nextAc="seek">
+              <p:cTn id="2" dur="indefinite" nodeType="mainSeq">
+                <p:childTnLst>
+                  <p:par>
+                    <p:cTn id="3" fill="hold">
+                      <p:stCondLst>
+                        <p:cond delay="indefinite"/>
+                      </p:stCondLst>
+                      <p:childTnLst>
+                        <p:par>
+                          <p:cTn id="4" fill="hold">
+                            <p:stCondLst>
+                              <p:cond delay="0"/>
+                            </p:stCondLst>
+                            <p:childTnLst>
+                              <p:par>
+                                <p:cTn id="5" presetID="10" presetClass="entr" presetSubtype="0" fill="hold" nodeType="clickEffect">
+                                  <p:stCondLst>
+                                    <p:cond delay="0"/>
+                                  </p:stCondLst>
+                                  <p:childTnLst>
+                                    <p:set>
+                                      <p:cBhvr>
+                                        <p:cTn id="6" dur="1" fill="hold">
+                                          <p:stCondLst>
+                                            <p:cond delay="0"/>
+                                          </p:stCondLst>
+                                        </p:cTn>
+                                        <p:tgtEl>
+                                          <p:spTgt spid="297">
+                                            <p:txEl>
+                                              <p:pRg st="0" end="0"/>
+                                            </p:txEl>
+                                          </p:spTgt>
+                                        </p:tgtEl>
+                                        <p:attrNameLst>
+                                          <p:attrName>style.visibility</p:attrName>
+                                        </p:attrNameLst>
+                                      </p:cBhvr>
+                                      <p:to>
+                                        <p:strVal val="visible"/>
+                                      </p:to>
+                                    </p:set>
+                                    <p:animEffect transition="in" filter="fade">
+                                      <p:cBhvr>
+                                        <p:cTn id="7" dur="100"/>
+                                        <p:tgtEl>
+                                          <p:spTgt spid="297">
+                                            <p:txEl>
+                                              <p:pRg st="0" end="0"/>
+                                            </p:txEl>
+                                          </p:spTgt>
+                                        </p:tgtEl>
+                                      </p:cBhvr>
+                                    </p:animEffect>
+                                  </p:childTnLst>
+                                </p:cTn>
+                              </p:par>
+                            </p:childTnLst>
+                          </p:cTn>
+                        </p:par>
+                      </p:childTnLst>
+                    </p:cTn>
+                  </p:par>
+                  <p:par>
+                    <p:cTn id="8" fill="hold">
+                      <p:stCondLst>
+                        <p:cond delay="indefinite"/>
+                      </p:stCondLst>
+                      <p:childTnLst>
+                        <p:par>
+                          <p:cTn id="9" fill="hold">
+                            <p:stCondLst>
+                              <p:cond delay="0"/>
+                            </p:stCondLst>
+                            <p:childTnLst>
+                              <p:par>
+                                <p:cTn id="10" presetID="10" presetClass="entr" presetSubtype="0" fill="hold" nodeType="clickEffect">
+                                  <p:stCondLst>
+                                    <p:cond delay="0"/>
+                                  </p:stCondLst>
+                                  <p:childTnLst>
+                                    <p:set>
+                                      <p:cBhvr>
+                                        <p:cTn id="11" dur="1" fill="hold">
+                                          <p:stCondLst>
+                                            <p:cond delay="0"/>
+                                          </p:stCondLst>
+                                        </p:cTn>
+                                        <p:tgtEl>
+                                          <p:spTgt spid="297">
+                                            <p:txEl>
+                                              <p:pRg st="1" end="1"/>
+                                            </p:txEl>
+                                          </p:spTgt>
+                                        </p:tgtEl>
+                                        <p:attrNameLst>
+                                          <p:attrName>style.visibility</p:attrName>
+                                        </p:attrNameLst>
+                                      </p:cBhvr>
+                                      <p:to>
+                                        <p:strVal val="visible"/>
+                                      </p:to>
+                                    </p:set>
+                                    <p:animEffect transition="in" filter="fade">
+                                      <p:cBhvr>
+                                        <p:cTn id="12" dur="100"/>
+                                        <p:tgtEl>
+                                          <p:spTgt spid="297">
+                                            <p:txEl>
+                                              <p:pRg st="1" end="1"/>
+                                            </p:txEl>
+                                          </p:spTgt>
+                                        </p:tgtEl>
+                                      </p:cBhvr>
+                                    </p:animEffect>
+                                  </p:childTnLst>
+                                </p:cTn>
+                              </p:par>
+                            </p:childTnLst>
+                          </p:cTn>
+                        </p:par>
+                      </p:childTnLst>
+                    </p:cTn>
+                  </p:par>
+                  <p:par>
+                    <p:cTn id="13" fill="hold">
+                      <p:stCondLst>
+                        <p:cond delay="indefinite"/>
+                      </p:stCondLst>
+                      <p:childTnLst>
+                        <p:par>
+                          <p:cTn id="14" fill="hold">
+                            <p:stCondLst>
+                              <p:cond delay="0"/>
+                            </p:stCondLst>
+                            <p:childTnLst>
+                              <p:par>
+                                <p:cTn id="15" presetID="10" presetClass="entr" presetSubtype="0" fill="hold" nodeType="clickEffect">
+                                  <p:stCondLst>
+                                    <p:cond delay="0"/>
+                                  </p:stCondLst>
+                                  <p:childTnLst>
+                                    <p:set>
+                                      <p:cBhvr>
+                                        <p:cTn id="16" dur="1" fill="hold">
+                                          <p:stCondLst>
+                                            <p:cond delay="0"/>
+                                          </p:stCondLst>
+                                        </p:cTn>
+                                        <p:tgtEl>
+                                          <p:spTgt spid="297">
+                                            <p:txEl>
+                                              <p:pRg st="2" end="2"/>
+                                            </p:txEl>
+                                          </p:spTgt>
+                                        </p:tgtEl>
+                                        <p:attrNameLst>
+                                          <p:attrName>style.visibility</p:attrName>
+                                        </p:attrNameLst>
+                                      </p:cBhvr>
+                                      <p:to>
+                                        <p:strVal val="visible"/>
+                                      </p:to>
+                                    </p:set>
+                                    <p:animEffect transition="in" filter="fade">
+                                      <p:cBhvr>
+                                        <p:cTn id="17" dur="100"/>
+                                        <p:tgtEl>
+                                          <p:spTgt spid="297">
+                                            <p:txEl>
+                                              <p:pRg st="2" end="2"/>
+                                            </p:txEl>
+                                          </p:spTgt>
+                                        </p:tgtEl>
+                                      </p:cBhvr>
+                                    </p:animEffect>
+                                  </p:childTnLst>
+                                </p:cTn>
+                              </p:par>
+                            </p:childTnLst>
+                          </p:cTn>
+                        </p:par>
+                      </p:childTnLst>
+                    </p:cTn>
+                  </p:par>
+                  <p:par>
+                    <p:cTn id="18" fill="hold">
+                      <p:stCondLst>
+                        <p:cond delay="indefinite"/>
+                      </p:stCondLst>
+                      <p:childTnLst>
+                        <p:par>
+                          <p:cTn id="19" fill="hold">
+                            <p:stCondLst>
+                              <p:cond delay="0"/>
+                            </p:stCondLst>
+                            <p:childTnLst>
+                              <p:par>
+                                <p:cTn id="20" presetID="10" presetClass="entr" presetSubtype="0" fill="hold" nodeType="clickEffect">
+                                  <p:stCondLst>
+                                    <p:cond delay="0"/>
+                                  </p:stCondLst>
+                                  <p:childTnLst>
+                                    <p:set>
+                                      <p:cBhvr>
+                                        <p:cTn id="21" dur="1" fill="hold">
+                                          <p:stCondLst>
+                                            <p:cond delay="0"/>
+                                          </p:stCondLst>
+                                        </p:cTn>
+                                        <p:tgtEl>
+                                          <p:spTgt spid="297">
+                                            <p:txEl>
+                                              <p:pRg st="3" end="3"/>
+                                            </p:txEl>
+                                          </p:spTgt>
+                                        </p:tgtEl>
+                                        <p:attrNameLst>
+                                          <p:attrName>style.visibility</p:attrName>
+                                        </p:attrNameLst>
+                                      </p:cBhvr>
+                                      <p:to>
+                                        <p:strVal val="visible"/>
+                                      </p:to>
+                                    </p:set>
+                                    <p:animEffect transition="in" filter="fade">
+                                      <p:cBhvr>
+                                        <p:cTn id="22" dur="100"/>
+                                        <p:tgtEl>
+                                          <p:spTgt spid="297">
+                                            <p:txEl>
+                                              <p:pRg st="3" end="3"/>
+                                            </p:txEl>
+                                          </p:spTgt>
+                                        </p:tgtEl>
+                                      </p:cBhvr>
+                                    </p:animEffect>
+                                  </p:childTnLst>
+                                </p:cTn>
+                              </p:par>
+                            </p:childTnLst>
+                          </p:cTn>
+                        </p:par>
+                      </p:childTnLst>
+                    </p:cTn>
+                  </p:par>
+                  <p:par>
+                    <p:cTn id="23" fill="hold">
+                      <p:stCondLst>
+                        <p:cond delay="indefinite"/>
+                      </p:stCondLst>
+                      <p:childTnLst>
+                        <p:par>
+                          <p:cTn id="24" fill="hold">
+                            <p:stCondLst>
+                              <p:cond delay="0"/>
+                            </p:stCondLst>
+                            <p:childTnLst>
+                              <p:par>
+                                <p:cTn id="25" presetID="10" presetClass="entr" presetSubtype="0" fill="hold" nodeType="clickEffect">
+                                  <p:stCondLst>
+                                    <p:cond delay="0"/>
+                                  </p:stCondLst>
+                                  <p:childTnLst>
+                                    <p:set>
+                                      <p:cBhvr>
+                                        <p:cTn id="26" dur="1" fill="hold">
+                                          <p:stCondLst>
+                                            <p:cond delay="0"/>
+                                          </p:stCondLst>
+                                        </p:cTn>
+                                        <p:tgtEl>
+                                          <p:spTgt spid="297">
+                                            <p:txEl>
+                                              <p:pRg st="4" end="4"/>
+                                            </p:txEl>
+                                          </p:spTgt>
+                                        </p:tgtEl>
+                                        <p:attrNameLst>
+                                          <p:attrName>style.visibility</p:attrName>
+                                        </p:attrNameLst>
+                                      </p:cBhvr>
+                                      <p:to>
+                                        <p:strVal val="visible"/>
+                                      </p:to>
+                                    </p:set>
+                                    <p:animEffect transition="in" filter="fade">
+                                      <p:cBhvr>
+                                        <p:cTn id="27" dur="100"/>
+                                        <p:tgtEl>
+                                          <p:spTgt spid="297">
+                                            <p:txEl>
+                                              <p:pRg st="4" end="4"/>
+                                            </p:txEl>
+                                          </p:spTgt>
+                                        </p:tgtEl>
+                                      </p:cBhvr>
+                                    </p:animEffect>
+                                  </p:childTnLst>
+                                </p:cTn>
+                              </p:par>
+                            </p:childTnLst>
+                          </p:cTn>
+                        </p:par>
+                      </p:childTnLst>
+                    </p:cTn>
+                  </p:par>
+                  <p:par>
+                    <p:cTn id="28" fill="hold">
+                      <p:stCondLst>
+                        <p:cond delay="indefinite"/>
+                      </p:stCondLst>
+                      <p:childTnLst>
+                        <p:par>
+                          <p:cTn id="29" fill="hold">
+                            <p:stCondLst>
+                              <p:cond delay="0"/>
+                            </p:stCondLst>
+                            <p:childTnLst>
+                              <p:par>
+                                <p:cTn id="30" presetID="10" presetClass="entr" presetSubtype="0" fill="hold" nodeType="clickEffect">
+                                  <p:stCondLst>
+                                    <p:cond delay="0"/>
+                                  </p:stCondLst>
+                                  <p:childTnLst>
+                                    <p:set>
+                                      <p:cBhvr>
+                                        <p:cTn id="31" dur="1" fill="hold">
+                                          <p:stCondLst>
+                                            <p:cond delay="0"/>
+                                          </p:stCondLst>
+                                        </p:cTn>
+                                        <p:tgtEl>
+                                          <p:spTgt spid="297">
+                                            <p:txEl>
+                                              <p:pRg st="5" end="5"/>
+                                            </p:txEl>
+                                          </p:spTgt>
+                                        </p:tgtEl>
+                                        <p:attrNameLst>
+                                          <p:attrName>style.visibility</p:attrName>
+                                        </p:attrNameLst>
+                                      </p:cBhvr>
+                                      <p:to>
+                                        <p:strVal val="visible"/>
+                                      </p:to>
+                                    </p:set>
+                                    <p:animEffect transition="in" filter="fade">
+                                      <p:cBhvr>
+                                        <p:cTn id="32" dur="100"/>
+                                        <p:tgtEl>
+                                          <p:spTgt spid="297">
+                                            <p:txEl>
+                                              <p:pRg st="5" end="5"/>
+                                            </p:txEl>
+                                          </p:spTgt>
+                                        </p:tgtEl>
+                                      </p:cBhvr>
+                                    </p:animEffect>
+                                  </p:childTnLst>
+                                </p:cTn>
+                              </p:par>
+                            </p:childTnLst>
+                          </p:cTn>
+                        </p:par>
+                      </p:childTnLst>
+                    </p:cTn>
+                  </p:par>
+                  <p:par>
+                    <p:cTn id="33" fill="hold">
+                      <p:stCondLst>
+                        <p:cond delay="indefinite"/>
+                      </p:stCondLst>
+                      <p:childTnLst>
+                        <p:par>
+                          <p:cTn id="34" fill="hold">
+                            <p:stCondLst>
+                              <p:cond delay="0"/>
+                            </p:stCondLst>
+                            <p:childTnLst>
+                              <p:par>
+                                <p:cTn id="35" presetID="10" presetClass="entr" presetSubtype="0" fill="hold" nodeType="clickEffect">
+                                  <p:stCondLst>
+                                    <p:cond delay="0"/>
+                                  </p:stCondLst>
+                                  <p:childTnLst>
+                                    <p:set>
+                                      <p:cBhvr>
+                                        <p:cTn id="36" dur="1" fill="hold">
+                                          <p:stCondLst>
+                                            <p:cond delay="0"/>
+                                          </p:stCondLst>
+                                        </p:cTn>
+                                        <p:tgtEl>
+                                          <p:spTgt spid="297">
+                                            <p:txEl>
+                                              <p:pRg st="6" end="6"/>
+                                            </p:txEl>
+                                          </p:spTgt>
+                                        </p:tgtEl>
+                                        <p:attrNameLst>
+                                          <p:attrName>style.visibility</p:attrName>
+                                        </p:attrNameLst>
+                                      </p:cBhvr>
+                                      <p:to>
+                                        <p:strVal val="visible"/>
+                                      </p:to>
+                                    </p:set>
+                                    <p:animEffect transition="in" filter="fade">
+                                      <p:cBhvr>
+                                        <p:cTn id="37" dur="100"/>
+                                        <p:tgtEl>
+                                          <p:spTgt spid="297">
+                                            <p:txEl>
+                                              <p:pRg st="6" end="6"/>
+                                            </p:txEl>
+                                          </p:spTgt>
+                                        </p:tgtEl>
+                                      </p:cBhvr>
+                                    </p:animEffect>
+                                  </p:childTnLst>
+                                </p:cTn>
+                              </p:par>
+                            </p:childTnLst>
+                          </p:cTn>
+                        </p:par>
+                      </p:childTnLst>
+                    </p:cTn>
+                  </p:par>
+                  <p:par>
+                    <p:cTn id="38" fill="hold">
+                      <p:stCondLst>
+                        <p:cond delay="indefinite"/>
+                      </p:stCondLst>
+                      <p:childTnLst>
+                        <p:par>
+                          <p:cTn id="39" fill="hold">
+                            <p:stCondLst>
+                              <p:cond delay="0"/>
+                            </p:stCondLst>
+                            <p:childTnLst>
+                              <p:par>
+                                <p:cTn id="40" presetID="10" presetClass="entr" presetSubtype="0" fill="hold" nodeType="clickEffect">
+                                  <p:stCondLst>
+                                    <p:cond delay="0"/>
+                                  </p:stCondLst>
+                                  <p:childTnLst>
+                                    <p:set>
+                                      <p:cBhvr>
+                                        <p:cTn id="41" dur="1" fill="hold">
+                                          <p:stCondLst>
+                                            <p:cond delay="0"/>
+                                          </p:stCondLst>
+                                        </p:cTn>
+                                        <p:tgtEl>
+                                          <p:spTgt spid="297">
+                                            <p:txEl>
+                                              <p:pRg st="7" end="7"/>
+                                            </p:txEl>
+                                          </p:spTgt>
+                                        </p:tgtEl>
+                                        <p:attrNameLst>
+                                          <p:attrName>style.visibility</p:attrName>
+                                        </p:attrNameLst>
+                                      </p:cBhvr>
+                                      <p:to>
+                                        <p:strVal val="visible"/>
+                                      </p:to>
+                                    </p:set>
+                                    <p:animEffect transition="in" filter="fade">
+                                      <p:cBhvr>
+                                        <p:cTn id="42" dur="100"/>
+                                        <p:tgtEl>
+                                          <p:spTgt spid="297">
+                                            <p:txEl>
+                                              <p:pRg st="7" end="7"/>
+                                            </p:txEl>
+                                          </p:spTgt>
+                                        </p:tgtEl>
+                                      </p:cBhvr>
+                                    </p:animEffect>
+                                  </p:childTnLst>
+                                </p:cTn>
+                              </p:par>
+                            </p:childTnLst>
+                          </p:cTn>
+                        </p:par>
+                      </p:childTnLst>
+                    </p:cTn>
+                  </p:par>
+                  <p:par>
+                    <p:cTn id="43" fill="hold">
+                      <p:stCondLst>
+                        <p:cond delay="indefinite"/>
+                      </p:stCondLst>
+                      <p:childTnLst>
+                        <p:par>
+                          <p:cTn id="44" fill="hold">
+                            <p:stCondLst>
+                              <p:cond delay="0"/>
+                            </p:stCondLst>
+                            <p:childTnLst>
+                              <p:par>
+                                <p:cTn id="45" presetID="10" presetClass="entr" presetSubtype="0" fill="hold" nodeType="clickEffect">
+                                  <p:stCondLst>
+                                    <p:cond delay="0"/>
+                                  </p:stCondLst>
+                                  <p:childTnLst>
+                                    <p:set>
+                                      <p:cBhvr>
+                                        <p:cTn id="46" dur="1" fill="hold">
+                                          <p:stCondLst>
+                                            <p:cond delay="0"/>
+                                          </p:stCondLst>
+                                        </p:cTn>
+                                        <p:tgtEl>
+                                          <p:spTgt spid="297">
+                                            <p:txEl>
+                                              <p:pRg st="8" end="8"/>
+                                            </p:txEl>
+                                          </p:spTgt>
+                                        </p:tgtEl>
+                                        <p:attrNameLst>
+                                          <p:attrName>style.visibility</p:attrName>
+                                        </p:attrNameLst>
+                                      </p:cBhvr>
+                                      <p:to>
+                                        <p:strVal val="visible"/>
+                                      </p:to>
+                                    </p:set>
+                                    <p:animEffect transition="in" filter="fade">
+                                      <p:cBhvr>
+                                        <p:cTn id="47" dur="100"/>
+                                        <p:tgtEl>
+                                          <p:spTgt spid="297">
+                                            <p:txEl>
+                                              <p:pRg st="8" end="8"/>
+                                            </p:txEl>
+                                          </p:spTgt>
+                                        </p:tgtEl>
+                                      </p:cBhvr>
+                                    </p:animEffect>
+                                  </p:childTnLst>
+                                </p:cTn>
+                              </p:par>
+                            </p:childTnLst>
+                          </p:cTn>
+                        </p:par>
+                      </p:childTnLst>
+                    </p:cTn>
+                  </p:par>
+                  <p:par>
+                    <p:cTn id="48" fill="hold">
+                      <p:stCondLst>
+                        <p:cond delay="indefinite"/>
+                      </p:stCondLst>
+                      <p:childTnLst>
+                        <p:par>
+                          <p:cTn id="49" fill="hold">
+                            <p:stCondLst>
+                              <p:cond delay="0"/>
+                            </p:stCondLst>
+                            <p:childTnLst>
+                              <p:par>
+                                <p:cTn id="50" presetID="10" presetClass="entr" presetSubtype="0" fill="hold" nodeType="clickEffect">
+                                  <p:stCondLst>
+                                    <p:cond delay="0"/>
+                                  </p:stCondLst>
+                                  <p:childTnLst>
+                                    <p:set>
+                                      <p:cBhvr>
+                                        <p:cTn id="51" dur="1" fill="hold">
+                                          <p:stCondLst>
+                                            <p:cond delay="0"/>
+                                          </p:stCondLst>
+                                        </p:cTn>
+                                        <p:tgtEl>
+                                          <p:spTgt spid="297">
+                                            <p:txEl>
+                                              <p:pRg st="9" end="9"/>
+                                            </p:txEl>
+                                          </p:spTgt>
+                                        </p:tgtEl>
+                                        <p:attrNameLst>
+                                          <p:attrName>style.visibility</p:attrName>
+                                        </p:attrNameLst>
+                                      </p:cBhvr>
+                                      <p:to>
+                                        <p:strVal val="visible"/>
+                                      </p:to>
+                                    </p:set>
+                                    <p:animEffect transition="in" filter="fade">
+                                      <p:cBhvr>
+                                        <p:cTn id="52" dur="100"/>
+                                        <p:tgtEl>
+                                          <p:spTgt spid="297">
+                                            <p:txEl>
+                                              <p:pRg st="9" end="9"/>
+                                            </p:txEl>
+                                          </p:spTgt>
+                                        </p:tgtEl>
+                                      </p:cBhvr>
+                                    </p:animEffect>
+                                  </p:childTnLst>
+                                </p:cTn>
+                              </p:par>
+                            </p:childTnLst>
+                          </p:cTn>
+                        </p:par>
+                      </p:childTnLst>
+                    </p:cTn>
+                  </p:par>
+                  <p:par>
+                    <p:cTn id="53" fill="hold">
+                      <p:stCondLst>
+                        <p:cond delay="indefinite"/>
+                      </p:stCondLst>
+                      <p:childTnLst>
+                        <p:par>
+                          <p:cTn id="54" fill="hold">
+                            <p:stCondLst>
+                              <p:cond delay="0"/>
+                            </p:stCondLst>
+                            <p:childTnLst>
+                              <p:par>
+                                <p:cTn id="55" presetID="10" presetClass="entr" presetSubtype="0" fill="hold" nodeType="clickEffect">
+                                  <p:stCondLst>
+                                    <p:cond delay="0"/>
+                                  </p:stCondLst>
+                                  <p:childTnLst>
+                                    <p:set>
+                                      <p:cBhvr>
+                                        <p:cTn id="56" dur="1" fill="hold">
+                                          <p:stCondLst>
+                                            <p:cond delay="0"/>
+                                          </p:stCondLst>
+                                        </p:cTn>
+                                        <p:tgtEl>
+                                          <p:spTgt spid="297">
+                                            <p:txEl>
+                                              <p:pRg st="10" end="10"/>
+                                            </p:txEl>
+                                          </p:spTgt>
+                                        </p:tgtEl>
+                                        <p:attrNameLst>
+                                          <p:attrName>style.visibility</p:attrName>
+                                        </p:attrNameLst>
+                                      </p:cBhvr>
+                                      <p:to>
+                                        <p:strVal val="visible"/>
+                                      </p:to>
+                                    </p:set>
+                                    <p:animEffect transition="in" filter="fade">
+                                      <p:cBhvr>
+                                        <p:cTn id="57" dur="100"/>
+                                        <p:tgtEl>
+                                          <p:spTgt spid="297">
+                                            <p:txEl>
+                                              <p:pRg st="10" end="10"/>
+                                            </p:txEl>
+                                          </p:spTgt>
+                                        </p:tgtEl>
+                                      </p:cBhvr>
+                                    </p:animEffect>
+                                  </p:childTnLst>
+                                </p:cTn>
+                              </p:par>
+                            </p:childTnLst>
+                          </p:cTn>
+                        </p:par>
+                      </p:childTnLst>
+                    </p:cTn>
+                  </p:par>
+                  <p:par>
+                    <p:cTn id="58" fill="hold">
+                      <p:stCondLst>
+                        <p:cond delay="indefinite"/>
+                      </p:stCondLst>
+                      <p:childTnLst>
+                        <p:par>
+                          <p:cTn id="59" fill="hold">
+                            <p:stCondLst>
+                              <p:cond delay="0"/>
+                            </p:stCondLst>
+                            <p:childTnLst>
+                              <p:par>
+                                <p:cTn id="60" presetID="10" presetClass="entr" presetSubtype="0" fill="hold" nodeType="clickEffect">
+                                  <p:stCondLst>
+                                    <p:cond delay="0"/>
+                                  </p:stCondLst>
+                                  <p:childTnLst>
+                                    <p:set>
+                                      <p:cBhvr>
+                                        <p:cTn id="61" dur="1" fill="hold">
+                                          <p:stCondLst>
+                                            <p:cond delay="0"/>
+                                          </p:stCondLst>
+                                        </p:cTn>
+                                        <p:tgtEl>
+                                          <p:spTgt spid="297">
+                                            <p:txEl>
+                                              <p:pRg st="11" end="11"/>
+                                            </p:txEl>
+                                          </p:spTgt>
+                                        </p:tgtEl>
+                                        <p:attrNameLst>
+                                          <p:attrName>style.visibility</p:attrName>
+                                        </p:attrNameLst>
+                                      </p:cBhvr>
+                                      <p:to>
+                                        <p:strVal val="visible"/>
+                                      </p:to>
+                                    </p:set>
+                                    <p:animEffect transition="in" filter="fade">
+                                      <p:cBhvr>
+                                        <p:cTn id="62" dur="100"/>
+                                        <p:tgtEl>
+                                          <p:spTgt spid="297">
+                                            <p:txEl>
+                                              <p:pRg st="11" end="11"/>
+                                            </p:txEl>
+                                          </p:spTgt>
+                                        </p:tgtEl>
+                                      </p:cBhvr>
+                                    </p:animEffect>
+                                  </p:childTnLst>
+                                </p:cTn>
+                              </p:par>
+                            </p:childTnLst>
+                          </p:cTn>
+                        </p:par>
+                      </p:childTnLst>
+                    </p:cTn>
+                  </p:par>
+                  <p:par>
+                    <p:cTn id="63" fill="hold">
+                      <p:stCondLst>
+                        <p:cond delay="indefinite"/>
+                      </p:stCondLst>
+                      <p:childTnLst>
+                        <p:par>
+                          <p:cTn id="64" fill="hold">
+                            <p:stCondLst>
+                              <p:cond delay="0"/>
+                            </p:stCondLst>
+                            <p:childTnLst>
+                              <p:par>
+                                <p:cTn id="65" presetID="10" presetClass="entr" presetSubtype="0" fill="hold" nodeType="clickEffect">
+                                  <p:stCondLst>
+                                    <p:cond delay="0"/>
+                                  </p:stCondLst>
+                                  <p:childTnLst>
+                                    <p:set>
+                                      <p:cBhvr>
+                                        <p:cTn id="66" dur="1" fill="hold">
+                                          <p:stCondLst>
+                                            <p:cond delay="0"/>
+                                          </p:stCondLst>
+                                        </p:cTn>
+                                        <p:tgtEl>
+                                          <p:spTgt spid="297">
+                                            <p:txEl>
+                                              <p:pRg st="12" end="12"/>
+                                            </p:txEl>
+                                          </p:spTgt>
+                                        </p:tgtEl>
+                                        <p:attrNameLst>
+                                          <p:attrName>style.visibility</p:attrName>
+                                        </p:attrNameLst>
+                                      </p:cBhvr>
+                                      <p:to>
+                                        <p:strVal val="visible"/>
+                                      </p:to>
+                                    </p:set>
+                                    <p:animEffect transition="in" filter="fade">
+                                      <p:cBhvr>
+                                        <p:cTn id="67" dur="100"/>
+                                        <p:tgtEl>
+                                          <p:spTgt spid="297">
+                                            <p:txEl>
+                                              <p:pRg st="12" end="12"/>
+                                            </p:txEl>
+                                          </p:spTgt>
+                                        </p:tgtEl>
+                                      </p:cBhvr>
+                                    </p:animEffect>
+                                  </p:childTnLst>
+                                </p:cTn>
+                              </p:par>
+                            </p:childTnLst>
+                          </p:cTn>
+                        </p:par>
+                      </p:childTnLst>
+                    </p:cTn>
+                  </p:par>
+                  <p:par>
+                    <p:cTn id="68" fill="hold">
+                      <p:stCondLst>
+                        <p:cond delay="indefinite"/>
+                      </p:stCondLst>
+                      <p:childTnLst>
+                        <p:par>
+                          <p:cTn id="69" fill="hold">
+                            <p:stCondLst>
+                              <p:cond delay="0"/>
+                            </p:stCondLst>
+                            <p:childTnLst>
+                              <p:par>
+                                <p:cTn id="70" presetID="10" presetClass="entr" presetSubtype="0" fill="hold" nodeType="clickEffect">
+                                  <p:stCondLst>
+                                    <p:cond delay="0"/>
+                                  </p:stCondLst>
+                                  <p:childTnLst>
+                                    <p:set>
+                                      <p:cBhvr>
+                                        <p:cTn id="71" dur="1" fill="hold">
+                                          <p:stCondLst>
+                                            <p:cond delay="0"/>
+                                          </p:stCondLst>
+                                        </p:cTn>
+                                        <p:tgtEl>
+                                          <p:spTgt spid="297">
+                                            <p:txEl>
+                                              <p:pRg st="13" end="13"/>
+                                            </p:txEl>
+                                          </p:spTgt>
+                                        </p:tgtEl>
+                                        <p:attrNameLst>
+                                          <p:attrName>style.visibility</p:attrName>
+                                        </p:attrNameLst>
+                                      </p:cBhvr>
+                                      <p:to>
+                                        <p:strVal val="visible"/>
+                                      </p:to>
+                                    </p:set>
+                                    <p:animEffect transition="in" filter="fade">
+                                      <p:cBhvr>
+                                        <p:cTn id="72" dur="100"/>
+                                        <p:tgtEl>
+                                          <p:spTgt spid="297">
+                                            <p:txEl>
+                                              <p:pRg st="13" end="13"/>
+                                            </p:txEl>
+                                          </p:spTgt>
+                                        </p:tgtEl>
+                                      </p:cBhvr>
+                                    </p:animEffect>
+                                  </p:childTnLst>
+                                </p:cTn>
+                              </p:par>
+                            </p:childTnLst>
+                          </p:cTn>
+                        </p:par>
+                      </p:childTnLst>
+                    </p:cTn>
+                  </p:par>
+                </p:childTnLst>
+              </p:cTn>
+              <p:prevCondLst>
+                <p:cond evt="onPrev" delay="0">
+                  <p:tgtEl>
+                    <p:sldTgt/>
+                  </p:tgtEl>
+                </p:cond>
+              </p:prevCondLst>
+              <p:nextCondLst>
+                <p:cond evt="onNext" delay="0">
+                  <p:tgtEl>
+                    <p:sldTgt/>
+                  </p:tgtEl>
+                </p:cond>
+              </p:nextCondLst>
+            </p:seq>
+          </p:childTnLst>
+        </p:cTn>
+      </p:par>
+    </p:tnLst>
+  </p:timing>
 </p:sld>
 </file>
 
@@ -15084,8 +18726,13 @@
           <a:p>
             <a:r>
               <a:rPr lang="en-US" dirty="0"/>
-              <a:t>An overview of Git</a:t>
-            </a:r>
+              <a:t>An overview of Git, </a:t>
+            </a:r>
+            <a:r>
+              <a:rPr lang="en-US" dirty="0" err="1"/>
+              <a:t>Codespaces</a:t>
+            </a:r>
+            <a:endParaRPr lang="en-US" dirty="0"/>
           </a:p>
           <a:p>
             <a:endParaRPr lang="en-US" dirty="0"/>
